--- a/visual aids.pptx
+++ b/visual aids.pptx
@@ -11,6 +11,12 @@
     <p:sldId id="259" r:id="rId5"/>
     <p:sldId id="260" r:id="rId6"/>
     <p:sldId id="261" r:id="rId7"/>
+    <p:sldId id="262" r:id="rId8"/>
+    <p:sldId id="263" r:id="rId9"/>
+    <p:sldId id="264" r:id="rId10"/>
+    <p:sldId id="265" r:id="rId11"/>
+    <p:sldId id="266" r:id="rId12"/>
+    <p:sldId id="267" r:id="rId13"/>
   </p:sldIdLst>
   <p:sldSz cx="9144000" cy="6858000" type="screen4x3"/>
   <p:notesSz cx="6858000" cy="9144000"/>
@@ -293,7 +299,7 @@
           <a:p>
             <a:fld id="{5C53F6D8-CA54-4B2C-A2ED-EB1BE73B921A}" type="datetimeFigureOut">
               <a:rPr lang="en-PH" smtClean="0"/>
-              <a:t>17 Dec 2020</a:t>
+              <a:t>21 Dec 2020</a:t>
             </a:fld>
             <a:endParaRPr lang="en-PH"/>
           </a:p>
@@ -463,7 +469,7 @@
           <a:p>
             <a:fld id="{5C53F6D8-CA54-4B2C-A2ED-EB1BE73B921A}" type="datetimeFigureOut">
               <a:rPr lang="en-PH" smtClean="0"/>
-              <a:t>17 Dec 2020</a:t>
+              <a:t>21 Dec 2020</a:t>
             </a:fld>
             <a:endParaRPr lang="en-PH"/>
           </a:p>
@@ -643,7 +649,7 @@
           <a:p>
             <a:fld id="{5C53F6D8-CA54-4B2C-A2ED-EB1BE73B921A}" type="datetimeFigureOut">
               <a:rPr lang="en-PH" smtClean="0"/>
-              <a:t>17 Dec 2020</a:t>
+              <a:t>21 Dec 2020</a:t>
             </a:fld>
             <a:endParaRPr lang="en-PH"/>
           </a:p>
@@ -813,7 +819,7 @@
           <a:p>
             <a:fld id="{5C53F6D8-CA54-4B2C-A2ED-EB1BE73B921A}" type="datetimeFigureOut">
               <a:rPr lang="en-PH" smtClean="0"/>
-              <a:t>17 Dec 2020</a:t>
+              <a:t>21 Dec 2020</a:t>
             </a:fld>
             <a:endParaRPr lang="en-PH"/>
           </a:p>
@@ -1059,7 +1065,7 @@
           <a:p>
             <a:fld id="{5C53F6D8-CA54-4B2C-A2ED-EB1BE73B921A}" type="datetimeFigureOut">
               <a:rPr lang="en-PH" smtClean="0"/>
-              <a:t>17 Dec 2020</a:t>
+              <a:t>21 Dec 2020</a:t>
             </a:fld>
             <a:endParaRPr lang="en-PH"/>
           </a:p>
@@ -1347,7 +1353,7 @@
           <a:p>
             <a:fld id="{5C53F6D8-CA54-4B2C-A2ED-EB1BE73B921A}" type="datetimeFigureOut">
               <a:rPr lang="en-PH" smtClean="0"/>
-              <a:t>17 Dec 2020</a:t>
+              <a:t>21 Dec 2020</a:t>
             </a:fld>
             <a:endParaRPr lang="en-PH"/>
           </a:p>
@@ -1769,7 +1775,7 @@
           <a:p>
             <a:fld id="{5C53F6D8-CA54-4B2C-A2ED-EB1BE73B921A}" type="datetimeFigureOut">
               <a:rPr lang="en-PH" smtClean="0"/>
-              <a:t>17 Dec 2020</a:t>
+              <a:t>21 Dec 2020</a:t>
             </a:fld>
             <a:endParaRPr lang="en-PH"/>
           </a:p>
@@ -1887,7 +1893,7 @@
           <a:p>
             <a:fld id="{5C53F6D8-CA54-4B2C-A2ED-EB1BE73B921A}" type="datetimeFigureOut">
               <a:rPr lang="en-PH" smtClean="0"/>
-              <a:t>17 Dec 2020</a:t>
+              <a:t>21 Dec 2020</a:t>
             </a:fld>
             <a:endParaRPr lang="en-PH"/>
           </a:p>
@@ -1982,7 +1988,7 @@
           <a:p>
             <a:fld id="{5C53F6D8-CA54-4B2C-A2ED-EB1BE73B921A}" type="datetimeFigureOut">
               <a:rPr lang="en-PH" smtClean="0"/>
-              <a:t>17 Dec 2020</a:t>
+              <a:t>21 Dec 2020</a:t>
             </a:fld>
             <a:endParaRPr lang="en-PH"/>
           </a:p>
@@ -2259,7 +2265,7 @@
           <a:p>
             <a:fld id="{5C53F6D8-CA54-4B2C-A2ED-EB1BE73B921A}" type="datetimeFigureOut">
               <a:rPr lang="en-PH" smtClean="0"/>
-              <a:t>17 Dec 2020</a:t>
+              <a:t>21 Dec 2020</a:t>
             </a:fld>
             <a:endParaRPr lang="en-PH"/>
           </a:p>
@@ -2512,7 +2518,7 @@
           <a:p>
             <a:fld id="{5C53F6D8-CA54-4B2C-A2ED-EB1BE73B921A}" type="datetimeFigureOut">
               <a:rPr lang="en-PH" smtClean="0"/>
-              <a:t>17 Dec 2020</a:t>
+              <a:t>21 Dec 2020</a:t>
             </a:fld>
             <a:endParaRPr lang="en-PH"/>
           </a:p>
@@ -2725,7 +2731,7 @@
           <a:p>
             <a:fld id="{5C53F6D8-CA54-4B2C-A2ED-EB1BE73B921A}" type="datetimeFigureOut">
               <a:rPr lang="en-PH" smtClean="0"/>
-              <a:t>17 Dec 2020</a:t>
+              <a:t>21 Dec 2020</a:t>
             </a:fld>
             <a:endParaRPr lang="en-PH"/>
           </a:p>
@@ -3319,6 +3325,1253 @@
     <p:extLst>
       <p:ext uri="{BB962C8B-B14F-4D97-AF65-F5344CB8AC3E}">
         <p14:creationId xmlns:p14="http://schemas.microsoft.com/office/powerpoint/2010/main" val="4022070235"/>
+      </p:ext>
+    </p:extLst>
+  </p:cSld>
+  <p:clrMapOvr>
+    <a:masterClrMapping/>
+  </p:clrMapOvr>
+</p:sld>
+</file>
+
+<file path=ppt/slides/slide10.xml><?xml version="1.0" encoding="utf-8"?>
+<p:sld xmlns:a="http://schemas.openxmlformats.org/drawingml/2006/main" xmlns:r="http://schemas.openxmlformats.org/officeDocument/2006/relationships" xmlns:p="http://schemas.openxmlformats.org/presentationml/2006/main">
+  <p:cSld>
+    <p:spTree>
+      <p:nvGrpSpPr>
+        <p:cNvPr id="1" name=""/>
+        <p:cNvGrpSpPr/>
+        <p:nvPr/>
+      </p:nvGrpSpPr>
+      <p:grpSpPr>
+        <a:xfrm>
+          <a:off x="0" y="0"/>
+          <a:ext cx="0" cy="0"/>
+          <a:chOff x="0" y="0"/>
+          <a:chExt cx="0" cy="0"/>
+        </a:xfrm>
+      </p:grpSpPr>
+      <p:grpSp>
+        <p:nvGrpSpPr>
+          <p:cNvPr id="18" name="Group 17"/>
+          <p:cNvGrpSpPr/>
+          <p:nvPr/>
+        </p:nvGrpSpPr>
+        <p:grpSpPr>
+          <a:xfrm>
+            <a:off x="899592" y="1124744"/>
+            <a:ext cx="7191410" cy="2169532"/>
+            <a:chOff x="899592" y="1124744"/>
+            <a:chExt cx="7191410" cy="2169532"/>
+          </a:xfrm>
+        </p:grpSpPr>
+        <p:sp>
+          <p:nvSpPr>
+            <p:cNvPr id="2" name="TextBox 1"/>
+            <p:cNvSpPr txBox="1"/>
+            <p:nvPr/>
+          </p:nvSpPr>
+          <p:spPr>
+            <a:xfrm>
+              <a:off x="6660232" y="1268760"/>
+              <a:ext cx="1242776" cy="369332"/>
+            </a:xfrm>
+            <a:prstGeom prst="rect">
+              <a:avLst/>
+            </a:prstGeom>
+            <a:noFill/>
+          </p:spPr>
+          <p:txBody>
+            <a:bodyPr wrap="none" rtlCol="0">
+              <a:spAutoFit/>
+            </a:bodyPr>
+            <a:lstStyle/>
+            <a:p>
+              <a:r>
+                <a:rPr lang="en-PH" dirty="0" smtClean="0"/>
+                <a:t>Product list</a:t>
+              </a:r>
+            </a:p>
+          </p:txBody>
+        </p:sp>
+        <p:sp>
+          <p:nvSpPr>
+            <p:cNvPr id="3" name="TextBox 2"/>
+            <p:cNvSpPr txBox="1"/>
+            <p:nvPr/>
+          </p:nvSpPr>
+          <p:spPr>
+            <a:xfrm>
+              <a:off x="6228184" y="2924944"/>
+              <a:ext cx="1862818" cy="369332"/>
+            </a:xfrm>
+            <a:prstGeom prst="rect">
+              <a:avLst/>
+            </a:prstGeom>
+            <a:noFill/>
+          </p:spPr>
+          <p:txBody>
+            <a:bodyPr wrap="none" rtlCol="0">
+              <a:spAutoFit/>
+            </a:bodyPr>
+            <a:lstStyle/>
+            <a:p>
+              <a:r>
+                <a:rPr lang="en-PH" dirty="0" smtClean="0"/>
+                <a:t>Product inventory</a:t>
+              </a:r>
+              <a:endParaRPr lang="en-PH" dirty="0"/>
+            </a:p>
+          </p:txBody>
+        </p:sp>
+        <p:sp>
+          <p:nvSpPr>
+            <p:cNvPr id="4" name="TextBox 3"/>
+            <p:cNvSpPr txBox="1"/>
+            <p:nvPr/>
+          </p:nvSpPr>
+          <p:spPr>
+            <a:xfrm>
+              <a:off x="899592" y="1124744"/>
+              <a:ext cx="1416413" cy="369332"/>
+            </a:xfrm>
+            <a:prstGeom prst="rect">
+              <a:avLst/>
+            </a:prstGeom>
+            <a:noFill/>
+          </p:spPr>
+          <p:txBody>
+            <a:bodyPr wrap="none" rtlCol="0">
+              <a:spAutoFit/>
+            </a:bodyPr>
+            <a:lstStyle/>
+            <a:p>
+              <a:r>
+                <a:rPr lang="en-PH" dirty="0" smtClean="0"/>
+                <a:t>Customer list</a:t>
+              </a:r>
+            </a:p>
+          </p:txBody>
+        </p:sp>
+        <p:sp>
+          <p:nvSpPr>
+            <p:cNvPr id="5" name="TextBox 4"/>
+            <p:cNvSpPr txBox="1"/>
+            <p:nvPr/>
+          </p:nvSpPr>
+          <p:spPr>
+            <a:xfrm>
+              <a:off x="1607798" y="2492896"/>
+              <a:ext cx="1054199" cy="369332"/>
+            </a:xfrm>
+            <a:prstGeom prst="rect">
+              <a:avLst/>
+            </a:prstGeom>
+            <a:noFill/>
+          </p:spPr>
+          <p:txBody>
+            <a:bodyPr wrap="none" rtlCol="0">
+              <a:spAutoFit/>
+            </a:bodyPr>
+            <a:lstStyle/>
+            <a:p>
+              <a:r>
+                <a:rPr lang="en-PH" dirty="0" smtClean="0"/>
+                <a:t>Order list</a:t>
+              </a:r>
+              <a:endParaRPr lang="en-PH" dirty="0"/>
+            </a:p>
+          </p:txBody>
+        </p:sp>
+        <p:cxnSp>
+          <p:nvCxnSpPr>
+            <p:cNvPr id="7" name="Straight Arrow Connector 6"/>
+            <p:cNvCxnSpPr>
+              <a:endCxn id="5" idx="0"/>
+            </p:cNvCxnSpPr>
+            <p:nvPr/>
+          </p:nvCxnSpPr>
+          <p:spPr>
+            <a:xfrm>
+              <a:off x="1607798" y="1591925"/>
+              <a:ext cx="527100" cy="900971"/>
+            </a:xfrm>
+            <a:prstGeom prst="straightConnector1">
+              <a:avLst/>
+            </a:prstGeom>
+            <a:ln>
+              <a:tailEnd type="arrow"/>
+            </a:ln>
+          </p:spPr>
+          <p:style>
+            <a:lnRef idx="3">
+              <a:schemeClr val="dk1"/>
+            </a:lnRef>
+            <a:fillRef idx="0">
+              <a:schemeClr val="dk1"/>
+            </a:fillRef>
+            <a:effectRef idx="2">
+              <a:schemeClr val="dk1"/>
+            </a:effectRef>
+            <a:fontRef idx="minor">
+              <a:schemeClr val="tx1"/>
+            </a:fontRef>
+          </p:style>
+        </p:cxnSp>
+        <p:cxnSp>
+          <p:nvCxnSpPr>
+            <p:cNvPr id="9" name="Straight Arrow Connector 8"/>
+            <p:cNvCxnSpPr>
+              <a:stCxn id="3" idx="0"/>
+              <a:endCxn id="2" idx="2"/>
+            </p:cNvCxnSpPr>
+            <p:nvPr/>
+          </p:nvCxnSpPr>
+          <p:spPr>
+            <a:xfrm flipV="1">
+              <a:off x="7159593" y="1638092"/>
+              <a:ext cx="122027" cy="1286852"/>
+            </a:xfrm>
+            <a:prstGeom prst="straightConnector1">
+              <a:avLst/>
+            </a:prstGeom>
+            <a:ln>
+              <a:tailEnd type="arrow"/>
+            </a:ln>
+          </p:spPr>
+          <p:style>
+            <a:lnRef idx="3">
+              <a:schemeClr val="dk1"/>
+            </a:lnRef>
+            <a:fillRef idx="0">
+              <a:schemeClr val="dk1"/>
+            </a:fillRef>
+            <a:effectRef idx="2">
+              <a:schemeClr val="dk1"/>
+            </a:effectRef>
+            <a:fontRef idx="minor">
+              <a:schemeClr val="tx1"/>
+            </a:fontRef>
+          </p:style>
+        </p:cxnSp>
+        <p:cxnSp>
+          <p:nvCxnSpPr>
+            <p:cNvPr id="11" name="Straight Arrow Connector 10"/>
+            <p:cNvCxnSpPr>
+              <a:endCxn id="2" idx="1"/>
+            </p:cNvCxnSpPr>
+            <p:nvPr/>
+          </p:nvCxnSpPr>
+          <p:spPr>
+            <a:xfrm flipV="1">
+              <a:off x="2483768" y="1453426"/>
+              <a:ext cx="4176464" cy="1039470"/>
+            </a:xfrm>
+            <a:prstGeom prst="straightConnector1">
+              <a:avLst/>
+            </a:prstGeom>
+            <a:ln>
+              <a:tailEnd type="arrow"/>
+            </a:ln>
+          </p:spPr>
+          <p:style>
+            <a:lnRef idx="3">
+              <a:schemeClr val="dk1"/>
+            </a:lnRef>
+            <a:fillRef idx="0">
+              <a:schemeClr val="dk1"/>
+            </a:fillRef>
+            <a:effectRef idx="2">
+              <a:schemeClr val="dk1"/>
+            </a:effectRef>
+            <a:fontRef idx="minor">
+              <a:schemeClr val="tx1"/>
+            </a:fontRef>
+          </p:style>
+        </p:cxnSp>
+        <p:cxnSp>
+          <p:nvCxnSpPr>
+            <p:cNvPr id="14" name="Straight Arrow Connector 13"/>
+            <p:cNvCxnSpPr>
+              <a:stCxn id="4" idx="3"/>
+            </p:cNvCxnSpPr>
+            <p:nvPr/>
+          </p:nvCxnSpPr>
+          <p:spPr>
+            <a:xfrm flipV="1">
+              <a:off x="2316005" y="1237536"/>
+              <a:ext cx="4344227" cy="71874"/>
+            </a:xfrm>
+            <a:prstGeom prst="straightConnector1">
+              <a:avLst/>
+            </a:prstGeom>
+            <a:ln>
+              <a:tailEnd type="arrow"/>
+            </a:ln>
+          </p:spPr>
+          <p:style>
+            <a:lnRef idx="3">
+              <a:schemeClr val="dk1"/>
+            </a:lnRef>
+            <a:fillRef idx="0">
+              <a:schemeClr val="dk1"/>
+            </a:fillRef>
+            <a:effectRef idx="2">
+              <a:schemeClr val="dk1"/>
+            </a:effectRef>
+            <a:fontRef idx="minor">
+              <a:schemeClr val="tx1"/>
+            </a:fontRef>
+          </p:style>
+        </p:cxnSp>
+        <p:cxnSp>
+          <p:nvCxnSpPr>
+            <p:cNvPr id="16" name="Straight Arrow Connector 15"/>
+            <p:cNvCxnSpPr>
+              <a:endCxn id="3" idx="1"/>
+            </p:cNvCxnSpPr>
+            <p:nvPr/>
+          </p:nvCxnSpPr>
+          <p:spPr>
+            <a:xfrm>
+              <a:off x="2636168" y="2645296"/>
+              <a:ext cx="3592016" cy="464314"/>
+            </a:xfrm>
+            <a:prstGeom prst="straightConnector1">
+              <a:avLst/>
+            </a:prstGeom>
+            <a:ln>
+              <a:tailEnd type="arrow"/>
+            </a:ln>
+          </p:spPr>
+          <p:style>
+            <a:lnRef idx="3">
+              <a:schemeClr val="dk1"/>
+            </a:lnRef>
+            <a:fillRef idx="0">
+              <a:schemeClr val="dk1"/>
+            </a:fillRef>
+            <a:effectRef idx="2">
+              <a:schemeClr val="dk1"/>
+            </a:effectRef>
+            <a:fontRef idx="minor">
+              <a:schemeClr val="tx1"/>
+            </a:fontRef>
+          </p:style>
+        </p:cxnSp>
+      </p:grpSp>
+    </p:spTree>
+    <p:extLst>
+      <p:ext uri="{BB962C8B-B14F-4D97-AF65-F5344CB8AC3E}">
+        <p14:creationId xmlns:p14="http://schemas.microsoft.com/office/powerpoint/2010/main" val="2410186354"/>
+      </p:ext>
+    </p:extLst>
+  </p:cSld>
+  <p:clrMapOvr>
+    <a:masterClrMapping/>
+  </p:clrMapOvr>
+</p:sld>
+</file>
+
+<file path=ppt/slides/slide11.xml><?xml version="1.0" encoding="utf-8"?>
+<p:sld xmlns:a="http://schemas.openxmlformats.org/drawingml/2006/main" xmlns:r="http://schemas.openxmlformats.org/officeDocument/2006/relationships" xmlns:p="http://schemas.openxmlformats.org/presentationml/2006/main">
+  <p:cSld>
+    <p:spTree>
+      <p:nvGrpSpPr>
+        <p:cNvPr id="1" name=""/>
+        <p:cNvGrpSpPr/>
+        <p:nvPr/>
+      </p:nvGrpSpPr>
+      <p:grpSpPr>
+        <a:xfrm>
+          <a:off x="0" y="0"/>
+          <a:ext cx="0" cy="0"/>
+          <a:chOff x="0" y="0"/>
+          <a:chExt cx="0" cy="0"/>
+        </a:xfrm>
+      </p:grpSpPr>
+      <p:sp>
+        <p:nvSpPr>
+          <p:cNvPr id="2" name="Flowchart: Terminator 1"/>
+          <p:cNvSpPr/>
+          <p:nvPr/>
+        </p:nvSpPr>
+        <p:spPr>
+          <a:xfrm>
+            <a:off x="1967684" y="116632"/>
+            <a:ext cx="1440160" cy="320248"/>
+          </a:xfrm>
+          <a:prstGeom prst="flowChartTerminator">
+            <a:avLst/>
+          </a:prstGeom>
+        </p:spPr>
+        <p:style>
+          <a:lnRef idx="2">
+            <a:schemeClr val="accent1">
+              <a:shade val="50000"/>
+            </a:schemeClr>
+          </a:lnRef>
+          <a:fillRef idx="1">
+            <a:schemeClr val="accent1"/>
+          </a:fillRef>
+          <a:effectRef idx="0">
+            <a:schemeClr val="accent1"/>
+          </a:effectRef>
+          <a:fontRef idx="minor">
+            <a:schemeClr val="lt1"/>
+          </a:fontRef>
+        </p:style>
+        <p:txBody>
+          <a:bodyPr rtlCol="0" anchor="ctr"/>
+          <a:lstStyle/>
+          <a:p>
+            <a:pPr algn="ctr"/>
+            <a:endParaRPr lang="en-PH"/>
+          </a:p>
+        </p:txBody>
+      </p:sp>
+      <p:sp>
+        <p:nvSpPr>
+          <p:cNvPr id="3" name="TextBox 2"/>
+          <p:cNvSpPr txBox="1"/>
+          <p:nvPr/>
+        </p:nvSpPr>
+        <p:spPr>
+          <a:xfrm>
+            <a:off x="6804248" y="436880"/>
+            <a:ext cx="1341842" cy="369332"/>
+          </a:xfrm>
+          <a:prstGeom prst="rect">
+            <a:avLst/>
+          </a:prstGeom>
+          <a:noFill/>
+        </p:spPr>
+        <p:txBody>
+          <a:bodyPr wrap="none" rtlCol="0">
+            <a:spAutoFit/>
+          </a:bodyPr>
+          <a:lstStyle/>
+          <a:p>
+            <a:r>
+              <a:rPr lang="en-PH" dirty="0" smtClean="0"/>
+              <a:t>Odd or even</a:t>
+            </a:r>
+            <a:endParaRPr lang="en-PH" dirty="0"/>
+          </a:p>
+        </p:txBody>
+      </p:sp>
+      <p:sp>
+        <p:nvSpPr>
+          <p:cNvPr id="4" name="Flowchart: Preparation 3"/>
+          <p:cNvSpPr/>
+          <p:nvPr/>
+        </p:nvSpPr>
+        <p:spPr>
+          <a:xfrm>
+            <a:off x="975804" y="675104"/>
+            <a:ext cx="3423920" cy="359182"/>
+          </a:xfrm>
+          <a:prstGeom prst="flowChartPreparation">
+            <a:avLst/>
+          </a:prstGeom>
+        </p:spPr>
+        <p:style>
+          <a:lnRef idx="2">
+            <a:schemeClr val="accent1">
+              <a:shade val="50000"/>
+            </a:schemeClr>
+          </a:lnRef>
+          <a:fillRef idx="1">
+            <a:schemeClr val="accent1"/>
+          </a:fillRef>
+          <a:effectRef idx="0">
+            <a:schemeClr val="accent1"/>
+          </a:effectRef>
+          <a:fontRef idx="minor">
+            <a:schemeClr val="lt1"/>
+          </a:fontRef>
+        </p:style>
+        <p:txBody>
+          <a:bodyPr rtlCol="0" anchor="ctr"/>
+          <a:lstStyle/>
+          <a:p>
+            <a:pPr algn="ctr"/>
+            <a:r>
+              <a:rPr lang="en-PH" dirty="0" smtClean="0"/>
+              <a:t>$</a:t>
+            </a:r>
+            <a:r>
+              <a:rPr lang="en-PH" dirty="0" err="1" smtClean="0"/>
+              <a:t>num</a:t>
+            </a:r>
+            <a:r>
+              <a:rPr lang="en-PH" dirty="0" smtClean="0"/>
+              <a:t>, $res, $group</a:t>
+            </a:r>
+            <a:endParaRPr lang="en-PH" dirty="0"/>
+          </a:p>
+        </p:txBody>
+      </p:sp>
+      <p:sp>
+        <p:nvSpPr>
+          <p:cNvPr id="5" name="Flowchart: Data 4"/>
+          <p:cNvSpPr/>
+          <p:nvPr/>
+        </p:nvSpPr>
+        <p:spPr>
+          <a:xfrm>
+            <a:off x="1643648" y="1272510"/>
+            <a:ext cx="2088232" cy="432048"/>
+          </a:xfrm>
+          <a:prstGeom prst="flowChartInputOutput">
+            <a:avLst/>
+          </a:prstGeom>
+        </p:spPr>
+        <p:style>
+          <a:lnRef idx="2">
+            <a:schemeClr val="accent1">
+              <a:shade val="50000"/>
+            </a:schemeClr>
+          </a:lnRef>
+          <a:fillRef idx="1">
+            <a:schemeClr val="accent1"/>
+          </a:fillRef>
+          <a:effectRef idx="0">
+            <a:schemeClr val="accent1"/>
+          </a:effectRef>
+          <a:fontRef idx="minor">
+            <a:schemeClr val="lt1"/>
+          </a:fontRef>
+        </p:style>
+        <p:txBody>
+          <a:bodyPr rtlCol="0" anchor="ctr"/>
+          <a:lstStyle/>
+          <a:p>
+            <a:pPr algn="ctr"/>
+            <a:r>
+              <a:rPr lang="en-PH" dirty="0" smtClean="0"/>
+              <a:t>$</a:t>
+            </a:r>
+            <a:r>
+              <a:rPr lang="en-PH" dirty="0" err="1" smtClean="0"/>
+              <a:t>num</a:t>
+            </a:r>
+            <a:r>
+              <a:rPr lang="en-PH" dirty="0" smtClean="0"/>
+              <a:t> = __</a:t>
+            </a:r>
+            <a:endParaRPr lang="en-PH" dirty="0"/>
+          </a:p>
+        </p:txBody>
+      </p:sp>
+      <p:sp>
+        <p:nvSpPr>
+          <p:cNvPr id="6" name="Flowchart: Process 5"/>
+          <p:cNvSpPr/>
+          <p:nvPr/>
+        </p:nvSpPr>
+        <p:spPr>
+          <a:xfrm>
+            <a:off x="1617804" y="1987222"/>
+            <a:ext cx="2160240" cy="612648"/>
+          </a:xfrm>
+          <a:prstGeom prst="flowChartProcess">
+            <a:avLst/>
+          </a:prstGeom>
+        </p:spPr>
+        <p:style>
+          <a:lnRef idx="2">
+            <a:schemeClr val="accent1">
+              <a:shade val="50000"/>
+            </a:schemeClr>
+          </a:lnRef>
+          <a:fillRef idx="1">
+            <a:schemeClr val="accent1"/>
+          </a:fillRef>
+          <a:effectRef idx="0">
+            <a:schemeClr val="accent1"/>
+          </a:effectRef>
+          <a:fontRef idx="minor">
+            <a:schemeClr val="lt1"/>
+          </a:fontRef>
+        </p:style>
+        <p:txBody>
+          <a:bodyPr rtlCol="0" anchor="ctr"/>
+          <a:lstStyle/>
+          <a:p>
+            <a:pPr algn="ctr"/>
+            <a:r>
+              <a:rPr lang="en-PH" dirty="0" smtClean="0"/>
+              <a:t>$res = $</a:t>
+            </a:r>
+            <a:r>
+              <a:rPr lang="en-PH" dirty="0" err="1" smtClean="0"/>
+              <a:t>num</a:t>
+            </a:r>
+            <a:r>
+              <a:rPr lang="en-PH" dirty="0" smtClean="0"/>
+              <a:t> % 2</a:t>
+            </a:r>
+            <a:endParaRPr lang="en-PH" dirty="0"/>
+          </a:p>
+        </p:txBody>
+      </p:sp>
+      <p:sp>
+        <p:nvSpPr>
+          <p:cNvPr id="7" name="Diamond 6"/>
+          <p:cNvSpPr/>
+          <p:nvPr/>
+        </p:nvSpPr>
+        <p:spPr>
+          <a:xfrm>
+            <a:off x="1440108" y="2793654"/>
+            <a:ext cx="2495312" cy="914400"/>
+          </a:xfrm>
+          <a:prstGeom prst="diamond">
+            <a:avLst/>
+          </a:prstGeom>
+        </p:spPr>
+        <p:style>
+          <a:lnRef idx="2">
+            <a:schemeClr val="accent1">
+              <a:shade val="50000"/>
+            </a:schemeClr>
+          </a:lnRef>
+          <a:fillRef idx="1">
+            <a:schemeClr val="accent1"/>
+          </a:fillRef>
+          <a:effectRef idx="0">
+            <a:schemeClr val="accent1"/>
+          </a:effectRef>
+          <a:fontRef idx="minor">
+            <a:schemeClr val="lt1"/>
+          </a:fontRef>
+        </p:style>
+        <p:txBody>
+          <a:bodyPr rtlCol="0" anchor="ctr"/>
+          <a:lstStyle/>
+          <a:p>
+            <a:pPr algn="ctr"/>
+            <a:r>
+              <a:rPr lang="en-PH" dirty="0" smtClean="0"/>
+              <a:t>Is $res = 0?</a:t>
+            </a:r>
+            <a:endParaRPr lang="en-PH" dirty="0"/>
+          </a:p>
+        </p:txBody>
+      </p:sp>
+      <p:sp>
+        <p:nvSpPr>
+          <p:cNvPr id="8" name="Flowchart: Process 7"/>
+          <p:cNvSpPr/>
+          <p:nvPr/>
+        </p:nvSpPr>
+        <p:spPr>
+          <a:xfrm>
+            <a:off x="1643648" y="3946278"/>
+            <a:ext cx="2088232" cy="612648"/>
+          </a:xfrm>
+          <a:prstGeom prst="flowChartProcess">
+            <a:avLst/>
+          </a:prstGeom>
+        </p:spPr>
+        <p:style>
+          <a:lnRef idx="2">
+            <a:schemeClr val="accent1">
+              <a:shade val="50000"/>
+            </a:schemeClr>
+          </a:lnRef>
+          <a:fillRef idx="1">
+            <a:schemeClr val="accent1"/>
+          </a:fillRef>
+          <a:effectRef idx="0">
+            <a:schemeClr val="accent1"/>
+          </a:effectRef>
+          <a:fontRef idx="minor">
+            <a:schemeClr val="lt1"/>
+          </a:fontRef>
+        </p:style>
+        <p:txBody>
+          <a:bodyPr rtlCol="0" anchor="ctr"/>
+          <a:lstStyle/>
+          <a:p>
+            <a:pPr algn="ctr"/>
+            <a:r>
+              <a:rPr lang="en-PH" dirty="0" smtClean="0"/>
+              <a:t>$group = even</a:t>
+            </a:r>
+            <a:endParaRPr lang="en-PH" dirty="0"/>
+          </a:p>
+        </p:txBody>
+      </p:sp>
+      <p:sp>
+        <p:nvSpPr>
+          <p:cNvPr id="9" name="Flowchart: Process 8"/>
+          <p:cNvSpPr/>
+          <p:nvPr/>
+        </p:nvSpPr>
+        <p:spPr>
+          <a:xfrm>
+            <a:off x="4319240" y="2944530"/>
+            <a:ext cx="2088232" cy="612648"/>
+          </a:xfrm>
+          <a:prstGeom prst="flowChartProcess">
+            <a:avLst/>
+          </a:prstGeom>
+        </p:spPr>
+        <p:style>
+          <a:lnRef idx="2">
+            <a:schemeClr val="accent1">
+              <a:shade val="50000"/>
+            </a:schemeClr>
+          </a:lnRef>
+          <a:fillRef idx="1">
+            <a:schemeClr val="accent1"/>
+          </a:fillRef>
+          <a:effectRef idx="0">
+            <a:schemeClr val="accent1"/>
+          </a:effectRef>
+          <a:fontRef idx="minor">
+            <a:schemeClr val="lt1"/>
+          </a:fontRef>
+        </p:style>
+        <p:txBody>
+          <a:bodyPr rtlCol="0" anchor="ctr"/>
+          <a:lstStyle/>
+          <a:p>
+            <a:pPr algn="ctr"/>
+            <a:r>
+              <a:rPr lang="en-PH" dirty="0" smtClean="0"/>
+              <a:t>$group = odd</a:t>
+            </a:r>
+            <a:endParaRPr lang="en-PH" dirty="0"/>
+          </a:p>
+        </p:txBody>
+      </p:sp>
+      <p:sp>
+        <p:nvSpPr>
+          <p:cNvPr id="10" name="Flowchart: Data 9"/>
+          <p:cNvSpPr/>
+          <p:nvPr/>
+        </p:nvSpPr>
+        <p:spPr>
+          <a:xfrm>
+            <a:off x="815556" y="4797152"/>
+            <a:ext cx="3744416" cy="720080"/>
+          </a:xfrm>
+          <a:prstGeom prst="flowChartInputOutput">
+            <a:avLst/>
+          </a:prstGeom>
+        </p:spPr>
+        <p:style>
+          <a:lnRef idx="2">
+            <a:schemeClr val="accent1">
+              <a:shade val="50000"/>
+            </a:schemeClr>
+          </a:lnRef>
+          <a:fillRef idx="1">
+            <a:schemeClr val="accent1"/>
+          </a:fillRef>
+          <a:effectRef idx="0">
+            <a:schemeClr val="accent1"/>
+          </a:effectRef>
+          <a:fontRef idx="minor">
+            <a:schemeClr val="lt1"/>
+          </a:fontRef>
+        </p:style>
+        <p:txBody>
+          <a:bodyPr rtlCol="0" anchor="ctr"/>
+          <a:lstStyle/>
+          <a:p>
+            <a:pPr algn="ctr"/>
+            <a:r>
+              <a:rPr lang="en-PH" dirty="0"/>
+              <a:t>echo </a:t>
+            </a:r>
+            <a:r>
+              <a:rPr lang="en-PH" dirty="0" smtClean="0"/>
+              <a:t>“$</a:t>
+            </a:r>
+            <a:r>
+              <a:rPr lang="en-PH" dirty="0" err="1" smtClean="0"/>
+              <a:t>num</a:t>
+            </a:r>
+            <a:r>
+              <a:rPr lang="en-PH" dirty="0"/>
+              <a:t> </a:t>
+            </a:r>
+            <a:r>
+              <a:rPr lang="en-PH" dirty="0" smtClean="0"/>
+              <a:t>is an $group number“;</a:t>
+            </a:r>
+            <a:endParaRPr lang="en-PH" dirty="0"/>
+          </a:p>
+        </p:txBody>
+      </p:sp>
+      <p:sp>
+        <p:nvSpPr>
+          <p:cNvPr id="11" name="Flowchart: Terminator 10"/>
+          <p:cNvSpPr/>
+          <p:nvPr/>
+        </p:nvSpPr>
+        <p:spPr>
+          <a:xfrm>
+            <a:off x="1967684" y="5805264"/>
+            <a:ext cx="1440160" cy="320248"/>
+          </a:xfrm>
+          <a:prstGeom prst="flowChartTerminator">
+            <a:avLst/>
+          </a:prstGeom>
+        </p:spPr>
+        <p:style>
+          <a:lnRef idx="2">
+            <a:schemeClr val="accent1">
+              <a:shade val="50000"/>
+            </a:schemeClr>
+          </a:lnRef>
+          <a:fillRef idx="1">
+            <a:schemeClr val="accent1"/>
+          </a:fillRef>
+          <a:effectRef idx="0">
+            <a:schemeClr val="accent1"/>
+          </a:effectRef>
+          <a:fontRef idx="minor">
+            <a:schemeClr val="lt1"/>
+          </a:fontRef>
+        </p:style>
+        <p:txBody>
+          <a:bodyPr rtlCol="0" anchor="ctr"/>
+          <a:lstStyle/>
+          <a:p>
+            <a:pPr algn="ctr"/>
+            <a:endParaRPr lang="en-PH"/>
+          </a:p>
+        </p:txBody>
+      </p:sp>
+      <p:cxnSp>
+        <p:nvCxnSpPr>
+          <p:cNvPr id="13" name="Straight Arrow Connector 12"/>
+          <p:cNvCxnSpPr>
+            <a:stCxn id="7" idx="3"/>
+            <a:endCxn id="9" idx="1"/>
+          </p:cNvCxnSpPr>
+          <p:nvPr/>
+        </p:nvCxnSpPr>
+        <p:spPr>
+          <a:xfrm>
+            <a:off x="3935420" y="3250854"/>
+            <a:ext cx="383820" cy="0"/>
+          </a:xfrm>
+          <a:prstGeom prst="straightConnector1">
+            <a:avLst/>
+          </a:prstGeom>
+          <a:ln>
+            <a:tailEnd type="arrow"/>
+          </a:ln>
+        </p:spPr>
+        <p:style>
+          <a:lnRef idx="3">
+            <a:schemeClr val="dk1"/>
+          </a:lnRef>
+          <a:fillRef idx="0">
+            <a:schemeClr val="dk1"/>
+          </a:fillRef>
+          <a:effectRef idx="2">
+            <a:schemeClr val="dk1"/>
+          </a:effectRef>
+          <a:fontRef idx="minor">
+            <a:schemeClr val="tx1"/>
+          </a:fontRef>
+        </p:style>
+      </p:cxnSp>
+      <p:cxnSp>
+        <p:nvCxnSpPr>
+          <p:cNvPr id="18" name="Elbow Connector 17"/>
+          <p:cNvCxnSpPr>
+            <a:stCxn id="9" idx="2"/>
+            <a:endCxn id="10" idx="5"/>
+          </p:cNvCxnSpPr>
+          <p:nvPr/>
+        </p:nvCxnSpPr>
+        <p:spPr>
+          <a:xfrm rot="5400000">
+            <a:off x="3974436" y="3768272"/>
+            <a:ext cx="1600014" cy="1177826"/>
+          </a:xfrm>
+          <a:prstGeom prst="bentConnector2">
+            <a:avLst/>
+          </a:prstGeom>
+          <a:ln>
+            <a:tailEnd type="arrow"/>
+          </a:ln>
+        </p:spPr>
+        <p:style>
+          <a:lnRef idx="3">
+            <a:schemeClr val="dk1"/>
+          </a:lnRef>
+          <a:fillRef idx="0">
+            <a:schemeClr val="dk1"/>
+          </a:fillRef>
+          <a:effectRef idx="2">
+            <a:schemeClr val="dk1"/>
+          </a:effectRef>
+          <a:fontRef idx="minor">
+            <a:schemeClr val="tx1"/>
+          </a:fontRef>
+        </p:style>
+      </p:cxnSp>
+      <p:cxnSp>
+        <p:nvCxnSpPr>
+          <p:cNvPr id="20" name="Straight Arrow Connector 19"/>
+          <p:cNvCxnSpPr>
+            <a:stCxn id="8" idx="2"/>
+            <a:endCxn id="10" idx="1"/>
+          </p:cNvCxnSpPr>
+          <p:nvPr/>
+        </p:nvCxnSpPr>
+        <p:spPr>
+          <a:xfrm>
+            <a:off x="2687764" y="4558926"/>
+            <a:ext cx="0" cy="238226"/>
+          </a:xfrm>
+          <a:prstGeom prst="straightConnector1">
+            <a:avLst/>
+          </a:prstGeom>
+          <a:ln>
+            <a:tailEnd type="arrow"/>
+          </a:ln>
+        </p:spPr>
+        <p:style>
+          <a:lnRef idx="3">
+            <a:schemeClr val="dk1"/>
+          </a:lnRef>
+          <a:fillRef idx="0">
+            <a:schemeClr val="dk1"/>
+          </a:fillRef>
+          <a:effectRef idx="2">
+            <a:schemeClr val="dk1"/>
+          </a:effectRef>
+          <a:fontRef idx="minor">
+            <a:schemeClr val="tx1"/>
+          </a:fontRef>
+        </p:style>
+      </p:cxnSp>
+      <p:cxnSp>
+        <p:nvCxnSpPr>
+          <p:cNvPr id="22" name="Straight Arrow Connector 21"/>
+          <p:cNvCxnSpPr>
+            <a:stCxn id="7" idx="2"/>
+            <a:endCxn id="8" idx="0"/>
+          </p:cNvCxnSpPr>
+          <p:nvPr/>
+        </p:nvCxnSpPr>
+        <p:spPr>
+          <a:xfrm>
+            <a:off x="2687764" y="3708054"/>
+            <a:ext cx="0" cy="238224"/>
+          </a:xfrm>
+          <a:prstGeom prst="straightConnector1">
+            <a:avLst/>
+          </a:prstGeom>
+          <a:ln>
+            <a:tailEnd type="arrow"/>
+          </a:ln>
+        </p:spPr>
+        <p:style>
+          <a:lnRef idx="3">
+            <a:schemeClr val="dk1"/>
+          </a:lnRef>
+          <a:fillRef idx="0">
+            <a:schemeClr val="dk1"/>
+          </a:fillRef>
+          <a:effectRef idx="2">
+            <a:schemeClr val="dk1"/>
+          </a:effectRef>
+          <a:fontRef idx="minor">
+            <a:schemeClr val="tx1"/>
+          </a:fontRef>
+        </p:style>
+      </p:cxnSp>
+      <p:cxnSp>
+        <p:nvCxnSpPr>
+          <p:cNvPr id="27" name="Straight Arrow Connector 26"/>
+          <p:cNvCxnSpPr/>
+          <p:nvPr/>
+        </p:nvCxnSpPr>
+        <p:spPr>
+          <a:xfrm>
+            <a:off x="2697924" y="2570134"/>
+            <a:ext cx="0" cy="238224"/>
+          </a:xfrm>
+          <a:prstGeom prst="straightConnector1">
+            <a:avLst/>
+          </a:prstGeom>
+          <a:ln>
+            <a:tailEnd type="arrow"/>
+          </a:ln>
+        </p:spPr>
+        <p:style>
+          <a:lnRef idx="3">
+            <a:schemeClr val="dk1"/>
+          </a:lnRef>
+          <a:fillRef idx="0">
+            <a:schemeClr val="dk1"/>
+          </a:fillRef>
+          <a:effectRef idx="2">
+            <a:schemeClr val="dk1"/>
+          </a:effectRef>
+          <a:fontRef idx="minor">
+            <a:schemeClr val="tx1"/>
+          </a:fontRef>
+        </p:style>
+      </p:cxnSp>
+      <p:cxnSp>
+        <p:nvCxnSpPr>
+          <p:cNvPr id="28" name="Straight Arrow Connector 27"/>
+          <p:cNvCxnSpPr/>
+          <p:nvPr/>
+        </p:nvCxnSpPr>
+        <p:spPr>
+          <a:xfrm>
+            <a:off x="2662808" y="1748998"/>
+            <a:ext cx="0" cy="238224"/>
+          </a:xfrm>
+          <a:prstGeom prst="straightConnector1">
+            <a:avLst/>
+          </a:prstGeom>
+          <a:ln>
+            <a:tailEnd type="arrow"/>
+          </a:ln>
+        </p:spPr>
+        <p:style>
+          <a:lnRef idx="3">
+            <a:schemeClr val="dk1"/>
+          </a:lnRef>
+          <a:fillRef idx="0">
+            <a:schemeClr val="dk1"/>
+          </a:fillRef>
+          <a:effectRef idx="2">
+            <a:schemeClr val="dk1"/>
+          </a:effectRef>
+          <a:fontRef idx="minor">
+            <a:schemeClr val="tx1"/>
+          </a:fontRef>
+        </p:style>
+      </p:cxnSp>
+    </p:spTree>
+    <p:extLst>
+      <p:ext uri="{BB962C8B-B14F-4D97-AF65-F5344CB8AC3E}">
+        <p14:creationId xmlns:p14="http://schemas.microsoft.com/office/powerpoint/2010/main" val="217059007"/>
+      </p:ext>
+    </p:extLst>
+  </p:cSld>
+  <p:clrMapOvr>
+    <a:masterClrMapping/>
+  </p:clrMapOvr>
+</p:sld>
+</file>
+
+<file path=ppt/slides/slide12.xml><?xml version="1.0" encoding="utf-8"?>
+<p:sld xmlns:a="http://schemas.openxmlformats.org/drawingml/2006/main" xmlns:r="http://schemas.openxmlformats.org/officeDocument/2006/relationships" xmlns:p="http://schemas.openxmlformats.org/presentationml/2006/main">
+  <p:cSld>
+    <p:spTree>
+      <p:nvGrpSpPr>
+        <p:cNvPr id="1" name=""/>
+        <p:cNvGrpSpPr/>
+        <p:nvPr/>
+      </p:nvGrpSpPr>
+      <p:grpSpPr>
+        <a:xfrm>
+          <a:off x="0" y="0"/>
+          <a:ext cx="0" cy="0"/>
+          <a:chOff x="0" y="0"/>
+          <a:chExt cx="0" cy="0"/>
+        </a:xfrm>
+      </p:grpSpPr>
+      <p:sp>
+        <p:nvSpPr>
+          <p:cNvPr id="2" name="Flowchart: Preparation 1"/>
+          <p:cNvSpPr/>
+          <p:nvPr/>
+        </p:nvSpPr>
+        <p:spPr>
+          <a:xfrm>
+            <a:off x="1043608" y="980728"/>
+            <a:ext cx="2880320" cy="612648"/>
+          </a:xfrm>
+          <a:prstGeom prst="flowChartPreparation">
+            <a:avLst/>
+          </a:prstGeom>
+        </p:spPr>
+        <p:style>
+          <a:lnRef idx="2">
+            <a:schemeClr val="accent1">
+              <a:shade val="50000"/>
+            </a:schemeClr>
+          </a:lnRef>
+          <a:fillRef idx="1">
+            <a:schemeClr val="accent1"/>
+          </a:fillRef>
+          <a:effectRef idx="0">
+            <a:schemeClr val="accent1"/>
+          </a:effectRef>
+          <a:fontRef idx="minor">
+            <a:schemeClr val="lt1"/>
+          </a:fontRef>
+        </p:style>
+        <p:txBody>
+          <a:bodyPr rtlCol="0" anchor="ctr"/>
+          <a:lstStyle/>
+          <a:p>
+            <a:pPr algn="ctr"/>
+            <a:r>
+              <a:rPr lang="en-PH" dirty="0" smtClean="0"/>
+              <a:t>$num1, $num2, $res</a:t>
+            </a:r>
+            <a:endParaRPr lang="en-PH" dirty="0"/>
+          </a:p>
+        </p:txBody>
+      </p:sp>
+      <p:sp>
+        <p:nvSpPr>
+          <p:cNvPr id="3" name="Flowchart: Data 2"/>
+          <p:cNvSpPr/>
+          <p:nvPr/>
+        </p:nvSpPr>
+        <p:spPr>
+          <a:xfrm>
+            <a:off x="683568" y="1838996"/>
+            <a:ext cx="3240360" cy="612648"/>
+          </a:xfrm>
+          <a:prstGeom prst="flowChartInputOutput">
+            <a:avLst/>
+          </a:prstGeom>
+        </p:spPr>
+        <p:style>
+          <a:lnRef idx="2">
+            <a:schemeClr val="accent1">
+              <a:shade val="50000"/>
+            </a:schemeClr>
+          </a:lnRef>
+          <a:fillRef idx="1">
+            <a:schemeClr val="accent1"/>
+          </a:fillRef>
+          <a:effectRef idx="0">
+            <a:schemeClr val="accent1"/>
+          </a:effectRef>
+          <a:fontRef idx="minor">
+            <a:schemeClr val="lt1"/>
+          </a:fontRef>
+        </p:style>
+        <p:txBody>
+          <a:bodyPr rtlCol="0" anchor="ctr"/>
+          <a:lstStyle/>
+          <a:p>
+            <a:pPr algn="ctr"/>
+            <a:r>
+              <a:rPr lang="en-PH" dirty="0" smtClean="0"/>
+              <a:t>$num1=__, $num2=__, </a:t>
+            </a:r>
+            <a:r>
+              <a:rPr lang="en-PH" smtClean="0"/>
+              <a:t>$op</a:t>
+            </a:r>
+            <a:endParaRPr lang="en-PH" dirty="0"/>
+          </a:p>
+        </p:txBody>
+      </p:sp>
+      <p:sp>
+        <p:nvSpPr>
+          <p:cNvPr id="4" name="Flowchart: Process 3"/>
+          <p:cNvSpPr/>
+          <p:nvPr/>
+        </p:nvSpPr>
+        <p:spPr>
+          <a:xfrm>
+            <a:off x="899592" y="2780928"/>
+            <a:ext cx="3528392" cy="648072"/>
+          </a:xfrm>
+          <a:prstGeom prst="flowChartProcess">
+            <a:avLst/>
+          </a:prstGeom>
+        </p:spPr>
+        <p:style>
+          <a:lnRef idx="2">
+            <a:schemeClr val="accent1">
+              <a:shade val="50000"/>
+            </a:schemeClr>
+          </a:lnRef>
+          <a:fillRef idx="1">
+            <a:schemeClr val="accent1"/>
+          </a:fillRef>
+          <a:effectRef idx="0">
+            <a:schemeClr val="accent1"/>
+          </a:effectRef>
+          <a:fontRef idx="minor">
+            <a:schemeClr val="lt1"/>
+          </a:fontRef>
+        </p:style>
+        <p:txBody>
+          <a:bodyPr rtlCol="0" anchor="ctr"/>
+          <a:lstStyle/>
+          <a:p>
+            <a:pPr algn="ctr"/>
+            <a:r>
+              <a:rPr lang="en-PH" dirty="0" smtClean="0"/>
+              <a:t>$res = $num1 + $num2;</a:t>
+            </a:r>
+            <a:endParaRPr lang="en-PH" dirty="0"/>
+          </a:p>
+        </p:txBody>
+      </p:sp>
+      <p:sp>
+        <p:nvSpPr>
+          <p:cNvPr id="5" name="Flowchart: Data 4"/>
+          <p:cNvSpPr/>
+          <p:nvPr/>
+        </p:nvSpPr>
+        <p:spPr>
+          <a:xfrm>
+            <a:off x="395536" y="3789040"/>
+            <a:ext cx="3600400" cy="864096"/>
+          </a:xfrm>
+          <a:prstGeom prst="flowChartInputOutput">
+            <a:avLst/>
+          </a:prstGeom>
+        </p:spPr>
+        <p:style>
+          <a:lnRef idx="2">
+            <a:schemeClr val="accent1">
+              <a:shade val="50000"/>
+            </a:schemeClr>
+          </a:lnRef>
+          <a:fillRef idx="1">
+            <a:schemeClr val="accent1"/>
+          </a:fillRef>
+          <a:effectRef idx="0">
+            <a:schemeClr val="accent1"/>
+          </a:effectRef>
+          <a:fontRef idx="minor">
+            <a:schemeClr val="lt1"/>
+          </a:fontRef>
+        </p:style>
+        <p:txBody>
+          <a:bodyPr rtlCol="0" anchor="ctr"/>
+          <a:lstStyle/>
+          <a:p>
+            <a:pPr algn="ctr"/>
+            <a:r>
+              <a:rPr lang="en-PH" dirty="0" smtClean="0"/>
+              <a:t>Echo “$num1 + $num2 = $res”;</a:t>
+            </a:r>
+            <a:endParaRPr lang="en-PH" dirty="0"/>
+          </a:p>
+        </p:txBody>
+      </p:sp>
+    </p:spTree>
+    <p:extLst>
+      <p:ext uri="{BB962C8B-B14F-4D97-AF65-F5344CB8AC3E}">
+        <p14:creationId xmlns:p14="http://schemas.microsoft.com/office/powerpoint/2010/main" val="1906168715"/>
       </p:ext>
     </p:extLst>
   </p:cSld>
@@ -6281,6 +7534,2389 @@
 </p:sld>
 </file>
 
+<file path=ppt/slides/slide7.xml><?xml version="1.0" encoding="utf-8"?>
+<p:sld xmlns:a="http://schemas.openxmlformats.org/drawingml/2006/main" xmlns:r="http://schemas.openxmlformats.org/officeDocument/2006/relationships" xmlns:p="http://schemas.openxmlformats.org/presentationml/2006/main">
+  <p:cSld>
+    <p:spTree>
+      <p:nvGrpSpPr>
+        <p:cNvPr id="1" name=""/>
+        <p:cNvGrpSpPr/>
+        <p:nvPr/>
+      </p:nvGrpSpPr>
+      <p:grpSpPr>
+        <a:xfrm>
+          <a:off x="0" y="0"/>
+          <a:ext cx="0" cy="0"/>
+          <a:chOff x="0" y="0"/>
+          <a:chExt cx="0" cy="0"/>
+        </a:xfrm>
+      </p:grpSpPr>
+      <p:sp>
+        <p:nvSpPr>
+          <p:cNvPr id="4" name="Flowchart: Preparation 3"/>
+          <p:cNvSpPr/>
+          <p:nvPr/>
+        </p:nvSpPr>
+        <p:spPr>
+          <a:xfrm>
+            <a:off x="2771800" y="728700"/>
+            <a:ext cx="2232248" cy="432048"/>
+          </a:xfrm>
+          <a:prstGeom prst="flowChartPreparation">
+            <a:avLst/>
+          </a:prstGeom>
+        </p:spPr>
+        <p:style>
+          <a:lnRef idx="2">
+            <a:schemeClr val="accent1">
+              <a:shade val="50000"/>
+            </a:schemeClr>
+          </a:lnRef>
+          <a:fillRef idx="1">
+            <a:schemeClr val="accent1"/>
+          </a:fillRef>
+          <a:effectRef idx="0">
+            <a:schemeClr val="accent1"/>
+          </a:effectRef>
+          <a:fontRef idx="minor">
+            <a:schemeClr val="lt1"/>
+          </a:fontRef>
+        </p:style>
+        <p:txBody>
+          <a:bodyPr rtlCol="0" anchor="ctr"/>
+          <a:lstStyle/>
+          <a:p>
+            <a:pPr algn="ctr"/>
+            <a:endParaRPr lang="en-PH"/>
+          </a:p>
+        </p:txBody>
+      </p:sp>
+      <p:sp>
+        <p:nvSpPr>
+          <p:cNvPr id="5" name="Flowchart: Terminator 4"/>
+          <p:cNvSpPr/>
+          <p:nvPr/>
+        </p:nvSpPr>
+        <p:spPr>
+          <a:xfrm>
+            <a:off x="3167844" y="260649"/>
+            <a:ext cx="1440160" cy="306034"/>
+          </a:xfrm>
+          <a:prstGeom prst="flowChartTerminator">
+            <a:avLst/>
+          </a:prstGeom>
+        </p:spPr>
+        <p:style>
+          <a:lnRef idx="2">
+            <a:schemeClr val="accent1">
+              <a:shade val="50000"/>
+            </a:schemeClr>
+          </a:lnRef>
+          <a:fillRef idx="1">
+            <a:schemeClr val="accent1"/>
+          </a:fillRef>
+          <a:effectRef idx="0">
+            <a:schemeClr val="accent1"/>
+          </a:effectRef>
+          <a:fontRef idx="minor">
+            <a:schemeClr val="lt1"/>
+          </a:fontRef>
+        </p:style>
+        <p:txBody>
+          <a:bodyPr rtlCol="0" anchor="ctr"/>
+          <a:lstStyle/>
+          <a:p>
+            <a:pPr algn="ctr"/>
+            <a:endParaRPr lang="en-PH"/>
+          </a:p>
+        </p:txBody>
+      </p:sp>
+      <p:sp>
+        <p:nvSpPr>
+          <p:cNvPr id="6" name="Flowchart: Data 5"/>
+          <p:cNvSpPr/>
+          <p:nvPr/>
+        </p:nvSpPr>
+        <p:spPr>
+          <a:xfrm>
+            <a:off x="2159732" y="1322766"/>
+            <a:ext cx="3456384" cy="559918"/>
+          </a:xfrm>
+          <a:prstGeom prst="flowChartInputOutput">
+            <a:avLst/>
+          </a:prstGeom>
+        </p:spPr>
+        <p:style>
+          <a:lnRef idx="2">
+            <a:schemeClr val="accent1">
+              <a:shade val="50000"/>
+            </a:schemeClr>
+          </a:lnRef>
+          <a:fillRef idx="1">
+            <a:schemeClr val="accent1"/>
+          </a:fillRef>
+          <a:effectRef idx="0">
+            <a:schemeClr val="accent1"/>
+          </a:effectRef>
+          <a:fontRef idx="minor">
+            <a:schemeClr val="lt1"/>
+          </a:fontRef>
+        </p:style>
+        <p:txBody>
+          <a:bodyPr rtlCol="0" anchor="ctr"/>
+          <a:lstStyle/>
+          <a:p>
+            <a:pPr algn="ctr"/>
+            <a:endParaRPr lang="en-PH"/>
+          </a:p>
+        </p:txBody>
+      </p:sp>
+      <p:sp>
+        <p:nvSpPr>
+          <p:cNvPr id="7" name="Diamond 6"/>
+          <p:cNvSpPr/>
+          <p:nvPr/>
+        </p:nvSpPr>
+        <p:spPr>
+          <a:xfrm>
+            <a:off x="2987824" y="2078850"/>
+            <a:ext cx="1800200" cy="792088"/>
+          </a:xfrm>
+          <a:prstGeom prst="diamond">
+            <a:avLst/>
+          </a:prstGeom>
+        </p:spPr>
+        <p:style>
+          <a:lnRef idx="2">
+            <a:schemeClr val="accent1">
+              <a:shade val="50000"/>
+            </a:schemeClr>
+          </a:lnRef>
+          <a:fillRef idx="1">
+            <a:schemeClr val="accent1"/>
+          </a:fillRef>
+          <a:effectRef idx="0">
+            <a:schemeClr val="accent1"/>
+          </a:effectRef>
+          <a:fontRef idx="minor">
+            <a:schemeClr val="lt1"/>
+          </a:fontRef>
+        </p:style>
+        <p:txBody>
+          <a:bodyPr rtlCol="0" anchor="ctr"/>
+          <a:lstStyle/>
+          <a:p>
+            <a:pPr algn="ctr"/>
+            <a:r>
+              <a:rPr lang="en-PH" dirty="0" smtClean="0"/>
+              <a:t>User check</a:t>
+            </a:r>
+            <a:endParaRPr lang="en-PH" dirty="0"/>
+          </a:p>
+        </p:txBody>
+      </p:sp>
+      <p:sp>
+        <p:nvSpPr>
+          <p:cNvPr id="8" name="Diamond 7"/>
+          <p:cNvSpPr/>
+          <p:nvPr/>
+        </p:nvSpPr>
+        <p:spPr>
+          <a:xfrm>
+            <a:off x="2987824" y="2967168"/>
+            <a:ext cx="1800200" cy="931686"/>
+          </a:xfrm>
+          <a:prstGeom prst="diamond">
+            <a:avLst/>
+          </a:prstGeom>
+        </p:spPr>
+        <p:style>
+          <a:lnRef idx="2">
+            <a:schemeClr val="accent1">
+              <a:shade val="50000"/>
+            </a:schemeClr>
+          </a:lnRef>
+          <a:fillRef idx="1">
+            <a:schemeClr val="accent1"/>
+          </a:fillRef>
+          <a:effectRef idx="0">
+            <a:schemeClr val="accent1"/>
+          </a:effectRef>
+          <a:fontRef idx="minor">
+            <a:schemeClr val="lt1"/>
+          </a:fontRef>
+        </p:style>
+        <p:txBody>
+          <a:bodyPr rtlCol="0" anchor="ctr"/>
+          <a:lstStyle/>
+          <a:p>
+            <a:pPr algn="ctr"/>
+            <a:r>
+              <a:rPr lang="en-PH" dirty="0" smtClean="0"/>
+              <a:t>Pass check</a:t>
+            </a:r>
+            <a:endParaRPr lang="en-PH" dirty="0"/>
+          </a:p>
+        </p:txBody>
+      </p:sp>
+      <p:sp>
+        <p:nvSpPr>
+          <p:cNvPr id="9" name="TextBox 8"/>
+          <p:cNvSpPr txBox="1"/>
+          <p:nvPr/>
+        </p:nvSpPr>
+        <p:spPr>
+          <a:xfrm>
+            <a:off x="4211960" y="2798930"/>
+            <a:ext cx="288862" cy="369332"/>
+          </a:xfrm>
+          <a:prstGeom prst="rect">
+            <a:avLst/>
+          </a:prstGeom>
+          <a:noFill/>
+        </p:spPr>
+        <p:txBody>
+          <a:bodyPr wrap="none" rtlCol="0">
+            <a:spAutoFit/>
+          </a:bodyPr>
+          <a:lstStyle/>
+          <a:p>
+            <a:r>
+              <a:rPr lang="en-PH" dirty="0" smtClean="0"/>
+              <a:t>y</a:t>
+            </a:r>
+            <a:endParaRPr lang="en-PH" dirty="0"/>
+          </a:p>
+        </p:txBody>
+      </p:sp>
+      <p:sp>
+        <p:nvSpPr>
+          <p:cNvPr id="10" name="TextBox 9"/>
+          <p:cNvSpPr txBox="1"/>
+          <p:nvPr/>
+        </p:nvSpPr>
+        <p:spPr>
+          <a:xfrm>
+            <a:off x="4283968" y="3879050"/>
+            <a:ext cx="288862" cy="369332"/>
+          </a:xfrm>
+          <a:prstGeom prst="rect">
+            <a:avLst/>
+          </a:prstGeom>
+          <a:noFill/>
+        </p:spPr>
+        <p:txBody>
+          <a:bodyPr wrap="none" rtlCol="0">
+            <a:spAutoFit/>
+          </a:bodyPr>
+          <a:lstStyle/>
+          <a:p>
+            <a:r>
+              <a:rPr lang="en-PH" dirty="0" smtClean="0"/>
+              <a:t>y</a:t>
+            </a:r>
+            <a:endParaRPr lang="en-PH" dirty="0"/>
+          </a:p>
+        </p:txBody>
+      </p:sp>
+      <p:sp>
+        <p:nvSpPr>
+          <p:cNvPr id="12" name="Flowchart: Data 11"/>
+          <p:cNvSpPr/>
+          <p:nvPr/>
+        </p:nvSpPr>
+        <p:spPr>
+          <a:xfrm>
+            <a:off x="2009716" y="4185084"/>
+            <a:ext cx="3756417" cy="702078"/>
+          </a:xfrm>
+          <a:prstGeom prst="flowChartInputOutput">
+            <a:avLst/>
+          </a:prstGeom>
+        </p:spPr>
+        <p:style>
+          <a:lnRef idx="2">
+            <a:schemeClr val="accent1">
+              <a:shade val="50000"/>
+            </a:schemeClr>
+          </a:lnRef>
+          <a:fillRef idx="1">
+            <a:schemeClr val="accent1"/>
+          </a:fillRef>
+          <a:effectRef idx="0">
+            <a:schemeClr val="accent1"/>
+          </a:effectRef>
+          <a:fontRef idx="minor">
+            <a:schemeClr val="lt1"/>
+          </a:fontRef>
+        </p:style>
+        <p:txBody>
+          <a:bodyPr rtlCol="0" anchor="ctr"/>
+          <a:lstStyle/>
+          <a:p>
+            <a:pPr algn="ctr"/>
+            <a:endParaRPr lang="en-PH"/>
+          </a:p>
+        </p:txBody>
+      </p:sp>
+      <p:sp>
+        <p:nvSpPr>
+          <p:cNvPr id="13" name="Flowchart: Data 12"/>
+          <p:cNvSpPr/>
+          <p:nvPr/>
+        </p:nvSpPr>
+        <p:spPr>
+          <a:xfrm>
+            <a:off x="5244076" y="2168860"/>
+            <a:ext cx="3756417" cy="702078"/>
+          </a:xfrm>
+          <a:prstGeom prst="flowChartInputOutput">
+            <a:avLst/>
+          </a:prstGeom>
+        </p:spPr>
+        <p:style>
+          <a:lnRef idx="2">
+            <a:schemeClr val="accent1">
+              <a:shade val="50000"/>
+            </a:schemeClr>
+          </a:lnRef>
+          <a:fillRef idx="1">
+            <a:schemeClr val="accent1"/>
+          </a:fillRef>
+          <a:effectRef idx="0">
+            <a:schemeClr val="accent1"/>
+          </a:effectRef>
+          <a:fontRef idx="minor">
+            <a:schemeClr val="lt1"/>
+          </a:fontRef>
+        </p:style>
+        <p:txBody>
+          <a:bodyPr rtlCol="0" anchor="ctr"/>
+          <a:lstStyle/>
+          <a:p>
+            <a:pPr algn="ctr"/>
+            <a:endParaRPr lang="en-PH"/>
+          </a:p>
+        </p:txBody>
+      </p:sp>
+      <p:sp>
+        <p:nvSpPr>
+          <p:cNvPr id="14" name="TextBox 13"/>
+          <p:cNvSpPr txBox="1"/>
+          <p:nvPr/>
+        </p:nvSpPr>
+        <p:spPr>
+          <a:xfrm>
+            <a:off x="4788024" y="2168860"/>
+            <a:ext cx="306494" cy="369332"/>
+          </a:xfrm>
+          <a:prstGeom prst="rect">
+            <a:avLst/>
+          </a:prstGeom>
+          <a:noFill/>
+        </p:spPr>
+        <p:txBody>
+          <a:bodyPr wrap="none" rtlCol="0">
+            <a:spAutoFit/>
+          </a:bodyPr>
+          <a:lstStyle/>
+          <a:p>
+            <a:r>
+              <a:rPr lang="en-PH" dirty="0" smtClean="0"/>
+              <a:t>n</a:t>
+            </a:r>
+            <a:endParaRPr lang="en-PH" dirty="0"/>
+          </a:p>
+        </p:txBody>
+      </p:sp>
+      <p:sp>
+        <p:nvSpPr>
+          <p:cNvPr id="15" name="TextBox 14"/>
+          <p:cNvSpPr txBox="1"/>
+          <p:nvPr/>
+        </p:nvSpPr>
+        <p:spPr>
+          <a:xfrm>
+            <a:off x="5004048" y="3320988"/>
+            <a:ext cx="306494" cy="369332"/>
+          </a:xfrm>
+          <a:prstGeom prst="rect">
+            <a:avLst/>
+          </a:prstGeom>
+          <a:noFill/>
+        </p:spPr>
+        <p:txBody>
+          <a:bodyPr wrap="none" rtlCol="0">
+            <a:spAutoFit/>
+          </a:bodyPr>
+          <a:lstStyle/>
+          <a:p>
+            <a:r>
+              <a:rPr lang="en-PH" dirty="0" smtClean="0"/>
+              <a:t>n</a:t>
+            </a:r>
+            <a:endParaRPr lang="en-PH" dirty="0"/>
+          </a:p>
+        </p:txBody>
+      </p:sp>
+      <p:cxnSp>
+        <p:nvCxnSpPr>
+          <p:cNvPr id="17" name="Straight Arrow Connector 16"/>
+          <p:cNvCxnSpPr>
+            <a:stCxn id="5" idx="2"/>
+            <a:endCxn id="4" idx="0"/>
+          </p:cNvCxnSpPr>
+          <p:nvPr/>
+        </p:nvCxnSpPr>
+        <p:spPr>
+          <a:xfrm>
+            <a:off x="3887924" y="566682"/>
+            <a:ext cx="0" cy="162018"/>
+          </a:xfrm>
+          <a:prstGeom prst="straightConnector1">
+            <a:avLst/>
+          </a:prstGeom>
+          <a:ln>
+            <a:tailEnd type="arrow"/>
+          </a:ln>
+        </p:spPr>
+        <p:style>
+          <a:lnRef idx="1">
+            <a:schemeClr val="accent1"/>
+          </a:lnRef>
+          <a:fillRef idx="0">
+            <a:schemeClr val="accent1"/>
+          </a:fillRef>
+          <a:effectRef idx="0">
+            <a:schemeClr val="accent1"/>
+          </a:effectRef>
+          <a:fontRef idx="minor">
+            <a:schemeClr val="tx1"/>
+          </a:fontRef>
+        </p:style>
+      </p:cxnSp>
+      <p:cxnSp>
+        <p:nvCxnSpPr>
+          <p:cNvPr id="19" name="Straight Arrow Connector 18"/>
+          <p:cNvCxnSpPr>
+            <a:stCxn id="4" idx="2"/>
+            <a:endCxn id="6" idx="1"/>
+          </p:cNvCxnSpPr>
+          <p:nvPr/>
+        </p:nvCxnSpPr>
+        <p:spPr>
+          <a:xfrm>
+            <a:off x="3887924" y="1160748"/>
+            <a:ext cx="0" cy="162018"/>
+          </a:xfrm>
+          <a:prstGeom prst="straightConnector1">
+            <a:avLst/>
+          </a:prstGeom>
+          <a:ln>
+            <a:tailEnd type="arrow"/>
+          </a:ln>
+        </p:spPr>
+        <p:style>
+          <a:lnRef idx="1">
+            <a:schemeClr val="accent1"/>
+          </a:lnRef>
+          <a:fillRef idx="0">
+            <a:schemeClr val="accent1"/>
+          </a:fillRef>
+          <a:effectRef idx="0">
+            <a:schemeClr val="accent1"/>
+          </a:effectRef>
+          <a:fontRef idx="minor">
+            <a:schemeClr val="tx1"/>
+          </a:fontRef>
+        </p:style>
+      </p:cxnSp>
+      <p:cxnSp>
+        <p:nvCxnSpPr>
+          <p:cNvPr id="23" name="Straight Arrow Connector 22"/>
+          <p:cNvCxnSpPr>
+            <a:stCxn id="6" idx="4"/>
+            <a:endCxn id="7" idx="0"/>
+          </p:cNvCxnSpPr>
+          <p:nvPr/>
+        </p:nvCxnSpPr>
+        <p:spPr>
+          <a:xfrm>
+            <a:off x="3887924" y="1882684"/>
+            <a:ext cx="0" cy="196166"/>
+          </a:xfrm>
+          <a:prstGeom prst="straightConnector1">
+            <a:avLst/>
+          </a:prstGeom>
+          <a:ln>
+            <a:tailEnd type="arrow"/>
+          </a:ln>
+        </p:spPr>
+        <p:style>
+          <a:lnRef idx="1">
+            <a:schemeClr val="accent1"/>
+          </a:lnRef>
+          <a:fillRef idx="0">
+            <a:schemeClr val="accent1"/>
+          </a:fillRef>
+          <a:effectRef idx="0">
+            <a:schemeClr val="accent1"/>
+          </a:effectRef>
+          <a:fontRef idx="minor">
+            <a:schemeClr val="tx1"/>
+          </a:fontRef>
+        </p:style>
+      </p:cxnSp>
+      <p:cxnSp>
+        <p:nvCxnSpPr>
+          <p:cNvPr id="29" name="Straight Arrow Connector 28"/>
+          <p:cNvCxnSpPr>
+            <a:stCxn id="7" idx="2"/>
+            <a:endCxn id="8" idx="0"/>
+          </p:cNvCxnSpPr>
+          <p:nvPr/>
+        </p:nvCxnSpPr>
+        <p:spPr>
+          <a:xfrm>
+            <a:off x="3887924" y="2870938"/>
+            <a:ext cx="0" cy="96230"/>
+          </a:xfrm>
+          <a:prstGeom prst="straightConnector1">
+            <a:avLst/>
+          </a:prstGeom>
+          <a:ln>
+            <a:tailEnd type="arrow"/>
+          </a:ln>
+        </p:spPr>
+        <p:style>
+          <a:lnRef idx="1">
+            <a:schemeClr val="accent1"/>
+          </a:lnRef>
+          <a:fillRef idx="0">
+            <a:schemeClr val="accent1"/>
+          </a:fillRef>
+          <a:effectRef idx="0">
+            <a:schemeClr val="accent1"/>
+          </a:effectRef>
+          <a:fontRef idx="minor">
+            <a:schemeClr val="tx1"/>
+          </a:fontRef>
+        </p:style>
+      </p:cxnSp>
+      <p:cxnSp>
+        <p:nvCxnSpPr>
+          <p:cNvPr id="31" name="Straight Arrow Connector 30"/>
+          <p:cNvCxnSpPr>
+            <a:stCxn id="8" idx="2"/>
+            <a:endCxn id="12" idx="1"/>
+          </p:cNvCxnSpPr>
+          <p:nvPr/>
+        </p:nvCxnSpPr>
+        <p:spPr>
+          <a:xfrm>
+            <a:off x="3887924" y="3898854"/>
+            <a:ext cx="0" cy="286230"/>
+          </a:xfrm>
+          <a:prstGeom prst="straightConnector1">
+            <a:avLst/>
+          </a:prstGeom>
+          <a:ln>
+            <a:tailEnd type="arrow"/>
+          </a:ln>
+        </p:spPr>
+        <p:style>
+          <a:lnRef idx="1">
+            <a:schemeClr val="accent1"/>
+          </a:lnRef>
+          <a:fillRef idx="0">
+            <a:schemeClr val="accent1"/>
+          </a:fillRef>
+          <a:effectRef idx="0">
+            <a:schemeClr val="accent1"/>
+          </a:effectRef>
+          <a:fontRef idx="minor">
+            <a:schemeClr val="tx1"/>
+          </a:fontRef>
+        </p:style>
+      </p:cxnSp>
+      <p:cxnSp>
+        <p:nvCxnSpPr>
+          <p:cNvPr id="36" name="Straight Arrow Connector 35"/>
+          <p:cNvCxnSpPr>
+            <a:stCxn id="8" idx="3"/>
+            <a:endCxn id="13" idx="3"/>
+          </p:cNvCxnSpPr>
+          <p:nvPr/>
+        </p:nvCxnSpPr>
+        <p:spPr>
+          <a:xfrm flipV="1">
+            <a:off x="4788025" y="2870938"/>
+            <a:ext cx="1958617" cy="562073"/>
+          </a:xfrm>
+          <a:prstGeom prst="straightConnector1">
+            <a:avLst/>
+          </a:prstGeom>
+          <a:ln>
+            <a:tailEnd type="arrow"/>
+          </a:ln>
+        </p:spPr>
+        <p:style>
+          <a:lnRef idx="1">
+            <a:schemeClr val="accent1"/>
+          </a:lnRef>
+          <a:fillRef idx="0">
+            <a:schemeClr val="accent1"/>
+          </a:fillRef>
+          <a:effectRef idx="0">
+            <a:schemeClr val="accent1"/>
+          </a:effectRef>
+          <a:fontRef idx="minor">
+            <a:schemeClr val="tx1"/>
+          </a:fontRef>
+        </p:style>
+      </p:cxnSp>
+      <p:cxnSp>
+        <p:nvCxnSpPr>
+          <p:cNvPr id="38" name="Straight Arrow Connector 37"/>
+          <p:cNvCxnSpPr>
+            <a:stCxn id="7" idx="3"/>
+            <a:endCxn id="13" idx="2"/>
+          </p:cNvCxnSpPr>
+          <p:nvPr/>
+        </p:nvCxnSpPr>
+        <p:spPr>
+          <a:xfrm>
+            <a:off x="4788025" y="2474894"/>
+            <a:ext cx="831692" cy="45005"/>
+          </a:xfrm>
+          <a:prstGeom prst="straightConnector1">
+            <a:avLst/>
+          </a:prstGeom>
+          <a:ln>
+            <a:tailEnd type="arrow"/>
+          </a:ln>
+        </p:spPr>
+        <p:style>
+          <a:lnRef idx="1">
+            <a:schemeClr val="accent1"/>
+          </a:lnRef>
+          <a:fillRef idx="0">
+            <a:schemeClr val="accent1"/>
+          </a:fillRef>
+          <a:effectRef idx="0">
+            <a:schemeClr val="accent1"/>
+          </a:effectRef>
+          <a:fontRef idx="minor">
+            <a:schemeClr val="tx1"/>
+          </a:fontRef>
+        </p:style>
+      </p:cxnSp>
+      <p:cxnSp>
+        <p:nvCxnSpPr>
+          <p:cNvPr id="40" name="Elbow Connector 39"/>
+          <p:cNvCxnSpPr>
+            <a:stCxn id="13" idx="1"/>
+            <a:endCxn id="6" idx="5"/>
+          </p:cNvCxnSpPr>
+          <p:nvPr/>
+        </p:nvCxnSpPr>
+        <p:spPr>
+          <a:xfrm rot="16200000" flipV="1">
+            <a:off x="5913314" y="959889"/>
+            <a:ext cx="566135" cy="1851807"/>
+          </a:xfrm>
+          <a:prstGeom prst="bentConnector2">
+            <a:avLst/>
+          </a:prstGeom>
+          <a:ln>
+            <a:tailEnd type="arrow"/>
+          </a:ln>
+        </p:spPr>
+        <p:style>
+          <a:lnRef idx="1">
+            <a:schemeClr val="accent1"/>
+          </a:lnRef>
+          <a:fillRef idx="0">
+            <a:schemeClr val="accent1"/>
+          </a:fillRef>
+          <a:effectRef idx="0">
+            <a:schemeClr val="accent1"/>
+          </a:effectRef>
+          <a:fontRef idx="minor">
+            <a:schemeClr val="tx1"/>
+          </a:fontRef>
+        </p:style>
+      </p:cxnSp>
+      <p:sp>
+        <p:nvSpPr>
+          <p:cNvPr id="42" name="Flowchart: Terminator 41"/>
+          <p:cNvSpPr/>
+          <p:nvPr/>
+        </p:nvSpPr>
+        <p:spPr>
+          <a:xfrm>
+            <a:off x="2555776" y="5265204"/>
+            <a:ext cx="2688299" cy="378042"/>
+          </a:xfrm>
+          <a:prstGeom prst="flowChartTerminator">
+            <a:avLst/>
+          </a:prstGeom>
+        </p:spPr>
+        <p:style>
+          <a:lnRef idx="2">
+            <a:schemeClr val="accent1">
+              <a:shade val="50000"/>
+            </a:schemeClr>
+          </a:lnRef>
+          <a:fillRef idx="1">
+            <a:schemeClr val="accent1"/>
+          </a:fillRef>
+          <a:effectRef idx="0">
+            <a:schemeClr val="accent1"/>
+          </a:effectRef>
+          <a:fontRef idx="minor">
+            <a:schemeClr val="lt1"/>
+          </a:fontRef>
+        </p:style>
+        <p:txBody>
+          <a:bodyPr rtlCol="0" anchor="ctr"/>
+          <a:lstStyle/>
+          <a:p>
+            <a:pPr algn="ctr"/>
+            <a:endParaRPr lang="en-PH"/>
+          </a:p>
+        </p:txBody>
+      </p:sp>
+      <p:cxnSp>
+        <p:nvCxnSpPr>
+          <p:cNvPr id="44" name="Straight Arrow Connector 43"/>
+          <p:cNvCxnSpPr>
+            <a:stCxn id="12" idx="4"/>
+            <a:endCxn id="42" idx="0"/>
+          </p:cNvCxnSpPr>
+          <p:nvPr/>
+        </p:nvCxnSpPr>
+        <p:spPr>
+          <a:xfrm>
+            <a:off x="3887925" y="4887162"/>
+            <a:ext cx="12001" cy="378042"/>
+          </a:xfrm>
+          <a:prstGeom prst="straightConnector1">
+            <a:avLst/>
+          </a:prstGeom>
+          <a:ln>
+            <a:tailEnd type="arrow"/>
+          </a:ln>
+        </p:spPr>
+        <p:style>
+          <a:lnRef idx="1">
+            <a:schemeClr val="accent1"/>
+          </a:lnRef>
+          <a:fillRef idx="0">
+            <a:schemeClr val="accent1"/>
+          </a:fillRef>
+          <a:effectRef idx="0">
+            <a:schemeClr val="accent1"/>
+          </a:effectRef>
+          <a:fontRef idx="minor">
+            <a:schemeClr val="tx1"/>
+          </a:fontRef>
+        </p:style>
+      </p:cxnSp>
+      <p:sp>
+        <p:nvSpPr>
+          <p:cNvPr id="2" name="TextBox 1"/>
+          <p:cNvSpPr txBox="1"/>
+          <p:nvPr/>
+        </p:nvSpPr>
+        <p:spPr>
+          <a:xfrm>
+            <a:off x="683568" y="6093296"/>
+            <a:ext cx="4518352" cy="369332"/>
+          </a:xfrm>
+          <a:prstGeom prst="rect">
+            <a:avLst/>
+          </a:prstGeom>
+          <a:noFill/>
+        </p:spPr>
+        <p:txBody>
+          <a:bodyPr wrap="square" rtlCol="0">
+            <a:spAutoFit/>
+          </a:bodyPr>
+          <a:lstStyle/>
+          <a:p>
+            <a:r>
+              <a:rPr lang="en-PH" dirty="0" smtClean="0"/>
+              <a:t>WHERE </a:t>
+            </a:r>
+            <a:r>
+              <a:rPr lang="en-PH" dirty="0" err="1" smtClean="0"/>
+              <a:t>fld_user</a:t>
+            </a:r>
+            <a:r>
+              <a:rPr lang="en-PH" dirty="0" smtClean="0"/>
+              <a:t> = ‘__’ a AND </a:t>
+            </a:r>
+            <a:r>
+              <a:rPr lang="en-PH" dirty="0" err="1" smtClean="0"/>
+              <a:t>fld_pass</a:t>
+            </a:r>
+            <a:r>
+              <a:rPr lang="en-PH" dirty="0" smtClean="0"/>
+              <a:t> = ‘___’</a:t>
+            </a:r>
+            <a:endParaRPr lang="en-PH" dirty="0"/>
+          </a:p>
+        </p:txBody>
+      </p:sp>
+    </p:spTree>
+    <p:extLst>
+      <p:ext uri="{BB962C8B-B14F-4D97-AF65-F5344CB8AC3E}">
+        <p14:creationId xmlns:p14="http://schemas.microsoft.com/office/powerpoint/2010/main" val="1470787932"/>
+      </p:ext>
+    </p:extLst>
+  </p:cSld>
+  <p:clrMapOvr>
+    <a:masterClrMapping/>
+  </p:clrMapOvr>
+</p:sld>
+</file>
+
+<file path=ppt/slides/slide8.xml><?xml version="1.0" encoding="utf-8"?>
+<p:sld xmlns:a="http://schemas.openxmlformats.org/drawingml/2006/main" xmlns:r="http://schemas.openxmlformats.org/officeDocument/2006/relationships" xmlns:p="http://schemas.openxmlformats.org/presentationml/2006/main">
+  <p:cSld>
+    <p:spTree>
+      <p:nvGrpSpPr>
+        <p:cNvPr id="1" name=""/>
+        <p:cNvGrpSpPr/>
+        <p:nvPr/>
+      </p:nvGrpSpPr>
+      <p:grpSpPr>
+        <a:xfrm>
+          <a:off x="0" y="0"/>
+          <a:ext cx="0" cy="0"/>
+          <a:chOff x="0" y="0"/>
+          <a:chExt cx="0" cy="0"/>
+        </a:xfrm>
+      </p:grpSpPr>
+      <p:sp>
+        <p:nvSpPr>
+          <p:cNvPr id="2" name="TextBox 1"/>
+          <p:cNvSpPr txBox="1"/>
+          <p:nvPr/>
+        </p:nvSpPr>
+        <p:spPr>
+          <a:xfrm>
+            <a:off x="539552" y="332656"/>
+            <a:ext cx="2432204" cy="646331"/>
+          </a:xfrm>
+          <a:prstGeom prst="rect">
+            <a:avLst/>
+          </a:prstGeom>
+          <a:noFill/>
+        </p:spPr>
+        <p:txBody>
+          <a:bodyPr wrap="none" rtlCol="0">
+            <a:spAutoFit/>
+          </a:bodyPr>
+          <a:lstStyle/>
+          <a:p>
+            <a:r>
+              <a:rPr lang="en-PH" dirty="0" smtClean="0"/>
+              <a:t>Buying a list of products</a:t>
+            </a:r>
+          </a:p>
+          <a:p>
+            <a:endParaRPr lang="en-PH" dirty="0"/>
+          </a:p>
+        </p:txBody>
+      </p:sp>
+      <p:sp>
+        <p:nvSpPr>
+          <p:cNvPr id="3" name="Flowchart: Terminator 2"/>
+          <p:cNvSpPr/>
+          <p:nvPr/>
+        </p:nvSpPr>
+        <p:spPr>
+          <a:xfrm>
+            <a:off x="3275856" y="188640"/>
+            <a:ext cx="1080120" cy="288032"/>
+          </a:xfrm>
+          <a:prstGeom prst="flowChartTerminator">
+            <a:avLst/>
+          </a:prstGeom>
+        </p:spPr>
+        <p:style>
+          <a:lnRef idx="2">
+            <a:schemeClr val="accent1"/>
+          </a:lnRef>
+          <a:fillRef idx="1">
+            <a:schemeClr val="lt1"/>
+          </a:fillRef>
+          <a:effectRef idx="0">
+            <a:schemeClr val="accent1"/>
+          </a:effectRef>
+          <a:fontRef idx="minor">
+            <a:schemeClr val="dk1"/>
+          </a:fontRef>
+        </p:style>
+        <p:txBody>
+          <a:bodyPr rtlCol="0" anchor="ctr"/>
+          <a:lstStyle/>
+          <a:p>
+            <a:pPr algn="ctr"/>
+            <a:endParaRPr lang="en-PH"/>
+          </a:p>
+        </p:txBody>
+      </p:sp>
+      <p:sp>
+        <p:nvSpPr>
+          <p:cNvPr id="4" name="Flowchart: Preparation 3"/>
+          <p:cNvSpPr/>
+          <p:nvPr/>
+        </p:nvSpPr>
+        <p:spPr>
+          <a:xfrm>
+            <a:off x="2987824" y="620688"/>
+            <a:ext cx="1656184" cy="648072"/>
+          </a:xfrm>
+          <a:prstGeom prst="flowChartPreparation">
+            <a:avLst/>
+          </a:prstGeom>
+        </p:spPr>
+        <p:style>
+          <a:lnRef idx="2">
+            <a:schemeClr val="accent1"/>
+          </a:lnRef>
+          <a:fillRef idx="1">
+            <a:schemeClr val="lt1"/>
+          </a:fillRef>
+          <a:effectRef idx="0">
+            <a:schemeClr val="accent1"/>
+          </a:effectRef>
+          <a:fontRef idx="minor">
+            <a:schemeClr val="dk1"/>
+          </a:fontRef>
+        </p:style>
+        <p:txBody>
+          <a:bodyPr rtlCol="0" anchor="ctr"/>
+          <a:lstStyle/>
+          <a:p>
+            <a:pPr algn="ctr"/>
+            <a:r>
+              <a:rPr lang="en-PH" dirty="0" smtClean="0"/>
+              <a:t>Product list</a:t>
+            </a:r>
+          </a:p>
+        </p:txBody>
+      </p:sp>
+      <p:sp>
+        <p:nvSpPr>
+          <p:cNvPr id="5" name="Flowchart: Data 4"/>
+          <p:cNvSpPr/>
+          <p:nvPr/>
+        </p:nvSpPr>
+        <p:spPr>
+          <a:xfrm>
+            <a:off x="2699792" y="1484784"/>
+            <a:ext cx="2448272" cy="432048"/>
+          </a:xfrm>
+          <a:prstGeom prst="flowChartInputOutput">
+            <a:avLst/>
+          </a:prstGeom>
+        </p:spPr>
+        <p:style>
+          <a:lnRef idx="2">
+            <a:schemeClr val="accent1"/>
+          </a:lnRef>
+          <a:fillRef idx="1">
+            <a:schemeClr val="lt1"/>
+          </a:fillRef>
+          <a:effectRef idx="0">
+            <a:schemeClr val="accent1"/>
+          </a:effectRef>
+          <a:fontRef idx="minor">
+            <a:schemeClr val="dk1"/>
+          </a:fontRef>
+        </p:style>
+        <p:txBody>
+          <a:bodyPr rtlCol="0" anchor="ctr"/>
+          <a:lstStyle/>
+          <a:p>
+            <a:pPr algn="ctr"/>
+            <a:r>
+              <a:rPr lang="en-PH" dirty="0" smtClean="0"/>
+              <a:t>Get list</a:t>
+            </a:r>
+            <a:endParaRPr lang="en-PH" dirty="0"/>
+          </a:p>
+        </p:txBody>
+      </p:sp>
+      <p:sp>
+        <p:nvSpPr>
+          <p:cNvPr id="6" name="Flowchart: Decision 5"/>
+          <p:cNvSpPr/>
+          <p:nvPr/>
+        </p:nvSpPr>
+        <p:spPr>
+          <a:xfrm>
+            <a:off x="2240146" y="2780928"/>
+            <a:ext cx="3051934" cy="792088"/>
+          </a:xfrm>
+          <a:prstGeom prst="flowChartDecision">
+            <a:avLst/>
+          </a:prstGeom>
+        </p:spPr>
+        <p:style>
+          <a:lnRef idx="2">
+            <a:schemeClr val="accent1"/>
+          </a:lnRef>
+          <a:fillRef idx="1">
+            <a:schemeClr val="lt1"/>
+          </a:fillRef>
+          <a:effectRef idx="0">
+            <a:schemeClr val="accent1"/>
+          </a:effectRef>
+          <a:fontRef idx="minor">
+            <a:schemeClr val="dk1"/>
+          </a:fontRef>
+        </p:style>
+        <p:txBody>
+          <a:bodyPr rtlCol="0" anchor="ctr"/>
+          <a:lstStyle/>
+          <a:p>
+            <a:pPr algn="ctr"/>
+            <a:r>
+              <a:rPr lang="en-PH" dirty="0" smtClean="0"/>
+              <a:t>Is product available</a:t>
+            </a:r>
+            <a:endParaRPr lang="en-PH" dirty="0"/>
+          </a:p>
+        </p:txBody>
+      </p:sp>
+      <p:sp>
+        <p:nvSpPr>
+          <p:cNvPr id="7" name="Flowchart: Process 6"/>
+          <p:cNvSpPr/>
+          <p:nvPr/>
+        </p:nvSpPr>
+        <p:spPr>
+          <a:xfrm>
+            <a:off x="2483768" y="3789040"/>
+            <a:ext cx="2664296" cy="590341"/>
+          </a:xfrm>
+          <a:prstGeom prst="flowChartProcess">
+            <a:avLst/>
+          </a:prstGeom>
+        </p:spPr>
+        <p:style>
+          <a:lnRef idx="2">
+            <a:schemeClr val="accent1"/>
+          </a:lnRef>
+          <a:fillRef idx="1">
+            <a:schemeClr val="lt1"/>
+          </a:fillRef>
+          <a:effectRef idx="0">
+            <a:schemeClr val="accent1"/>
+          </a:effectRef>
+          <a:fontRef idx="minor">
+            <a:schemeClr val="dk1"/>
+          </a:fontRef>
+        </p:style>
+        <p:txBody>
+          <a:bodyPr rtlCol="0" anchor="ctr"/>
+          <a:lstStyle/>
+          <a:p>
+            <a:pPr algn="ctr"/>
+            <a:r>
+              <a:rPr lang="en-PH" dirty="0" smtClean="0"/>
+              <a:t>Buy product, </a:t>
+            </a:r>
+          </a:p>
+          <a:p>
+            <a:pPr algn="ctr"/>
+            <a:r>
+              <a:rPr lang="en-PH" dirty="0" smtClean="0"/>
+              <a:t>record bought</a:t>
+            </a:r>
+            <a:endParaRPr lang="en-PH" dirty="0"/>
+          </a:p>
+        </p:txBody>
+      </p:sp>
+      <p:sp>
+        <p:nvSpPr>
+          <p:cNvPr id="8" name="Flowchart: Process 7"/>
+          <p:cNvSpPr/>
+          <p:nvPr/>
+        </p:nvSpPr>
+        <p:spPr>
+          <a:xfrm>
+            <a:off x="2433965" y="2132856"/>
+            <a:ext cx="2664296" cy="417771"/>
+          </a:xfrm>
+          <a:prstGeom prst="flowChartProcess">
+            <a:avLst/>
+          </a:prstGeom>
+        </p:spPr>
+        <p:style>
+          <a:lnRef idx="2">
+            <a:schemeClr val="accent1"/>
+          </a:lnRef>
+          <a:fillRef idx="1">
+            <a:schemeClr val="lt1"/>
+          </a:fillRef>
+          <a:effectRef idx="0">
+            <a:schemeClr val="accent1"/>
+          </a:effectRef>
+          <a:fontRef idx="minor">
+            <a:schemeClr val="dk1"/>
+          </a:fontRef>
+        </p:style>
+        <p:txBody>
+          <a:bodyPr rtlCol="0" anchor="ctr"/>
+          <a:lstStyle/>
+          <a:p>
+            <a:pPr algn="ctr"/>
+            <a:r>
+              <a:rPr lang="en-PH" dirty="0" smtClean="0"/>
+              <a:t>Get next product on list</a:t>
+            </a:r>
+            <a:endParaRPr lang="en-PH" dirty="0"/>
+          </a:p>
+        </p:txBody>
+      </p:sp>
+      <p:sp>
+        <p:nvSpPr>
+          <p:cNvPr id="9" name="TextBox 8"/>
+          <p:cNvSpPr txBox="1"/>
+          <p:nvPr/>
+        </p:nvSpPr>
+        <p:spPr>
+          <a:xfrm>
+            <a:off x="3923928" y="3430568"/>
+            <a:ext cx="288862" cy="369332"/>
+          </a:xfrm>
+          <a:prstGeom prst="rect">
+            <a:avLst/>
+          </a:prstGeom>
+          <a:noFill/>
+        </p:spPr>
+        <p:txBody>
+          <a:bodyPr wrap="none" rtlCol="0">
+            <a:spAutoFit/>
+          </a:bodyPr>
+          <a:lstStyle/>
+          <a:p>
+            <a:r>
+              <a:rPr lang="en-PH" dirty="0" smtClean="0"/>
+              <a:t>y</a:t>
+            </a:r>
+            <a:endParaRPr lang="en-PH" dirty="0"/>
+          </a:p>
+        </p:txBody>
+      </p:sp>
+      <p:sp>
+        <p:nvSpPr>
+          <p:cNvPr id="10" name="TextBox 9"/>
+          <p:cNvSpPr txBox="1"/>
+          <p:nvPr/>
+        </p:nvSpPr>
+        <p:spPr>
+          <a:xfrm>
+            <a:off x="5292080" y="2813616"/>
+            <a:ext cx="306494" cy="369332"/>
+          </a:xfrm>
+          <a:prstGeom prst="rect">
+            <a:avLst/>
+          </a:prstGeom>
+          <a:noFill/>
+        </p:spPr>
+        <p:txBody>
+          <a:bodyPr wrap="none" rtlCol="0">
+            <a:spAutoFit/>
+          </a:bodyPr>
+          <a:lstStyle/>
+          <a:p>
+            <a:r>
+              <a:rPr lang="en-PH" dirty="0" smtClean="0"/>
+              <a:t>n</a:t>
+            </a:r>
+            <a:endParaRPr lang="en-PH" dirty="0"/>
+          </a:p>
+        </p:txBody>
+      </p:sp>
+      <p:sp>
+        <p:nvSpPr>
+          <p:cNvPr id="11" name="Diamond 10"/>
+          <p:cNvSpPr/>
+          <p:nvPr/>
+        </p:nvSpPr>
+        <p:spPr>
+          <a:xfrm>
+            <a:off x="2433965" y="4509120"/>
+            <a:ext cx="2832755" cy="720080"/>
+          </a:xfrm>
+          <a:prstGeom prst="diamond">
+            <a:avLst/>
+          </a:prstGeom>
+        </p:spPr>
+        <p:style>
+          <a:lnRef idx="2">
+            <a:schemeClr val="accent1"/>
+          </a:lnRef>
+          <a:fillRef idx="1">
+            <a:schemeClr val="lt1"/>
+          </a:fillRef>
+          <a:effectRef idx="0">
+            <a:schemeClr val="accent1"/>
+          </a:effectRef>
+          <a:fontRef idx="minor">
+            <a:schemeClr val="dk1"/>
+          </a:fontRef>
+        </p:style>
+        <p:txBody>
+          <a:bodyPr rtlCol="0" anchor="ctr"/>
+          <a:lstStyle/>
+          <a:p>
+            <a:pPr algn="ctr"/>
+            <a:r>
+              <a:rPr lang="en-PH" dirty="0" smtClean="0"/>
+              <a:t>Is that last on list</a:t>
+            </a:r>
+            <a:endParaRPr lang="en-PH" dirty="0"/>
+          </a:p>
+        </p:txBody>
+      </p:sp>
+      <p:sp>
+        <p:nvSpPr>
+          <p:cNvPr id="12" name="TextBox 11"/>
+          <p:cNvSpPr txBox="1"/>
+          <p:nvPr/>
+        </p:nvSpPr>
+        <p:spPr>
+          <a:xfrm>
+            <a:off x="3923928" y="5157192"/>
+            <a:ext cx="288862" cy="369332"/>
+          </a:xfrm>
+          <a:prstGeom prst="rect">
+            <a:avLst/>
+          </a:prstGeom>
+          <a:noFill/>
+        </p:spPr>
+        <p:txBody>
+          <a:bodyPr wrap="none" rtlCol="0">
+            <a:spAutoFit/>
+          </a:bodyPr>
+          <a:lstStyle/>
+          <a:p>
+            <a:r>
+              <a:rPr lang="en-PH" dirty="0" smtClean="0"/>
+              <a:t>y</a:t>
+            </a:r>
+            <a:endParaRPr lang="en-PH" dirty="0"/>
+          </a:p>
+        </p:txBody>
+      </p:sp>
+      <p:sp>
+        <p:nvSpPr>
+          <p:cNvPr id="13" name="TextBox 12"/>
+          <p:cNvSpPr txBox="1"/>
+          <p:nvPr/>
+        </p:nvSpPr>
+        <p:spPr>
+          <a:xfrm>
+            <a:off x="5292080" y="4581128"/>
+            <a:ext cx="306494" cy="369332"/>
+          </a:xfrm>
+          <a:prstGeom prst="rect">
+            <a:avLst/>
+          </a:prstGeom>
+          <a:noFill/>
+        </p:spPr>
+        <p:txBody>
+          <a:bodyPr wrap="none" rtlCol="0">
+            <a:spAutoFit/>
+          </a:bodyPr>
+          <a:lstStyle/>
+          <a:p>
+            <a:r>
+              <a:rPr lang="en-PH" dirty="0" smtClean="0"/>
+              <a:t>n</a:t>
+            </a:r>
+            <a:endParaRPr lang="en-PH" dirty="0"/>
+          </a:p>
+        </p:txBody>
+      </p:sp>
+      <p:cxnSp>
+        <p:nvCxnSpPr>
+          <p:cNvPr id="15" name="Elbow Connector 14"/>
+          <p:cNvCxnSpPr>
+            <a:stCxn id="11" idx="3"/>
+            <a:endCxn id="8" idx="3"/>
+          </p:cNvCxnSpPr>
+          <p:nvPr/>
+        </p:nvCxnSpPr>
+        <p:spPr>
+          <a:xfrm flipH="1" flipV="1">
+            <a:off x="5098261" y="2341742"/>
+            <a:ext cx="168459" cy="2527418"/>
+          </a:xfrm>
+          <a:prstGeom prst="bentConnector3">
+            <a:avLst>
+              <a:gd name="adj1" fmla="val -1125869"/>
+            </a:avLst>
+          </a:prstGeom>
+          <a:ln>
+            <a:tailEnd type="arrow"/>
+          </a:ln>
+        </p:spPr>
+        <p:style>
+          <a:lnRef idx="1">
+            <a:schemeClr val="accent1"/>
+          </a:lnRef>
+          <a:fillRef idx="0">
+            <a:schemeClr val="accent1"/>
+          </a:fillRef>
+          <a:effectRef idx="0">
+            <a:schemeClr val="accent1"/>
+          </a:effectRef>
+          <a:fontRef idx="minor">
+            <a:schemeClr val="tx1"/>
+          </a:fontRef>
+        </p:style>
+      </p:cxnSp>
+      <p:cxnSp>
+        <p:nvCxnSpPr>
+          <p:cNvPr id="18" name="Elbow Connector 17"/>
+          <p:cNvCxnSpPr>
+            <a:stCxn id="6" idx="3"/>
+          </p:cNvCxnSpPr>
+          <p:nvPr/>
+        </p:nvCxnSpPr>
+        <p:spPr>
+          <a:xfrm flipH="1" flipV="1">
+            <a:off x="5144756" y="2502040"/>
+            <a:ext cx="147324" cy="674932"/>
+          </a:xfrm>
+          <a:prstGeom prst="bentConnector4">
+            <a:avLst>
+              <a:gd name="adj1" fmla="val -482556"/>
+              <a:gd name="adj2" fmla="val 100183"/>
+            </a:avLst>
+          </a:prstGeom>
+          <a:ln>
+            <a:tailEnd type="arrow"/>
+          </a:ln>
+        </p:spPr>
+        <p:style>
+          <a:lnRef idx="1">
+            <a:schemeClr val="accent1"/>
+          </a:lnRef>
+          <a:fillRef idx="0">
+            <a:schemeClr val="accent1"/>
+          </a:fillRef>
+          <a:effectRef idx="0">
+            <a:schemeClr val="accent1"/>
+          </a:effectRef>
+          <a:fontRef idx="minor">
+            <a:schemeClr val="tx1"/>
+          </a:fontRef>
+        </p:style>
+      </p:cxnSp>
+      <p:sp>
+        <p:nvSpPr>
+          <p:cNvPr id="27" name="Flowchart: Data 26"/>
+          <p:cNvSpPr/>
+          <p:nvPr/>
+        </p:nvSpPr>
+        <p:spPr>
+          <a:xfrm>
+            <a:off x="2051720" y="5517232"/>
+            <a:ext cx="3452167" cy="422959"/>
+          </a:xfrm>
+          <a:prstGeom prst="flowChartInputOutput">
+            <a:avLst/>
+          </a:prstGeom>
+        </p:spPr>
+        <p:style>
+          <a:lnRef idx="2">
+            <a:schemeClr val="accent1"/>
+          </a:lnRef>
+          <a:fillRef idx="1">
+            <a:schemeClr val="lt1"/>
+          </a:fillRef>
+          <a:effectRef idx="0">
+            <a:schemeClr val="accent1"/>
+          </a:effectRef>
+          <a:fontRef idx="minor">
+            <a:schemeClr val="dk1"/>
+          </a:fontRef>
+        </p:style>
+        <p:txBody>
+          <a:bodyPr rtlCol="0" anchor="ctr"/>
+          <a:lstStyle/>
+          <a:p>
+            <a:pPr algn="ctr"/>
+            <a:r>
+              <a:rPr lang="en-PH" dirty="0" smtClean="0"/>
+              <a:t>Show record bought</a:t>
+            </a:r>
+            <a:endParaRPr lang="en-PH" dirty="0"/>
+          </a:p>
+        </p:txBody>
+      </p:sp>
+      <p:sp>
+        <p:nvSpPr>
+          <p:cNvPr id="28" name="Flowchart: Terminator 27"/>
+          <p:cNvSpPr/>
+          <p:nvPr/>
+        </p:nvSpPr>
+        <p:spPr>
+          <a:xfrm>
+            <a:off x="3094258" y="6165304"/>
+            <a:ext cx="1512168" cy="288032"/>
+          </a:xfrm>
+          <a:prstGeom prst="flowChartTerminator">
+            <a:avLst/>
+          </a:prstGeom>
+        </p:spPr>
+        <p:style>
+          <a:lnRef idx="2">
+            <a:schemeClr val="accent1">
+              <a:shade val="50000"/>
+            </a:schemeClr>
+          </a:lnRef>
+          <a:fillRef idx="1">
+            <a:schemeClr val="accent1"/>
+          </a:fillRef>
+          <a:effectRef idx="0">
+            <a:schemeClr val="accent1"/>
+          </a:effectRef>
+          <a:fontRef idx="minor">
+            <a:schemeClr val="lt1"/>
+          </a:fontRef>
+        </p:style>
+        <p:txBody>
+          <a:bodyPr rtlCol="0" anchor="ctr"/>
+          <a:lstStyle/>
+          <a:p>
+            <a:pPr algn="ctr"/>
+            <a:endParaRPr lang="en-PH"/>
+          </a:p>
+        </p:txBody>
+      </p:sp>
+    </p:spTree>
+    <p:extLst>
+      <p:ext uri="{BB962C8B-B14F-4D97-AF65-F5344CB8AC3E}">
+        <p14:creationId xmlns:p14="http://schemas.microsoft.com/office/powerpoint/2010/main" val="4072117628"/>
+      </p:ext>
+    </p:extLst>
+  </p:cSld>
+  <p:clrMapOvr>
+    <a:masterClrMapping/>
+  </p:clrMapOvr>
+</p:sld>
+</file>
+
+<file path=ppt/slides/slide9.xml><?xml version="1.0" encoding="utf-8"?>
+<p:sld xmlns:a="http://schemas.openxmlformats.org/drawingml/2006/main" xmlns:r="http://schemas.openxmlformats.org/officeDocument/2006/relationships" xmlns:p="http://schemas.openxmlformats.org/presentationml/2006/main">
+  <p:cSld>
+    <p:spTree>
+      <p:nvGrpSpPr>
+        <p:cNvPr id="1" name=""/>
+        <p:cNvGrpSpPr/>
+        <p:nvPr/>
+      </p:nvGrpSpPr>
+      <p:grpSpPr>
+        <a:xfrm>
+          <a:off x="0" y="0"/>
+          <a:ext cx="0" cy="0"/>
+          <a:chOff x="0" y="0"/>
+          <a:chExt cx="0" cy="0"/>
+        </a:xfrm>
+      </p:grpSpPr>
+      <p:sp>
+        <p:nvSpPr>
+          <p:cNvPr id="2" name="TextBox 1"/>
+          <p:cNvSpPr txBox="1"/>
+          <p:nvPr/>
+        </p:nvSpPr>
+        <p:spPr>
+          <a:xfrm>
+            <a:off x="6122300" y="162787"/>
+            <a:ext cx="2914196" cy="1200329"/>
+          </a:xfrm>
+          <a:prstGeom prst="rect">
+            <a:avLst/>
+          </a:prstGeom>
+          <a:noFill/>
+        </p:spPr>
+        <p:txBody>
+          <a:bodyPr wrap="none" rtlCol="0">
+            <a:spAutoFit/>
+          </a:bodyPr>
+          <a:lstStyle/>
+          <a:p>
+            <a:pPr algn="r"/>
+            <a:r>
+              <a:rPr lang="en-PH" dirty="0" err="1" smtClean="0"/>
+              <a:t>Monito</a:t>
+            </a:r>
+            <a:r>
+              <a:rPr lang="en-PH" dirty="0" smtClean="0"/>
+              <a:t> </a:t>
+            </a:r>
+            <a:r>
+              <a:rPr lang="en-PH" dirty="0" err="1" smtClean="0"/>
+              <a:t>monita</a:t>
+            </a:r>
+            <a:r>
+              <a:rPr lang="en-PH" dirty="0" smtClean="0"/>
+              <a:t> requirements</a:t>
+            </a:r>
+          </a:p>
+          <a:p>
+            <a:pPr algn="r"/>
+            <a:r>
+              <a:rPr lang="en-PH" dirty="0" err="1" smtClean="0"/>
+              <a:t>Fld_color</a:t>
+            </a:r>
+            <a:r>
+              <a:rPr lang="en-PH" dirty="0" smtClean="0"/>
+              <a:t> = red</a:t>
+            </a:r>
+          </a:p>
+          <a:p>
+            <a:pPr algn="r"/>
+            <a:r>
+              <a:rPr lang="en-PH" dirty="0" err="1" smtClean="0"/>
+              <a:t>Fld_taste</a:t>
+            </a:r>
+            <a:r>
+              <a:rPr lang="en-PH" dirty="0" smtClean="0"/>
+              <a:t> = sweet</a:t>
+            </a:r>
+          </a:p>
+          <a:p>
+            <a:pPr algn="r"/>
+            <a:r>
+              <a:rPr lang="en-PH" dirty="0" err="1" smtClean="0"/>
+              <a:t>Fld_Price</a:t>
+            </a:r>
+            <a:r>
+              <a:rPr lang="en-PH" dirty="0" smtClean="0"/>
+              <a:t> &gt;=50</a:t>
+            </a:r>
+            <a:endParaRPr lang="en-PH" dirty="0"/>
+          </a:p>
+        </p:txBody>
+      </p:sp>
+      <p:sp>
+        <p:nvSpPr>
+          <p:cNvPr id="3" name="Flowchart: Terminator 2"/>
+          <p:cNvSpPr/>
+          <p:nvPr/>
+        </p:nvSpPr>
+        <p:spPr>
+          <a:xfrm>
+            <a:off x="2314600" y="122374"/>
+            <a:ext cx="914400" cy="301752"/>
+          </a:xfrm>
+          <a:prstGeom prst="flowChartTerminator">
+            <a:avLst/>
+          </a:prstGeom>
+        </p:spPr>
+        <p:style>
+          <a:lnRef idx="2">
+            <a:schemeClr val="accent1">
+              <a:shade val="50000"/>
+            </a:schemeClr>
+          </a:lnRef>
+          <a:fillRef idx="1">
+            <a:schemeClr val="accent1"/>
+          </a:fillRef>
+          <a:effectRef idx="0">
+            <a:schemeClr val="accent1"/>
+          </a:effectRef>
+          <a:fontRef idx="minor">
+            <a:schemeClr val="lt1"/>
+          </a:fontRef>
+        </p:style>
+        <p:txBody>
+          <a:bodyPr rtlCol="0" anchor="ctr"/>
+          <a:lstStyle/>
+          <a:p>
+            <a:pPr algn="ctr"/>
+            <a:endParaRPr lang="en-PH"/>
+          </a:p>
+        </p:txBody>
+      </p:sp>
+      <p:sp>
+        <p:nvSpPr>
+          <p:cNvPr id="5" name="Flowchart: Preparation 4"/>
+          <p:cNvSpPr/>
+          <p:nvPr/>
+        </p:nvSpPr>
+        <p:spPr>
+          <a:xfrm>
+            <a:off x="1547664" y="596590"/>
+            <a:ext cx="2448272" cy="456146"/>
+          </a:xfrm>
+          <a:prstGeom prst="flowChartPreparation">
+            <a:avLst/>
+          </a:prstGeom>
+        </p:spPr>
+        <p:style>
+          <a:lnRef idx="2">
+            <a:schemeClr val="accent1">
+              <a:shade val="50000"/>
+            </a:schemeClr>
+          </a:lnRef>
+          <a:fillRef idx="1">
+            <a:schemeClr val="accent1"/>
+          </a:fillRef>
+          <a:effectRef idx="0">
+            <a:schemeClr val="accent1"/>
+          </a:effectRef>
+          <a:fontRef idx="minor">
+            <a:schemeClr val="lt1"/>
+          </a:fontRef>
+        </p:style>
+        <p:txBody>
+          <a:bodyPr rtlCol="0" anchor="ctr"/>
+          <a:lstStyle/>
+          <a:p>
+            <a:pPr algn="ctr"/>
+            <a:r>
+              <a:rPr lang="en-PH" dirty="0" smtClean="0"/>
+              <a:t>gift</a:t>
+            </a:r>
+            <a:endParaRPr lang="en-PH" dirty="0"/>
+          </a:p>
+        </p:txBody>
+      </p:sp>
+      <p:sp>
+        <p:nvSpPr>
+          <p:cNvPr id="6" name="Diamond 5"/>
+          <p:cNvSpPr/>
+          <p:nvPr/>
+        </p:nvSpPr>
+        <p:spPr>
+          <a:xfrm>
+            <a:off x="2015716" y="1723156"/>
+            <a:ext cx="1512168" cy="1141964"/>
+          </a:xfrm>
+          <a:prstGeom prst="diamond">
+            <a:avLst/>
+          </a:prstGeom>
+        </p:spPr>
+        <p:style>
+          <a:lnRef idx="2">
+            <a:schemeClr val="accent1">
+              <a:shade val="50000"/>
+            </a:schemeClr>
+          </a:lnRef>
+          <a:fillRef idx="1">
+            <a:schemeClr val="accent1"/>
+          </a:fillRef>
+          <a:effectRef idx="0">
+            <a:schemeClr val="accent1"/>
+          </a:effectRef>
+          <a:fontRef idx="minor">
+            <a:schemeClr val="lt1"/>
+          </a:fontRef>
+        </p:style>
+        <p:txBody>
+          <a:bodyPr rtlCol="0" anchor="ctr"/>
+          <a:lstStyle/>
+          <a:p>
+            <a:pPr algn="ctr"/>
+            <a:r>
+              <a:rPr lang="en-PH" dirty="0" smtClean="0"/>
+              <a:t>Is gift &gt;= 50</a:t>
+            </a:r>
+            <a:endParaRPr lang="en-PH" dirty="0"/>
+          </a:p>
+        </p:txBody>
+      </p:sp>
+      <p:sp>
+        <p:nvSpPr>
+          <p:cNvPr id="7" name="Flowchart: Data 6"/>
+          <p:cNvSpPr/>
+          <p:nvPr/>
+        </p:nvSpPr>
+        <p:spPr>
+          <a:xfrm>
+            <a:off x="1666528" y="1196752"/>
+            <a:ext cx="2257400" cy="360040"/>
+          </a:xfrm>
+          <a:prstGeom prst="flowChartInputOutput">
+            <a:avLst/>
+          </a:prstGeom>
+        </p:spPr>
+        <p:style>
+          <a:lnRef idx="2">
+            <a:schemeClr val="accent1">
+              <a:shade val="50000"/>
+            </a:schemeClr>
+          </a:lnRef>
+          <a:fillRef idx="1">
+            <a:schemeClr val="accent1"/>
+          </a:fillRef>
+          <a:effectRef idx="0">
+            <a:schemeClr val="accent1"/>
+          </a:effectRef>
+          <a:fontRef idx="minor">
+            <a:schemeClr val="lt1"/>
+          </a:fontRef>
+        </p:style>
+        <p:txBody>
+          <a:bodyPr rtlCol="0" anchor="ctr"/>
+          <a:lstStyle/>
+          <a:p>
+            <a:pPr algn="ctr"/>
+            <a:r>
+              <a:rPr lang="en-PH" dirty="0" smtClean="0"/>
+              <a:t>Choose gift</a:t>
+            </a:r>
+          </a:p>
+        </p:txBody>
+      </p:sp>
+      <p:sp>
+        <p:nvSpPr>
+          <p:cNvPr id="8" name="TextBox 7"/>
+          <p:cNvSpPr txBox="1"/>
+          <p:nvPr/>
+        </p:nvSpPr>
+        <p:spPr>
+          <a:xfrm>
+            <a:off x="2889834" y="2780928"/>
+            <a:ext cx="288862" cy="369332"/>
+          </a:xfrm>
+          <a:prstGeom prst="rect">
+            <a:avLst/>
+          </a:prstGeom>
+          <a:noFill/>
+        </p:spPr>
+        <p:txBody>
+          <a:bodyPr wrap="none" rtlCol="0">
+            <a:spAutoFit/>
+          </a:bodyPr>
+          <a:lstStyle/>
+          <a:p>
+            <a:r>
+              <a:rPr lang="en-PH" dirty="0" smtClean="0"/>
+              <a:t>y</a:t>
+            </a:r>
+            <a:endParaRPr lang="en-PH" dirty="0"/>
+          </a:p>
+        </p:txBody>
+      </p:sp>
+      <p:sp>
+        <p:nvSpPr>
+          <p:cNvPr id="9" name="TextBox 8"/>
+          <p:cNvSpPr txBox="1"/>
+          <p:nvPr/>
+        </p:nvSpPr>
+        <p:spPr>
+          <a:xfrm>
+            <a:off x="3466728" y="1988840"/>
+            <a:ext cx="306494" cy="369332"/>
+          </a:xfrm>
+          <a:prstGeom prst="rect">
+            <a:avLst/>
+          </a:prstGeom>
+          <a:noFill/>
+        </p:spPr>
+        <p:txBody>
+          <a:bodyPr wrap="none" rtlCol="0">
+            <a:spAutoFit/>
+          </a:bodyPr>
+          <a:lstStyle/>
+          <a:p>
+            <a:r>
+              <a:rPr lang="en-PH" dirty="0" smtClean="0"/>
+              <a:t>n</a:t>
+            </a:r>
+            <a:endParaRPr lang="en-PH" dirty="0"/>
+          </a:p>
+        </p:txBody>
+      </p:sp>
+      <p:cxnSp>
+        <p:nvCxnSpPr>
+          <p:cNvPr id="11" name="Elbow Connector 10"/>
+          <p:cNvCxnSpPr>
+            <a:stCxn id="6" idx="3"/>
+            <a:endCxn id="7" idx="5"/>
+          </p:cNvCxnSpPr>
+          <p:nvPr/>
+        </p:nvCxnSpPr>
+        <p:spPr>
+          <a:xfrm flipV="1">
+            <a:off x="3527884" y="1376772"/>
+            <a:ext cx="170304" cy="917366"/>
+          </a:xfrm>
+          <a:prstGeom prst="bentConnector3">
+            <a:avLst>
+              <a:gd name="adj1" fmla="val 366782"/>
+            </a:avLst>
+          </a:prstGeom>
+          <a:ln>
+            <a:tailEnd type="arrow"/>
+          </a:ln>
+        </p:spPr>
+        <p:style>
+          <a:lnRef idx="1">
+            <a:schemeClr val="accent1"/>
+          </a:lnRef>
+          <a:fillRef idx="0">
+            <a:schemeClr val="accent1"/>
+          </a:fillRef>
+          <a:effectRef idx="0">
+            <a:schemeClr val="accent1"/>
+          </a:effectRef>
+          <a:fontRef idx="minor">
+            <a:schemeClr val="tx1"/>
+          </a:fontRef>
+        </p:style>
+      </p:cxnSp>
+      <p:sp>
+        <p:nvSpPr>
+          <p:cNvPr id="16" name="Diamond 15"/>
+          <p:cNvSpPr/>
+          <p:nvPr/>
+        </p:nvSpPr>
+        <p:spPr>
+          <a:xfrm>
+            <a:off x="1979712" y="3284984"/>
+            <a:ext cx="1597320" cy="1440160"/>
+          </a:xfrm>
+          <a:prstGeom prst="diamond">
+            <a:avLst/>
+          </a:prstGeom>
+        </p:spPr>
+        <p:style>
+          <a:lnRef idx="2">
+            <a:schemeClr val="accent1">
+              <a:shade val="50000"/>
+            </a:schemeClr>
+          </a:lnRef>
+          <a:fillRef idx="1">
+            <a:schemeClr val="accent1"/>
+          </a:fillRef>
+          <a:effectRef idx="0">
+            <a:schemeClr val="accent1"/>
+          </a:effectRef>
+          <a:fontRef idx="minor">
+            <a:schemeClr val="lt1"/>
+          </a:fontRef>
+        </p:style>
+        <p:txBody>
+          <a:bodyPr rtlCol="0" anchor="ctr"/>
+          <a:lstStyle/>
+          <a:p>
+            <a:pPr algn="ctr"/>
+            <a:r>
+              <a:rPr lang="en-PH" dirty="0" smtClean="0"/>
+              <a:t>Is gift red?</a:t>
+            </a:r>
+            <a:endParaRPr lang="en-PH" dirty="0"/>
+          </a:p>
+        </p:txBody>
+      </p:sp>
+      <p:sp>
+        <p:nvSpPr>
+          <p:cNvPr id="17" name="Diamond 16"/>
+          <p:cNvSpPr/>
+          <p:nvPr/>
+        </p:nvSpPr>
+        <p:spPr>
+          <a:xfrm>
+            <a:off x="3861088" y="3284984"/>
+            <a:ext cx="1935048" cy="1440160"/>
+          </a:xfrm>
+          <a:prstGeom prst="diamond">
+            <a:avLst/>
+          </a:prstGeom>
+        </p:spPr>
+        <p:style>
+          <a:lnRef idx="2">
+            <a:schemeClr val="accent1">
+              <a:shade val="50000"/>
+            </a:schemeClr>
+          </a:lnRef>
+          <a:fillRef idx="1">
+            <a:schemeClr val="accent1"/>
+          </a:fillRef>
+          <a:effectRef idx="0">
+            <a:schemeClr val="accent1"/>
+          </a:effectRef>
+          <a:fontRef idx="minor">
+            <a:schemeClr val="lt1"/>
+          </a:fontRef>
+        </p:style>
+        <p:txBody>
+          <a:bodyPr rtlCol="0" anchor="ctr"/>
+          <a:lstStyle/>
+          <a:p>
+            <a:pPr algn="ctr"/>
+            <a:r>
+              <a:rPr lang="en-PH" dirty="0" smtClean="0"/>
+              <a:t>Is gift sweet?</a:t>
+            </a:r>
+            <a:endParaRPr lang="en-PH" dirty="0"/>
+          </a:p>
+        </p:txBody>
+      </p:sp>
+      <p:sp>
+        <p:nvSpPr>
+          <p:cNvPr id="18" name="TextBox 17"/>
+          <p:cNvSpPr txBox="1"/>
+          <p:nvPr/>
+        </p:nvSpPr>
+        <p:spPr>
+          <a:xfrm>
+            <a:off x="2843808" y="4571836"/>
+            <a:ext cx="288862" cy="369332"/>
+          </a:xfrm>
+          <a:prstGeom prst="rect">
+            <a:avLst/>
+          </a:prstGeom>
+          <a:noFill/>
+        </p:spPr>
+        <p:txBody>
+          <a:bodyPr wrap="none" rtlCol="0">
+            <a:spAutoFit/>
+          </a:bodyPr>
+          <a:lstStyle/>
+          <a:p>
+            <a:r>
+              <a:rPr lang="en-PH" dirty="0" smtClean="0"/>
+              <a:t>y</a:t>
+            </a:r>
+            <a:endParaRPr lang="en-PH" dirty="0"/>
+          </a:p>
+        </p:txBody>
+      </p:sp>
+      <p:sp>
+        <p:nvSpPr>
+          <p:cNvPr id="19" name="TextBox 18"/>
+          <p:cNvSpPr txBox="1"/>
+          <p:nvPr/>
+        </p:nvSpPr>
+        <p:spPr>
+          <a:xfrm>
+            <a:off x="3420702" y="3573016"/>
+            <a:ext cx="306494" cy="369332"/>
+          </a:xfrm>
+          <a:prstGeom prst="rect">
+            <a:avLst/>
+          </a:prstGeom>
+          <a:noFill/>
+        </p:spPr>
+        <p:txBody>
+          <a:bodyPr wrap="none" rtlCol="0">
+            <a:spAutoFit/>
+          </a:bodyPr>
+          <a:lstStyle/>
+          <a:p>
+            <a:r>
+              <a:rPr lang="en-PH" dirty="0" smtClean="0"/>
+              <a:t>n</a:t>
+            </a:r>
+            <a:endParaRPr lang="en-PH" dirty="0"/>
+          </a:p>
+        </p:txBody>
+      </p:sp>
+      <p:sp>
+        <p:nvSpPr>
+          <p:cNvPr id="20" name="TextBox 19"/>
+          <p:cNvSpPr txBox="1"/>
+          <p:nvPr/>
+        </p:nvSpPr>
+        <p:spPr>
+          <a:xfrm>
+            <a:off x="5004048" y="4571836"/>
+            <a:ext cx="288862" cy="369332"/>
+          </a:xfrm>
+          <a:prstGeom prst="rect">
+            <a:avLst/>
+          </a:prstGeom>
+          <a:noFill/>
+        </p:spPr>
+        <p:txBody>
+          <a:bodyPr wrap="none" rtlCol="0">
+            <a:spAutoFit/>
+          </a:bodyPr>
+          <a:lstStyle/>
+          <a:p>
+            <a:r>
+              <a:rPr lang="en-PH" dirty="0" smtClean="0"/>
+              <a:t>y</a:t>
+            </a:r>
+            <a:endParaRPr lang="en-PH" dirty="0"/>
+          </a:p>
+        </p:txBody>
+      </p:sp>
+      <p:sp>
+        <p:nvSpPr>
+          <p:cNvPr id="21" name="TextBox 20"/>
+          <p:cNvSpPr txBox="1"/>
+          <p:nvPr/>
+        </p:nvSpPr>
+        <p:spPr>
+          <a:xfrm>
+            <a:off x="5849682" y="3635732"/>
+            <a:ext cx="306494" cy="369332"/>
+          </a:xfrm>
+          <a:prstGeom prst="rect">
+            <a:avLst/>
+          </a:prstGeom>
+          <a:noFill/>
+        </p:spPr>
+        <p:txBody>
+          <a:bodyPr wrap="none" rtlCol="0">
+            <a:spAutoFit/>
+          </a:bodyPr>
+          <a:lstStyle/>
+          <a:p>
+            <a:r>
+              <a:rPr lang="en-PH" dirty="0" smtClean="0"/>
+              <a:t>n</a:t>
+            </a:r>
+            <a:endParaRPr lang="en-PH" dirty="0"/>
+          </a:p>
+        </p:txBody>
+      </p:sp>
+      <p:cxnSp>
+        <p:nvCxnSpPr>
+          <p:cNvPr id="23" name="Straight Arrow Connector 22"/>
+          <p:cNvCxnSpPr>
+            <a:stCxn id="6" idx="2"/>
+            <a:endCxn id="16" idx="0"/>
+          </p:cNvCxnSpPr>
+          <p:nvPr/>
+        </p:nvCxnSpPr>
+        <p:spPr>
+          <a:xfrm>
+            <a:off x="2771800" y="2865120"/>
+            <a:ext cx="6572" cy="419864"/>
+          </a:xfrm>
+          <a:prstGeom prst="straightConnector1">
+            <a:avLst/>
+          </a:prstGeom>
+          <a:ln>
+            <a:tailEnd type="arrow"/>
+          </a:ln>
+        </p:spPr>
+        <p:style>
+          <a:lnRef idx="1">
+            <a:schemeClr val="accent1"/>
+          </a:lnRef>
+          <a:fillRef idx="0">
+            <a:schemeClr val="accent1"/>
+          </a:fillRef>
+          <a:effectRef idx="0">
+            <a:schemeClr val="accent1"/>
+          </a:effectRef>
+          <a:fontRef idx="minor">
+            <a:schemeClr val="tx1"/>
+          </a:fontRef>
+        </p:style>
+      </p:cxnSp>
+      <p:cxnSp>
+        <p:nvCxnSpPr>
+          <p:cNvPr id="28" name="Straight Arrow Connector 27"/>
+          <p:cNvCxnSpPr>
+            <a:stCxn id="16" idx="3"/>
+            <a:endCxn id="17" idx="1"/>
+          </p:cNvCxnSpPr>
+          <p:nvPr/>
+        </p:nvCxnSpPr>
+        <p:spPr>
+          <a:xfrm>
+            <a:off x="3577032" y="4005064"/>
+            <a:ext cx="284056" cy="0"/>
+          </a:xfrm>
+          <a:prstGeom prst="straightConnector1">
+            <a:avLst/>
+          </a:prstGeom>
+          <a:ln>
+            <a:tailEnd type="arrow"/>
+          </a:ln>
+        </p:spPr>
+        <p:style>
+          <a:lnRef idx="1">
+            <a:schemeClr val="accent1"/>
+          </a:lnRef>
+          <a:fillRef idx="0">
+            <a:schemeClr val="accent1"/>
+          </a:fillRef>
+          <a:effectRef idx="0">
+            <a:schemeClr val="accent1"/>
+          </a:effectRef>
+          <a:fontRef idx="minor">
+            <a:schemeClr val="tx1"/>
+          </a:fontRef>
+        </p:style>
+      </p:cxnSp>
+      <p:cxnSp>
+        <p:nvCxnSpPr>
+          <p:cNvPr id="34" name="Elbow Connector 33"/>
+          <p:cNvCxnSpPr>
+            <a:stCxn id="17" idx="3"/>
+            <a:endCxn id="7" idx="5"/>
+          </p:cNvCxnSpPr>
+          <p:nvPr/>
+        </p:nvCxnSpPr>
+        <p:spPr>
+          <a:xfrm flipH="1" flipV="1">
+            <a:off x="3698188" y="1376772"/>
+            <a:ext cx="2097948" cy="2628292"/>
+          </a:xfrm>
+          <a:prstGeom prst="bentConnector3">
+            <a:avLst>
+              <a:gd name="adj1" fmla="val -33173"/>
+            </a:avLst>
+          </a:prstGeom>
+          <a:ln>
+            <a:tailEnd type="arrow"/>
+          </a:ln>
+        </p:spPr>
+        <p:style>
+          <a:lnRef idx="1">
+            <a:schemeClr val="accent1"/>
+          </a:lnRef>
+          <a:fillRef idx="0">
+            <a:schemeClr val="accent1"/>
+          </a:fillRef>
+          <a:effectRef idx="0">
+            <a:schemeClr val="accent1"/>
+          </a:effectRef>
+          <a:fontRef idx="minor">
+            <a:schemeClr val="tx1"/>
+          </a:fontRef>
+        </p:style>
+      </p:cxnSp>
+      <p:sp>
+        <p:nvSpPr>
+          <p:cNvPr id="37" name="Flowchart: Data 36"/>
+          <p:cNvSpPr/>
+          <p:nvPr/>
+        </p:nvSpPr>
+        <p:spPr>
+          <a:xfrm>
+            <a:off x="1763688" y="5229200"/>
+            <a:ext cx="2777832" cy="612648"/>
+          </a:xfrm>
+          <a:prstGeom prst="flowChartInputOutput">
+            <a:avLst/>
+          </a:prstGeom>
+        </p:spPr>
+        <p:style>
+          <a:lnRef idx="2">
+            <a:schemeClr val="accent1">
+              <a:shade val="50000"/>
+            </a:schemeClr>
+          </a:lnRef>
+          <a:fillRef idx="1">
+            <a:schemeClr val="accent1"/>
+          </a:fillRef>
+          <a:effectRef idx="0">
+            <a:schemeClr val="accent1"/>
+          </a:effectRef>
+          <a:fontRef idx="minor">
+            <a:schemeClr val="lt1"/>
+          </a:fontRef>
+        </p:style>
+        <p:txBody>
+          <a:bodyPr rtlCol="0" anchor="ctr"/>
+          <a:lstStyle/>
+          <a:p>
+            <a:pPr algn="ctr"/>
+            <a:r>
+              <a:rPr lang="en-PH" dirty="0" smtClean="0"/>
+              <a:t>Give gift</a:t>
+            </a:r>
+            <a:endParaRPr lang="en-PH" dirty="0"/>
+          </a:p>
+        </p:txBody>
+      </p:sp>
+      <p:sp>
+        <p:nvSpPr>
+          <p:cNvPr id="38" name="Flowchart: Terminator 37"/>
+          <p:cNvSpPr/>
+          <p:nvPr/>
+        </p:nvSpPr>
+        <p:spPr>
+          <a:xfrm>
+            <a:off x="2613484" y="5949280"/>
+            <a:ext cx="914400" cy="301752"/>
+          </a:xfrm>
+          <a:prstGeom prst="flowChartTerminator">
+            <a:avLst/>
+          </a:prstGeom>
+        </p:spPr>
+        <p:style>
+          <a:lnRef idx="2">
+            <a:schemeClr val="accent1">
+              <a:shade val="50000"/>
+            </a:schemeClr>
+          </a:lnRef>
+          <a:fillRef idx="1">
+            <a:schemeClr val="accent1"/>
+          </a:fillRef>
+          <a:effectRef idx="0">
+            <a:schemeClr val="accent1"/>
+          </a:effectRef>
+          <a:fontRef idx="minor">
+            <a:schemeClr val="lt1"/>
+          </a:fontRef>
+        </p:style>
+        <p:txBody>
+          <a:bodyPr rtlCol="0" anchor="ctr"/>
+          <a:lstStyle/>
+          <a:p>
+            <a:pPr algn="ctr"/>
+            <a:endParaRPr lang="en-PH"/>
+          </a:p>
+        </p:txBody>
+      </p:sp>
+      <p:cxnSp>
+        <p:nvCxnSpPr>
+          <p:cNvPr id="41" name="Straight Arrow Connector 40"/>
+          <p:cNvCxnSpPr>
+            <a:stCxn id="16" idx="2"/>
+            <a:endCxn id="37" idx="0"/>
+          </p:cNvCxnSpPr>
+          <p:nvPr/>
+        </p:nvCxnSpPr>
+        <p:spPr>
+          <a:xfrm>
+            <a:off x="2778372" y="4725144"/>
+            <a:ext cx="652015" cy="504056"/>
+          </a:xfrm>
+          <a:prstGeom prst="straightConnector1">
+            <a:avLst/>
+          </a:prstGeom>
+          <a:ln>
+            <a:tailEnd type="arrow"/>
+          </a:ln>
+        </p:spPr>
+        <p:style>
+          <a:lnRef idx="1">
+            <a:schemeClr val="accent1"/>
+          </a:lnRef>
+          <a:fillRef idx="0">
+            <a:schemeClr val="accent1"/>
+          </a:fillRef>
+          <a:effectRef idx="0">
+            <a:schemeClr val="accent1"/>
+          </a:effectRef>
+          <a:fontRef idx="minor">
+            <a:schemeClr val="tx1"/>
+          </a:fontRef>
+        </p:style>
+      </p:cxnSp>
+      <p:cxnSp>
+        <p:nvCxnSpPr>
+          <p:cNvPr id="44" name="Straight Arrow Connector 43"/>
+          <p:cNvCxnSpPr>
+            <a:stCxn id="17" idx="2"/>
+            <a:endCxn id="37" idx="0"/>
+          </p:cNvCxnSpPr>
+          <p:nvPr/>
+        </p:nvCxnSpPr>
+        <p:spPr>
+          <a:xfrm flipH="1">
+            <a:off x="3430387" y="4725144"/>
+            <a:ext cx="1398225" cy="504056"/>
+          </a:xfrm>
+          <a:prstGeom prst="straightConnector1">
+            <a:avLst/>
+          </a:prstGeom>
+          <a:ln>
+            <a:tailEnd type="arrow"/>
+          </a:ln>
+        </p:spPr>
+        <p:style>
+          <a:lnRef idx="1">
+            <a:schemeClr val="accent1"/>
+          </a:lnRef>
+          <a:fillRef idx="0">
+            <a:schemeClr val="accent1"/>
+          </a:fillRef>
+          <a:effectRef idx="0">
+            <a:schemeClr val="accent1"/>
+          </a:effectRef>
+          <a:fontRef idx="minor">
+            <a:schemeClr val="tx1"/>
+          </a:fontRef>
+        </p:style>
+      </p:cxnSp>
+      <p:sp>
+        <p:nvSpPr>
+          <p:cNvPr id="47" name="TextBox 46"/>
+          <p:cNvSpPr txBox="1"/>
+          <p:nvPr/>
+        </p:nvSpPr>
+        <p:spPr>
+          <a:xfrm>
+            <a:off x="323528" y="6372036"/>
+            <a:ext cx="5432769" cy="369332"/>
+          </a:xfrm>
+          <a:prstGeom prst="rect">
+            <a:avLst/>
+          </a:prstGeom>
+          <a:noFill/>
+        </p:spPr>
+        <p:txBody>
+          <a:bodyPr wrap="none" rtlCol="0">
+            <a:spAutoFit/>
+          </a:bodyPr>
+          <a:lstStyle/>
+          <a:p>
+            <a:r>
+              <a:rPr lang="en-PH" dirty="0" err="1" smtClean="0"/>
+              <a:t>fld_color</a:t>
+            </a:r>
+            <a:r>
+              <a:rPr lang="en-PH" dirty="0" smtClean="0"/>
+              <a:t>=‘red OR </a:t>
+            </a:r>
+            <a:r>
+              <a:rPr lang="en-PH" dirty="0" err="1" smtClean="0"/>
+              <a:t>fld_taste</a:t>
+            </a:r>
+            <a:r>
+              <a:rPr lang="en-PH" dirty="0" smtClean="0"/>
+              <a:t>=‘sweet’ AND </a:t>
+            </a:r>
+            <a:r>
+              <a:rPr lang="en-PH" dirty="0" err="1" smtClean="0"/>
+              <a:t>fld_price</a:t>
+            </a:r>
+            <a:r>
+              <a:rPr lang="en-PH" dirty="0" smtClean="0"/>
+              <a:t> &gt;= 50</a:t>
+            </a:r>
+            <a:endParaRPr lang="en-PH" dirty="0"/>
+          </a:p>
+        </p:txBody>
+      </p:sp>
+    </p:spTree>
+    <p:extLst>
+      <p:ext uri="{BB962C8B-B14F-4D97-AF65-F5344CB8AC3E}">
+        <p14:creationId xmlns:p14="http://schemas.microsoft.com/office/powerpoint/2010/main" val="2167724227"/>
+      </p:ext>
+    </p:extLst>
+  </p:cSld>
+  <p:clrMapOvr>
+    <a:masterClrMapping/>
+  </p:clrMapOvr>
+</p:sld>
+</file>
+
 <file path=ppt/theme/theme1.xml><?xml version="1.0" encoding="utf-8"?>
 <a:theme xmlns:a="http://schemas.openxmlformats.org/drawingml/2006/main" name="Office Theme">
   <a:themeElements>

--- a/visual aids.pptx
+++ b/visual aids.pptx
@@ -17,6 +17,7 @@
     <p:sldId id="265" r:id="rId11"/>
     <p:sldId id="266" r:id="rId12"/>
     <p:sldId id="267" r:id="rId13"/>
+    <p:sldId id="268" r:id="rId14"/>
   </p:sldIdLst>
   <p:sldSz cx="9144000" cy="6858000" type="screen4x3"/>
   <p:notesSz cx="6858000" cy="9144000"/>
@@ -299,7 +300,7 @@
           <a:p>
             <a:fld id="{5C53F6D8-CA54-4B2C-A2ED-EB1BE73B921A}" type="datetimeFigureOut">
               <a:rPr lang="en-PH" smtClean="0"/>
-              <a:t>21 Dec 2020</a:t>
+              <a:t>22 Dec 2020</a:t>
             </a:fld>
             <a:endParaRPr lang="en-PH"/>
           </a:p>
@@ -469,7 +470,7 @@
           <a:p>
             <a:fld id="{5C53F6D8-CA54-4B2C-A2ED-EB1BE73B921A}" type="datetimeFigureOut">
               <a:rPr lang="en-PH" smtClean="0"/>
-              <a:t>21 Dec 2020</a:t>
+              <a:t>22 Dec 2020</a:t>
             </a:fld>
             <a:endParaRPr lang="en-PH"/>
           </a:p>
@@ -649,7 +650,7 @@
           <a:p>
             <a:fld id="{5C53F6D8-CA54-4B2C-A2ED-EB1BE73B921A}" type="datetimeFigureOut">
               <a:rPr lang="en-PH" smtClean="0"/>
-              <a:t>21 Dec 2020</a:t>
+              <a:t>22 Dec 2020</a:t>
             </a:fld>
             <a:endParaRPr lang="en-PH"/>
           </a:p>
@@ -819,7 +820,7 @@
           <a:p>
             <a:fld id="{5C53F6D8-CA54-4B2C-A2ED-EB1BE73B921A}" type="datetimeFigureOut">
               <a:rPr lang="en-PH" smtClean="0"/>
-              <a:t>21 Dec 2020</a:t>
+              <a:t>22 Dec 2020</a:t>
             </a:fld>
             <a:endParaRPr lang="en-PH"/>
           </a:p>
@@ -1065,7 +1066,7 @@
           <a:p>
             <a:fld id="{5C53F6D8-CA54-4B2C-A2ED-EB1BE73B921A}" type="datetimeFigureOut">
               <a:rPr lang="en-PH" smtClean="0"/>
-              <a:t>21 Dec 2020</a:t>
+              <a:t>22 Dec 2020</a:t>
             </a:fld>
             <a:endParaRPr lang="en-PH"/>
           </a:p>
@@ -1353,7 +1354,7 @@
           <a:p>
             <a:fld id="{5C53F6D8-CA54-4B2C-A2ED-EB1BE73B921A}" type="datetimeFigureOut">
               <a:rPr lang="en-PH" smtClean="0"/>
-              <a:t>21 Dec 2020</a:t>
+              <a:t>22 Dec 2020</a:t>
             </a:fld>
             <a:endParaRPr lang="en-PH"/>
           </a:p>
@@ -1775,7 +1776,7 @@
           <a:p>
             <a:fld id="{5C53F6D8-CA54-4B2C-A2ED-EB1BE73B921A}" type="datetimeFigureOut">
               <a:rPr lang="en-PH" smtClean="0"/>
-              <a:t>21 Dec 2020</a:t>
+              <a:t>22 Dec 2020</a:t>
             </a:fld>
             <a:endParaRPr lang="en-PH"/>
           </a:p>
@@ -1893,7 +1894,7 @@
           <a:p>
             <a:fld id="{5C53F6D8-CA54-4B2C-A2ED-EB1BE73B921A}" type="datetimeFigureOut">
               <a:rPr lang="en-PH" smtClean="0"/>
-              <a:t>21 Dec 2020</a:t>
+              <a:t>22 Dec 2020</a:t>
             </a:fld>
             <a:endParaRPr lang="en-PH"/>
           </a:p>
@@ -1988,7 +1989,7 @@
           <a:p>
             <a:fld id="{5C53F6D8-CA54-4B2C-A2ED-EB1BE73B921A}" type="datetimeFigureOut">
               <a:rPr lang="en-PH" smtClean="0"/>
-              <a:t>21 Dec 2020</a:t>
+              <a:t>22 Dec 2020</a:t>
             </a:fld>
             <a:endParaRPr lang="en-PH"/>
           </a:p>
@@ -2265,7 +2266,7 @@
           <a:p>
             <a:fld id="{5C53F6D8-CA54-4B2C-A2ED-EB1BE73B921A}" type="datetimeFigureOut">
               <a:rPr lang="en-PH" smtClean="0"/>
-              <a:t>21 Dec 2020</a:t>
+              <a:t>22 Dec 2020</a:t>
             </a:fld>
             <a:endParaRPr lang="en-PH"/>
           </a:p>
@@ -2518,7 +2519,7 @@
           <a:p>
             <a:fld id="{5C53F6D8-CA54-4B2C-A2ED-EB1BE73B921A}" type="datetimeFigureOut">
               <a:rPr lang="en-PH" smtClean="0"/>
-              <a:t>21 Dec 2020</a:t>
+              <a:t>22 Dec 2020</a:t>
             </a:fld>
             <a:endParaRPr lang="en-PH"/>
           </a:p>
@@ -2731,7 +2732,7 @@
           <a:p>
             <a:fld id="{5C53F6D8-CA54-4B2C-A2ED-EB1BE73B921A}" type="datetimeFigureOut">
               <a:rPr lang="en-PH" smtClean="0"/>
-              <a:t>21 Dec 2020</a:t>
+              <a:t>22 Dec 2020</a:t>
             </a:fld>
             <a:endParaRPr lang="en-PH"/>
           </a:p>
@@ -3331,6 +3332,13 @@
   <p:clrMapOvr>
     <a:masterClrMapping/>
   </p:clrMapOvr>
+  <p:timing>
+    <p:tnLst>
+      <p:par>
+        <p:cTn id="1" dur="indefinite" restart="never" nodeType="tmRoot"/>
+      </p:par>
+    </p:tnLst>
+  </p:timing>
 </p:sld>
 </file>
 
@@ -3769,7 +3777,7 @@
         <p:spPr>
           <a:xfrm>
             <a:off x="975804" y="675104"/>
-            <a:ext cx="3423920" cy="359182"/>
+            <a:ext cx="3494596" cy="359182"/>
           </a:xfrm>
           <a:prstGeom prst="flowChartPreparation">
             <a:avLst/>
@@ -3806,7 +3814,15 @@
             </a:r>
             <a:r>
               <a:rPr lang="en-PH" dirty="0" smtClean="0"/>
-              <a:t>, $res, $group</a:t>
+              <a:t>, $</a:t>
+            </a:r>
+            <a:r>
+              <a:rPr lang="en-PH" dirty="0" smtClean="0"/>
+              <a:t>rem, </a:t>
+            </a:r>
+            <a:r>
+              <a:rPr lang="en-PH" dirty="0" smtClean="0"/>
+              <a:t>$group</a:t>
             </a:r>
             <a:endParaRPr lang="en-PH" dirty="0"/>
           </a:p>
@@ -3902,7 +3918,15 @@
             <a:pPr algn="ctr"/>
             <a:r>
               <a:rPr lang="en-PH" dirty="0" smtClean="0"/>
-              <a:t>$res = $</a:t>
+              <a:t>$</a:t>
+            </a:r>
+            <a:r>
+              <a:rPr lang="en-PH" dirty="0" smtClean="0"/>
+              <a:t>rem </a:t>
+            </a:r>
+            <a:r>
+              <a:rPr lang="en-PH" dirty="0" smtClean="0"/>
+              <a:t>= $</a:t>
             </a:r>
             <a:r>
               <a:rPr lang="en-PH" dirty="0" err="1" smtClean="0"/>
@@ -3924,8 +3948,8 @@
         </p:nvSpPr>
         <p:spPr>
           <a:xfrm>
-            <a:off x="1440108" y="2793654"/>
-            <a:ext cx="2495312" cy="914400"/>
+            <a:off x="1327944" y="2793654"/>
+            <a:ext cx="2716220" cy="914400"/>
           </a:xfrm>
           <a:prstGeom prst="diamond">
             <a:avLst/>
@@ -3954,7 +3978,15 @@
             <a:pPr algn="ctr"/>
             <a:r>
               <a:rPr lang="en-PH" dirty="0" smtClean="0"/>
-              <a:t>Is $res = 0?</a:t>
+              <a:t>Is $</a:t>
+            </a:r>
+            <a:r>
+              <a:rPr lang="en-PH" dirty="0" smtClean="0"/>
+              <a:t>rem </a:t>
+            </a:r>
+            <a:r>
+              <a:rPr lang="en-PH" dirty="0" smtClean="0"/>
+              <a:t>= 0?</a:t>
             </a:r>
             <a:endParaRPr lang="en-PH" dirty="0"/>
           </a:p>
@@ -4012,7 +4044,7 @@
         </p:nvSpPr>
         <p:spPr>
           <a:xfrm>
-            <a:off x="4319240" y="2944530"/>
+            <a:off x="4427984" y="2944530"/>
             <a:ext cx="2088232" cy="612648"/>
           </a:xfrm>
           <a:prstGeom prst="flowChartProcess">
@@ -4159,7 +4191,7 @@
         </p:nvCxnSpPr>
         <p:spPr>
           <a:xfrm>
-            <a:off x="3935420" y="3250854"/>
+            <a:off x="4044164" y="3250854"/>
             <a:ext cx="383820" cy="0"/>
           </a:xfrm>
           <a:prstGeom prst="straightConnector1">
@@ -4195,8 +4227,8 @@
         </p:nvCxnSpPr>
         <p:spPr>
           <a:xfrm rot="5400000">
-            <a:off x="3974436" y="3768272"/>
-            <a:ext cx="1600014" cy="1177826"/>
+            <a:off x="4028808" y="3713900"/>
+            <a:ext cx="1600014" cy="1286570"/>
           </a:xfrm>
           <a:prstGeom prst="bentConnector2">
             <a:avLst/>
@@ -4267,8 +4299,8 @@
         </p:nvCxnSpPr>
         <p:spPr>
           <a:xfrm>
-            <a:off x="2687764" y="3708054"/>
-            <a:ext cx="0" cy="238224"/>
+            <a:off x="2686054" y="3708054"/>
+            <a:ext cx="1710" cy="238224"/>
           </a:xfrm>
           <a:prstGeom prst="straightConnector1">
             <a:avLst/>
@@ -4358,6 +4390,143 @@
           </a:fontRef>
         </p:style>
       </p:cxnSp>
+      <p:sp>
+        <p:nvSpPr>
+          <p:cNvPr id="17" name="TextBox 16"/>
+          <p:cNvSpPr txBox="1"/>
+          <p:nvPr/>
+        </p:nvSpPr>
+        <p:spPr>
+          <a:xfrm>
+            <a:off x="2771800" y="3573016"/>
+            <a:ext cx="392792" cy="369332"/>
+          </a:xfrm>
+          <a:prstGeom prst="rect">
+            <a:avLst/>
+          </a:prstGeom>
+          <a:noFill/>
+        </p:spPr>
+        <p:txBody>
+          <a:bodyPr wrap="square" rtlCol="0">
+            <a:spAutoFit/>
+          </a:bodyPr>
+          <a:lstStyle/>
+          <a:p>
+            <a:r>
+              <a:rPr lang="en-PH" dirty="0" smtClean="0"/>
+              <a:t>y</a:t>
+            </a:r>
+            <a:endParaRPr lang="en-PH" dirty="0"/>
+          </a:p>
+        </p:txBody>
+      </p:sp>
+      <p:sp>
+        <p:nvSpPr>
+          <p:cNvPr id="19" name="TextBox 18"/>
+          <p:cNvSpPr txBox="1"/>
+          <p:nvPr/>
+        </p:nvSpPr>
+        <p:spPr>
+          <a:xfrm>
+            <a:off x="3923928" y="2808358"/>
+            <a:ext cx="261602" cy="369332"/>
+          </a:xfrm>
+          <a:prstGeom prst="rect">
+            <a:avLst/>
+          </a:prstGeom>
+          <a:noFill/>
+        </p:spPr>
+        <p:txBody>
+          <a:bodyPr wrap="square" rtlCol="0">
+            <a:spAutoFit/>
+          </a:bodyPr>
+          <a:lstStyle/>
+          <a:p>
+            <a:r>
+              <a:rPr lang="en-PH" dirty="0"/>
+              <a:t>n</a:t>
+            </a:r>
+          </a:p>
+        </p:txBody>
+      </p:sp>
+      <p:sp>
+        <p:nvSpPr>
+          <p:cNvPr id="21" name="Oval 20"/>
+          <p:cNvSpPr/>
+          <p:nvPr/>
+        </p:nvSpPr>
+        <p:spPr>
+          <a:xfrm>
+            <a:off x="755576" y="0"/>
+            <a:ext cx="3888432" cy="6597352"/>
+          </a:xfrm>
+          <a:prstGeom prst="ellipse">
+            <a:avLst/>
+          </a:prstGeom>
+          <a:noFill/>
+        </p:spPr>
+        <p:style>
+          <a:lnRef idx="2">
+            <a:schemeClr val="accent6"/>
+          </a:lnRef>
+          <a:fillRef idx="1">
+            <a:schemeClr val="lt1"/>
+          </a:fillRef>
+          <a:effectRef idx="0">
+            <a:schemeClr val="accent6"/>
+          </a:effectRef>
+          <a:fontRef idx="minor">
+            <a:schemeClr val="dk1"/>
+          </a:fontRef>
+        </p:style>
+        <p:txBody>
+          <a:bodyPr rtlCol="0" anchor="ctr"/>
+          <a:lstStyle/>
+          <a:p>
+            <a:pPr algn="ctr"/>
+            <a:endParaRPr lang="en-PH"/>
+          </a:p>
+        </p:txBody>
+      </p:sp>
+      <p:sp>
+        <p:nvSpPr>
+          <p:cNvPr id="23" name="Oval 22"/>
+          <p:cNvSpPr/>
+          <p:nvPr/>
+        </p:nvSpPr>
+        <p:spPr>
+          <a:xfrm>
+            <a:off x="4185530" y="2420888"/>
+            <a:ext cx="2618718" cy="1656184"/>
+          </a:xfrm>
+          <a:prstGeom prst="ellipse">
+            <a:avLst/>
+          </a:prstGeom>
+          <a:noFill/>
+        </p:spPr>
+        <p:style>
+          <a:lnRef idx="2">
+            <a:schemeClr val="accent6"/>
+          </a:lnRef>
+          <a:fillRef idx="1">
+            <a:schemeClr val="lt1"/>
+          </a:fillRef>
+          <a:effectRef idx="0">
+            <a:schemeClr val="accent6"/>
+          </a:effectRef>
+          <a:fontRef idx="minor">
+            <a:schemeClr val="dk1"/>
+          </a:fontRef>
+        </p:style>
+        <p:txBody>
+          <a:bodyPr rtlCol="0" anchor="ctr"/>
+          <a:lstStyle/>
+          <a:p>
+            <a:pPr algn="ctr"/>
+            <a:endParaRPr lang="en-PH"/>
+          </a:p>
+        </p:txBody>
+      </p:sp>
     </p:spTree>
     <p:extLst>
       <p:ext uri="{BB962C8B-B14F-4D97-AF65-F5344CB8AC3E}">
@@ -4470,11 +4639,7 @@
             <a:pPr algn="ctr"/>
             <a:r>
               <a:rPr lang="en-PH" dirty="0" smtClean="0"/>
-              <a:t>$num1=__, $num2=__, </a:t>
-            </a:r>
-            <a:r>
-              <a:rPr lang="en-PH" smtClean="0"/>
-              <a:t>$op</a:t>
+              <a:t>$num1=__, $num2=__, $op</a:t>
             </a:r>
             <a:endParaRPr lang="en-PH" dirty="0"/>
           </a:p>
@@ -4568,10 +4733,1000 @@
           </a:p>
         </p:txBody>
       </p:sp>
+      <p:cxnSp>
+        <p:nvCxnSpPr>
+          <p:cNvPr id="7" name="Straight Arrow Connector 6"/>
+          <p:cNvCxnSpPr/>
+          <p:nvPr/>
+        </p:nvCxnSpPr>
+        <p:spPr>
+          <a:xfrm flipH="1">
+            <a:off x="3923928" y="1287052"/>
+            <a:ext cx="3312368" cy="1164592"/>
+          </a:xfrm>
+          <a:prstGeom prst="straightConnector1">
+            <a:avLst/>
+          </a:prstGeom>
+          <a:ln>
+            <a:tailEnd type="arrow"/>
+          </a:ln>
+        </p:spPr>
+        <p:style>
+          <a:lnRef idx="3">
+            <a:schemeClr val="dk1"/>
+          </a:lnRef>
+          <a:fillRef idx="0">
+            <a:schemeClr val="dk1"/>
+          </a:fillRef>
+          <a:effectRef idx="2">
+            <a:schemeClr val="dk1"/>
+          </a:effectRef>
+          <a:fontRef idx="minor">
+            <a:schemeClr val="tx1"/>
+          </a:fontRef>
+        </p:style>
+      </p:cxnSp>
     </p:spTree>
     <p:extLst>
       <p:ext uri="{BB962C8B-B14F-4D97-AF65-F5344CB8AC3E}">
         <p14:creationId xmlns:p14="http://schemas.microsoft.com/office/powerpoint/2010/main" val="1906168715"/>
+      </p:ext>
+    </p:extLst>
+  </p:cSld>
+  <p:clrMapOvr>
+    <a:masterClrMapping/>
+  </p:clrMapOvr>
+</p:sld>
+</file>
+
+<file path=ppt/slides/slide13.xml><?xml version="1.0" encoding="utf-8"?>
+<p:sld xmlns:a="http://schemas.openxmlformats.org/drawingml/2006/main" xmlns:r="http://schemas.openxmlformats.org/officeDocument/2006/relationships" xmlns:p="http://schemas.openxmlformats.org/presentationml/2006/main">
+  <p:cSld>
+    <p:spTree>
+      <p:nvGrpSpPr>
+        <p:cNvPr id="1" name=""/>
+        <p:cNvGrpSpPr/>
+        <p:nvPr/>
+      </p:nvGrpSpPr>
+      <p:grpSpPr>
+        <a:xfrm>
+          <a:off x="0" y="0"/>
+          <a:ext cx="0" cy="0"/>
+          <a:chOff x="0" y="0"/>
+          <a:chExt cx="0" cy="0"/>
+        </a:xfrm>
+      </p:grpSpPr>
+      <p:sp>
+        <p:nvSpPr>
+          <p:cNvPr id="2" name="Flowchart: Terminator 1"/>
+          <p:cNvSpPr/>
+          <p:nvPr/>
+        </p:nvSpPr>
+        <p:spPr>
+          <a:xfrm>
+            <a:off x="2357045" y="116632"/>
+            <a:ext cx="914400" cy="301752"/>
+          </a:xfrm>
+          <a:prstGeom prst="flowChartTerminator">
+            <a:avLst/>
+          </a:prstGeom>
+        </p:spPr>
+        <p:style>
+          <a:lnRef idx="2">
+            <a:schemeClr val="accent1">
+              <a:shade val="50000"/>
+            </a:schemeClr>
+          </a:lnRef>
+          <a:fillRef idx="1">
+            <a:schemeClr val="accent1"/>
+          </a:fillRef>
+          <a:effectRef idx="0">
+            <a:schemeClr val="accent1"/>
+          </a:effectRef>
+          <a:fontRef idx="minor">
+            <a:schemeClr val="lt1"/>
+          </a:fontRef>
+        </p:style>
+        <p:txBody>
+          <a:bodyPr rtlCol="0" anchor="ctr"/>
+          <a:lstStyle/>
+          <a:p>
+            <a:pPr algn="ctr"/>
+            <a:endParaRPr lang="en-PH"/>
+          </a:p>
+        </p:txBody>
+      </p:sp>
+      <p:sp>
+        <p:nvSpPr>
+          <p:cNvPr id="3" name="Flowchart: Preparation 2"/>
+          <p:cNvSpPr/>
+          <p:nvPr/>
+        </p:nvSpPr>
+        <p:spPr>
+          <a:xfrm>
+            <a:off x="1374085" y="599168"/>
+            <a:ext cx="2880320" cy="612648"/>
+          </a:xfrm>
+          <a:prstGeom prst="flowChartPreparation">
+            <a:avLst/>
+          </a:prstGeom>
+        </p:spPr>
+        <p:style>
+          <a:lnRef idx="2">
+            <a:schemeClr val="accent1">
+              <a:shade val="50000"/>
+            </a:schemeClr>
+          </a:lnRef>
+          <a:fillRef idx="1">
+            <a:schemeClr val="accent1"/>
+          </a:fillRef>
+          <a:effectRef idx="0">
+            <a:schemeClr val="accent1"/>
+          </a:effectRef>
+          <a:fontRef idx="minor">
+            <a:schemeClr val="lt1"/>
+          </a:fontRef>
+        </p:style>
+        <p:txBody>
+          <a:bodyPr rtlCol="0" anchor="ctr"/>
+          <a:lstStyle/>
+          <a:p>
+            <a:pPr algn="ctr"/>
+            <a:r>
+              <a:rPr lang="en-PH" dirty="0" smtClean="0"/>
+              <a:t>$n1, $n2, $n3, $largest</a:t>
+            </a:r>
+            <a:endParaRPr lang="en-PH" dirty="0"/>
+          </a:p>
+        </p:txBody>
+      </p:sp>
+      <p:sp>
+        <p:nvSpPr>
+          <p:cNvPr id="4" name="Flowchart: Data 3"/>
+          <p:cNvSpPr/>
+          <p:nvPr/>
+        </p:nvSpPr>
+        <p:spPr>
+          <a:xfrm>
+            <a:off x="942037" y="1392600"/>
+            <a:ext cx="3744416" cy="509240"/>
+          </a:xfrm>
+          <a:prstGeom prst="flowChartInputOutput">
+            <a:avLst/>
+          </a:prstGeom>
+        </p:spPr>
+        <p:style>
+          <a:lnRef idx="2">
+            <a:schemeClr val="accent1">
+              <a:shade val="50000"/>
+            </a:schemeClr>
+          </a:lnRef>
+          <a:fillRef idx="1">
+            <a:schemeClr val="accent1"/>
+          </a:fillRef>
+          <a:effectRef idx="0">
+            <a:schemeClr val="accent1"/>
+          </a:effectRef>
+          <a:fontRef idx="minor">
+            <a:schemeClr val="lt1"/>
+          </a:fontRef>
+        </p:style>
+        <p:txBody>
+          <a:bodyPr rtlCol="0" anchor="ctr"/>
+          <a:lstStyle/>
+          <a:p>
+            <a:pPr algn="ctr"/>
+            <a:r>
+              <a:rPr lang="en-PH" dirty="0" smtClean="0"/>
+              <a:t>$n1=_, $n2=_, $n3=_</a:t>
+            </a:r>
+            <a:endParaRPr lang="en-PH" dirty="0"/>
+          </a:p>
+        </p:txBody>
+      </p:sp>
+      <p:sp>
+        <p:nvSpPr>
+          <p:cNvPr id="5" name="Diamond 4"/>
+          <p:cNvSpPr/>
+          <p:nvPr/>
+        </p:nvSpPr>
+        <p:spPr>
+          <a:xfrm>
+            <a:off x="1384689" y="2082624"/>
+            <a:ext cx="2859112" cy="792088"/>
+          </a:xfrm>
+          <a:prstGeom prst="diamond">
+            <a:avLst/>
+          </a:prstGeom>
+        </p:spPr>
+        <p:style>
+          <a:lnRef idx="2">
+            <a:schemeClr val="accent1">
+              <a:shade val="50000"/>
+            </a:schemeClr>
+          </a:lnRef>
+          <a:fillRef idx="1">
+            <a:schemeClr val="accent1"/>
+          </a:fillRef>
+          <a:effectRef idx="0">
+            <a:schemeClr val="accent1"/>
+          </a:effectRef>
+          <a:fontRef idx="minor">
+            <a:schemeClr val="lt1"/>
+          </a:fontRef>
+        </p:style>
+        <p:txBody>
+          <a:bodyPr rtlCol="0" anchor="ctr"/>
+          <a:lstStyle/>
+          <a:p>
+            <a:pPr algn="ctr"/>
+            <a:r>
+              <a:rPr lang="en-PH" dirty="0" smtClean="0"/>
+              <a:t>Is $n1 &gt; $n2?</a:t>
+            </a:r>
+            <a:endParaRPr lang="en-PH" dirty="0"/>
+          </a:p>
+        </p:txBody>
+      </p:sp>
+      <p:sp>
+        <p:nvSpPr>
+          <p:cNvPr id="6" name="TextBox 5"/>
+          <p:cNvSpPr txBox="1"/>
+          <p:nvPr/>
+        </p:nvSpPr>
+        <p:spPr>
+          <a:xfrm>
+            <a:off x="3419042" y="2708920"/>
+            <a:ext cx="288862" cy="369332"/>
+          </a:xfrm>
+          <a:prstGeom prst="rect">
+            <a:avLst/>
+          </a:prstGeom>
+          <a:noFill/>
+        </p:spPr>
+        <p:txBody>
+          <a:bodyPr wrap="none" rtlCol="0">
+            <a:spAutoFit/>
+          </a:bodyPr>
+          <a:lstStyle/>
+          <a:p>
+            <a:r>
+              <a:rPr lang="en-PH" dirty="0" smtClean="0"/>
+              <a:t>y</a:t>
+            </a:r>
+            <a:endParaRPr lang="en-PH" dirty="0"/>
+          </a:p>
+        </p:txBody>
+      </p:sp>
+      <p:sp>
+        <p:nvSpPr>
+          <p:cNvPr id="7" name="TextBox 6"/>
+          <p:cNvSpPr txBox="1"/>
+          <p:nvPr/>
+        </p:nvSpPr>
+        <p:spPr>
+          <a:xfrm>
+            <a:off x="4622800" y="1988840"/>
+            <a:ext cx="306494" cy="369332"/>
+          </a:xfrm>
+          <a:prstGeom prst="rect">
+            <a:avLst/>
+          </a:prstGeom>
+          <a:noFill/>
+        </p:spPr>
+        <p:txBody>
+          <a:bodyPr wrap="none" rtlCol="0">
+            <a:spAutoFit/>
+          </a:bodyPr>
+          <a:lstStyle/>
+          <a:p>
+            <a:r>
+              <a:rPr lang="en-PH" dirty="0" smtClean="0"/>
+              <a:t>n</a:t>
+            </a:r>
+            <a:endParaRPr lang="en-PH" dirty="0"/>
+          </a:p>
+        </p:txBody>
+      </p:sp>
+      <p:sp>
+        <p:nvSpPr>
+          <p:cNvPr id="8" name="Flowchart: Process 7"/>
+          <p:cNvSpPr/>
+          <p:nvPr/>
+        </p:nvSpPr>
+        <p:spPr>
+          <a:xfrm>
+            <a:off x="1820041" y="3055496"/>
+            <a:ext cx="1988408" cy="360040"/>
+          </a:xfrm>
+          <a:prstGeom prst="flowChartProcess">
+            <a:avLst/>
+          </a:prstGeom>
+        </p:spPr>
+        <p:style>
+          <a:lnRef idx="2">
+            <a:schemeClr val="accent1">
+              <a:shade val="50000"/>
+            </a:schemeClr>
+          </a:lnRef>
+          <a:fillRef idx="1">
+            <a:schemeClr val="accent1"/>
+          </a:fillRef>
+          <a:effectRef idx="0">
+            <a:schemeClr val="accent1"/>
+          </a:effectRef>
+          <a:fontRef idx="minor">
+            <a:schemeClr val="lt1"/>
+          </a:fontRef>
+        </p:style>
+        <p:txBody>
+          <a:bodyPr rtlCol="0" anchor="ctr"/>
+          <a:lstStyle/>
+          <a:p>
+            <a:pPr algn="ctr"/>
+            <a:r>
+              <a:rPr lang="en-PH" dirty="0" smtClean="0"/>
+              <a:t>$largest = $n1</a:t>
+            </a:r>
+            <a:endParaRPr lang="en-PH" dirty="0"/>
+          </a:p>
+        </p:txBody>
+      </p:sp>
+      <p:sp>
+        <p:nvSpPr>
+          <p:cNvPr id="9" name="Flowchart: Process 8"/>
+          <p:cNvSpPr/>
+          <p:nvPr/>
+        </p:nvSpPr>
+        <p:spPr>
+          <a:xfrm>
+            <a:off x="5042312" y="2298648"/>
+            <a:ext cx="1988408" cy="360040"/>
+          </a:xfrm>
+          <a:prstGeom prst="flowChartProcess">
+            <a:avLst/>
+          </a:prstGeom>
+        </p:spPr>
+        <p:style>
+          <a:lnRef idx="2">
+            <a:schemeClr val="accent1">
+              <a:shade val="50000"/>
+            </a:schemeClr>
+          </a:lnRef>
+          <a:fillRef idx="1">
+            <a:schemeClr val="accent1"/>
+          </a:fillRef>
+          <a:effectRef idx="0">
+            <a:schemeClr val="accent1"/>
+          </a:effectRef>
+          <a:fontRef idx="minor">
+            <a:schemeClr val="lt1"/>
+          </a:fontRef>
+        </p:style>
+        <p:txBody>
+          <a:bodyPr rtlCol="0" anchor="ctr"/>
+          <a:lstStyle/>
+          <a:p>
+            <a:pPr algn="ctr"/>
+            <a:r>
+              <a:rPr lang="en-PH" dirty="0" smtClean="0"/>
+              <a:t>$largest = $n2</a:t>
+            </a:r>
+            <a:endParaRPr lang="en-PH" dirty="0"/>
+          </a:p>
+        </p:txBody>
+      </p:sp>
+      <p:sp>
+        <p:nvSpPr>
+          <p:cNvPr id="10" name="Diamond 9"/>
+          <p:cNvSpPr/>
+          <p:nvPr/>
+        </p:nvSpPr>
+        <p:spPr>
+          <a:xfrm>
+            <a:off x="912474" y="3815834"/>
+            <a:ext cx="3803542" cy="833636"/>
+          </a:xfrm>
+          <a:prstGeom prst="diamond">
+            <a:avLst/>
+          </a:prstGeom>
+        </p:spPr>
+        <p:style>
+          <a:lnRef idx="2">
+            <a:schemeClr val="accent1">
+              <a:shade val="50000"/>
+            </a:schemeClr>
+          </a:lnRef>
+          <a:fillRef idx="1">
+            <a:schemeClr val="accent1"/>
+          </a:fillRef>
+          <a:effectRef idx="0">
+            <a:schemeClr val="accent1"/>
+          </a:effectRef>
+          <a:fontRef idx="minor">
+            <a:schemeClr val="lt1"/>
+          </a:fontRef>
+        </p:style>
+        <p:txBody>
+          <a:bodyPr rtlCol="0" anchor="ctr"/>
+          <a:lstStyle/>
+          <a:p>
+            <a:pPr algn="ctr"/>
+            <a:r>
+              <a:rPr lang="en-PH" dirty="0" smtClean="0"/>
+              <a:t>Is $largest &lt; $n3?</a:t>
+            </a:r>
+            <a:endParaRPr lang="en-PH" dirty="0"/>
+          </a:p>
+        </p:txBody>
+      </p:sp>
+      <p:cxnSp>
+        <p:nvCxnSpPr>
+          <p:cNvPr id="14" name="Elbow Connector 13"/>
+          <p:cNvCxnSpPr>
+            <a:stCxn id="8" idx="2"/>
+            <a:endCxn id="10" idx="0"/>
+          </p:cNvCxnSpPr>
+          <p:nvPr/>
+        </p:nvCxnSpPr>
+        <p:spPr>
+          <a:xfrm rot="5400000">
+            <a:off x="2614096" y="3615685"/>
+            <a:ext cx="400298" cy="12700"/>
+          </a:xfrm>
+          <a:prstGeom prst="bentConnector3">
+            <a:avLst/>
+          </a:prstGeom>
+          <a:ln>
+            <a:tailEnd type="arrow"/>
+          </a:ln>
+        </p:spPr>
+        <p:style>
+          <a:lnRef idx="2">
+            <a:schemeClr val="dk1"/>
+          </a:lnRef>
+          <a:fillRef idx="0">
+            <a:schemeClr val="dk1"/>
+          </a:fillRef>
+          <a:effectRef idx="1">
+            <a:schemeClr val="dk1"/>
+          </a:effectRef>
+          <a:fontRef idx="minor">
+            <a:schemeClr val="tx1"/>
+          </a:fontRef>
+        </p:style>
+      </p:cxnSp>
+      <p:cxnSp>
+        <p:nvCxnSpPr>
+          <p:cNvPr id="16" name="Elbow Connector 15"/>
+          <p:cNvCxnSpPr>
+            <a:stCxn id="9" idx="2"/>
+            <a:endCxn id="10" idx="0"/>
+          </p:cNvCxnSpPr>
+          <p:nvPr/>
+        </p:nvCxnSpPr>
+        <p:spPr>
+          <a:xfrm rot="5400000">
+            <a:off x="3846808" y="1626126"/>
+            <a:ext cx="1157146" cy="3222271"/>
+          </a:xfrm>
+          <a:prstGeom prst="bentConnector3">
+            <a:avLst>
+              <a:gd name="adj1" fmla="val 81609"/>
+            </a:avLst>
+          </a:prstGeom>
+          <a:ln>
+            <a:tailEnd type="arrow"/>
+          </a:ln>
+        </p:spPr>
+        <p:style>
+          <a:lnRef idx="2">
+            <a:schemeClr val="dk1"/>
+          </a:lnRef>
+          <a:fillRef idx="0">
+            <a:schemeClr val="dk1"/>
+          </a:fillRef>
+          <a:effectRef idx="1">
+            <a:schemeClr val="dk1"/>
+          </a:effectRef>
+          <a:fontRef idx="minor">
+            <a:schemeClr val="tx1"/>
+          </a:fontRef>
+        </p:style>
+      </p:cxnSp>
+      <p:cxnSp>
+        <p:nvCxnSpPr>
+          <p:cNvPr id="20" name="Straight Arrow Connector 19"/>
+          <p:cNvCxnSpPr>
+            <a:stCxn id="5" idx="3"/>
+            <a:endCxn id="9" idx="1"/>
+          </p:cNvCxnSpPr>
+          <p:nvPr/>
+        </p:nvCxnSpPr>
+        <p:spPr>
+          <a:xfrm>
+            <a:off x="4243801" y="2478668"/>
+            <a:ext cx="798511" cy="0"/>
+          </a:xfrm>
+          <a:prstGeom prst="straightConnector1">
+            <a:avLst/>
+          </a:prstGeom>
+          <a:ln>
+            <a:tailEnd type="arrow"/>
+          </a:ln>
+        </p:spPr>
+        <p:style>
+          <a:lnRef idx="2">
+            <a:schemeClr val="dk1"/>
+          </a:lnRef>
+          <a:fillRef idx="0">
+            <a:schemeClr val="dk1"/>
+          </a:fillRef>
+          <a:effectRef idx="1">
+            <a:schemeClr val="dk1"/>
+          </a:effectRef>
+          <a:fontRef idx="minor">
+            <a:schemeClr val="tx1"/>
+          </a:fontRef>
+        </p:style>
+      </p:cxnSp>
+      <p:cxnSp>
+        <p:nvCxnSpPr>
+          <p:cNvPr id="22" name="Straight Arrow Connector 21"/>
+          <p:cNvCxnSpPr>
+            <a:stCxn id="5" idx="2"/>
+            <a:endCxn id="8" idx="0"/>
+          </p:cNvCxnSpPr>
+          <p:nvPr/>
+        </p:nvCxnSpPr>
+        <p:spPr>
+          <a:xfrm>
+            <a:off x="2814245" y="2874712"/>
+            <a:ext cx="0" cy="180784"/>
+          </a:xfrm>
+          <a:prstGeom prst="straightConnector1">
+            <a:avLst/>
+          </a:prstGeom>
+          <a:ln>
+            <a:tailEnd type="arrow"/>
+          </a:ln>
+        </p:spPr>
+        <p:style>
+          <a:lnRef idx="2">
+            <a:schemeClr val="dk1"/>
+          </a:lnRef>
+          <a:fillRef idx="0">
+            <a:schemeClr val="dk1"/>
+          </a:fillRef>
+          <a:effectRef idx="1">
+            <a:schemeClr val="dk1"/>
+          </a:effectRef>
+          <a:fontRef idx="minor">
+            <a:schemeClr val="tx1"/>
+          </a:fontRef>
+        </p:style>
+      </p:cxnSp>
+      <p:sp>
+        <p:nvSpPr>
+          <p:cNvPr id="29" name="TextBox 28"/>
+          <p:cNvSpPr txBox="1"/>
+          <p:nvPr/>
+        </p:nvSpPr>
+        <p:spPr>
+          <a:xfrm>
+            <a:off x="3059832" y="4509120"/>
+            <a:ext cx="288862" cy="369332"/>
+          </a:xfrm>
+          <a:prstGeom prst="rect">
+            <a:avLst/>
+          </a:prstGeom>
+          <a:noFill/>
+        </p:spPr>
+        <p:txBody>
+          <a:bodyPr wrap="none" rtlCol="0">
+            <a:spAutoFit/>
+          </a:bodyPr>
+          <a:lstStyle/>
+          <a:p>
+            <a:r>
+              <a:rPr lang="en-PH" dirty="0" smtClean="0"/>
+              <a:t>y</a:t>
+            </a:r>
+            <a:endParaRPr lang="en-PH" dirty="0"/>
+          </a:p>
+        </p:txBody>
+      </p:sp>
+      <p:sp>
+        <p:nvSpPr>
+          <p:cNvPr id="30" name="TextBox 29"/>
+          <p:cNvSpPr txBox="1"/>
+          <p:nvPr/>
+        </p:nvSpPr>
+        <p:spPr>
+          <a:xfrm>
+            <a:off x="4695638" y="3851756"/>
+            <a:ext cx="306494" cy="369332"/>
+          </a:xfrm>
+          <a:prstGeom prst="rect">
+            <a:avLst/>
+          </a:prstGeom>
+          <a:noFill/>
+        </p:spPr>
+        <p:txBody>
+          <a:bodyPr wrap="none" rtlCol="0">
+            <a:spAutoFit/>
+          </a:bodyPr>
+          <a:lstStyle/>
+          <a:p>
+            <a:r>
+              <a:rPr lang="en-PH" dirty="0" smtClean="0"/>
+              <a:t>n</a:t>
+            </a:r>
+            <a:endParaRPr lang="en-PH" dirty="0"/>
+          </a:p>
+        </p:txBody>
+      </p:sp>
+      <p:sp>
+        <p:nvSpPr>
+          <p:cNvPr id="31" name="Flowchart: Process 30"/>
+          <p:cNvSpPr/>
+          <p:nvPr/>
+        </p:nvSpPr>
+        <p:spPr>
+          <a:xfrm>
+            <a:off x="1820041" y="4869160"/>
+            <a:ext cx="1988408" cy="360040"/>
+          </a:xfrm>
+          <a:prstGeom prst="flowChartProcess">
+            <a:avLst/>
+          </a:prstGeom>
+        </p:spPr>
+        <p:style>
+          <a:lnRef idx="2">
+            <a:schemeClr val="accent1">
+              <a:shade val="50000"/>
+            </a:schemeClr>
+          </a:lnRef>
+          <a:fillRef idx="1">
+            <a:schemeClr val="accent1"/>
+          </a:fillRef>
+          <a:effectRef idx="0">
+            <a:schemeClr val="accent1"/>
+          </a:effectRef>
+          <a:fontRef idx="minor">
+            <a:schemeClr val="lt1"/>
+          </a:fontRef>
+        </p:style>
+        <p:txBody>
+          <a:bodyPr rtlCol="0" anchor="ctr"/>
+          <a:lstStyle/>
+          <a:p>
+            <a:pPr algn="ctr"/>
+            <a:r>
+              <a:rPr lang="en-PH" dirty="0" smtClean="0"/>
+              <a:t>$largest = $n3</a:t>
+            </a:r>
+            <a:endParaRPr lang="en-PH" dirty="0"/>
+          </a:p>
+        </p:txBody>
+      </p:sp>
+      <p:sp>
+        <p:nvSpPr>
+          <p:cNvPr id="37" name="Flowchart: Data 36"/>
+          <p:cNvSpPr/>
+          <p:nvPr/>
+        </p:nvSpPr>
+        <p:spPr>
+          <a:xfrm>
+            <a:off x="107504" y="5769396"/>
+            <a:ext cx="6408712" cy="409600"/>
+          </a:xfrm>
+          <a:prstGeom prst="flowChartInputOutput">
+            <a:avLst/>
+          </a:prstGeom>
+        </p:spPr>
+        <p:style>
+          <a:lnRef idx="2">
+            <a:schemeClr val="accent1">
+              <a:shade val="50000"/>
+            </a:schemeClr>
+          </a:lnRef>
+          <a:fillRef idx="1">
+            <a:schemeClr val="accent1"/>
+          </a:fillRef>
+          <a:effectRef idx="0">
+            <a:schemeClr val="accent1"/>
+          </a:effectRef>
+          <a:fontRef idx="minor">
+            <a:schemeClr val="lt1"/>
+          </a:fontRef>
+        </p:style>
+        <p:txBody>
+          <a:bodyPr rtlCol="0" anchor="ctr"/>
+          <a:lstStyle/>
+          <a:p>
+            <a:pPr algn="ctr"/>
+            <a:r>
+              <a:rPr lang="en-PH" dirty="0"/>
+              <a:t>echo </a:t>
+            </a:r>
+            <a:r>
+              <a:rPr lang="en-PH" dirty="0" smtClean="0"/>
+              <a:t>"The largest number is $largest"</a:t>
+            </a:r>
+            <a:endParaRPr lang="en-PH" dirty="0"/>
+          </a:p>
+        </p:txBody>
+      </p:sp>
+      <p:cxnSp>
+        <p:nvCxnSpPr>
+          <p:cNvPr id="39" name="Straight Arrow Connector 38"/>
+          <p:cNvCxnSpPr>
+            <a:stCxn id="10" idx="2"/>
+            <a:endCxn id="10" idx="2"/>
+          </p:cNvCxnSpPr>
+          <p:nvPr/>
+        </p:nvCxnSpPr>
+        <p:spPr>
+          <a:xfrm>
+            <a:off x="2814245" y="4649470"/>
+            <a:ext cx="0" cy="0"/>
+          </a:xfrm>
+          <a:prstGeom prst="straightConnector1">
+            <a:avLst/>
+          </a:prstGeom>
+          <a:ln>
+            <a:tailEnd type="arrow"/>
+          </a:ln>
+        </p:spPr>
+        <p:style>
+          <a:lnRef idx="1">
+            <a:schemeClr val="accent1"/>
+          </a:lnRef>
+          <a:fillRef idx="0">
+            <a:schemeClr val="accent1"/>
+          </a:fillRef>
+          <a:effectRef idx="0">
+            <a:schemeClr val="accent1"/>
+          </a:effectRef>
+          <a:fontRef idx="minor">
+            <a:schemeClr val="tx1"/>
+          </a:fontRef>
+        </p:style>
+      </p:cxnSp>
+      <p:sp>
+        <p:nvSpPr>
+          <p:cNvPr id="55" name="Flowchart: Terminator 54"/>
+          <p:cNvSpPr/>
+          <p:nvPr/>
+        </p:nvSpPr>
+        <p:spPr>
+          <a:xfrm>
+            <a:off x="2314352" y="6467028"/>
+            <a:ext cx="1995016" cy="346348"/>
+          </a:xfrm>
+          <a:prstGeom prst="flowChartTerminator">
+            <a:avLst/>
+          </a:prstGeom>
+        </p:spPr>
+        <p:style>
+          <a:lnRef idx="2">
+            <a:schemeClr val="accent1">
+              <a:shade val="50000"/>
+            </a:schemeClr>
+          </a:lnRef>
+          <a:fillRef idx="1">
+            <a:schemeClr val="accent1"/>
+          </a:fillRef>
+          <a:effectRef idx="0">
+            <a:schemeClr val="accent1"/>
+          </a:effectRef>
+          <a:fontRef idx="minor">
+            <a:schemeClr val="lt1"/>
+          </a:fontRef>
+        </p:style>
+        <p:txBody>
+          <a:bodyPr rtlCol="0" anchor="ctr"/>
+          <a:lstStyle/>
+          <a:p>
+            <a:pPr algn="ctr"/>
+            <a:endParaRPr lang="en-PH"/>
+          </a:p>
+        </p:txBody>
+      </p:sp>
+      <p:cxnSp>
+        <p:nvCxnSpPr>
+          <p:cNvPr id="57" name="Straight Arrow Connector 56"/>
+          <p:cNvCxnSpPr>
+            <a:stCxn id="37" idx="4"/>
+            <a:endCxn id="55" idx="0"/>
+          </p:cNvCxnSpPr>
+          <p:nvPr/>
+        </p:nvCxnSpPr>
+        <p:spPr>
+          <a:xfrm>
+            <a:off x="3311860" y="6178996"/>
+            <a:ext cx="0" cy="288032"/>
+          </a:xfrm>
+          <a:prstGeom prst="straightConnector1">
+            <a:avLst/>
+          </a:prstGeom>
+          <a:ln>
+            <a:tailEnd type="arrow"/>
+          </a:ln>
+        </p:spPr>
+        <p:style>
+          <a:lnRef idx="2">
+            <a:schemeClr val="dk1"/>
+          </a:lnRef>
+          <a:fillRef idx="0">
+            <a:schemeClr val="dk1"/>
+          </a:fillRef>
+          <a:effectRef idx="1">
+            <a:schemeClr val="dk1"/>
+          </a:effectRef>
+          <a:fontRef idx="minor">
+            <a:schemeClr val="tx1"/>
+          </a:fontRef>
+        </p:style>
+      </p:cxnSp>
+      <p:cxnSp>
+        <p:nvCxnSpPr>
+          <p:cNvPr id="63" name="Straight Arrow Connector 62"/>
+          <p:cNvCxnSpPr>
+            <a:stCxn id="10" idx="2"/>
+            <a:endCxn id="31" idx="0"/>
+          </p:cNvCxnSpPr>
+          <p:nvPr/>
+        </p:nvCxnSpPr>
+        <p:spPr>
+          <a:xfrm>
+            <a:off x="2814245" y="4649470"/>
+            <a:ext cx="0" cy="219690"/>
+          </a:xfrm>
+          <a:prstGeom prst="straightConnector1">
+            <a:avLst/>
+          </a:prstGeom>
+          <a:ln>
+            <a:tailEnd type="arrow"/>
+          </a:ln>
+        </p:spPr>
+        <p:style>
+          <a:lnRef idx="2">
+            <a:schemeClr val="dk1"/>
+          </a:lnRef>
+          <a:fillRef idx="0">
+            <a:schemeClr val="dk1"/>
+          </a:fillRef>
+          <a:effectRef idx="1">
+            <a:schemeClr val="dk1"/>
+          </a:effectRef>
+          <a:fontRef idx="minor">
+            <a:schemeClr val="tx1"/>
+          </a:fontRef>
+        </p:style>
+      </p:cxnSp>
+      <p:cxnSp>
+        <p:nvCxnSpPr>
+          <p:cNvPr id="67" name="Elbow Connector 66"/>
+          <p:cNvCxnSpPr>
+            <a:stCxn id="10" idx="3"/>
+            <a:endCxn id="37" idx="1"/>
+          </p:cNvCxnSpPr>
+          <p:nvPr/>
+        </p:nvCxnSpPr>
+        <p:spPr>
+          <a:xfrm flipH="1">
+            <a:off x="3311860" y="4232652"/>
+            <a:ext cx="1404156" cy="1536744"/>
+          </a:xfrm>
+          <a:prstGeom prst="bentConnector4">
+            <a:avLst>
+              <a:gd name="adj1" fmla="val -16280"/>
+              <a:gd name="adj2" fmla="val 81099"/>
+            </a:avLst>
+          </a:prstGeom>
+          <a:ln>
+            <a:tailEnd type="arrow"/>
+          </a:ln>
+        </p:spPr>
+        <p:style>
+          <a:lnRef idx="2">
+            <a:schemeClr val="dk1"/>
+          </a:lnRef>
+          <a:fillRef idx="0">
+            <a:schemeClr val="dk1"/>
+          </a:fillRef>
+          <a:effectRef idx="1">
+            <a:schemeClr val="dk1"/>
+          </a:effectRef>
+          <a:fontRef idx="minor">
+            <a:schemeClr val="tx1"/>
+          </a:fontRef>
+        </p:style>
+      </p:cxnSp>
+      <p:cxnSp>
+        <p:nvCxnSpPr>
+          <p:cNvPr id="74" name="Elbow Connector 73"/>
+          <p:cNvCxnSpPr>
+            <a:stCxn id="31" idx="2"/>
+            <a:endCxn id="37" idx="1"/>
+          </p:cNvCxnSpPr>
+          <p:nvPr/>
+        </p:nvCxnSpPr>
+        <p:spPr>
+          <a:xfrm rot="16200000" flipH="1">
+            <a:off x="2792954" y="5250490"/>
+            <a:ext cx="540196" cy="497615"/>
+          </a:xfrm>
+          <a:prstGeom prst="bentConnector3">
+            <a:avLst>
+              <a:gd name="adj1" fmla="val 50000"/>
+            </a:avLst>
+          </a:prstGeom>
+          <a:ln>
+            <a:tailEnd type="arrow"/>
+          </a:ln>
+        </p:spPr>
+        <p:style>
+          <a:lnRef idx="2">
+            <a:schemeClr val="dk1"/>
+          </a:lnRef>
+          <a:fillRef idx="0">
+            <a:schemeClr val="dk1"/>
+          </a:fillRef>
+          <a:effectRef idx="1">
+            <a:schemeClr val="dk1"/>
+          </a:effectRef>
+          <a:fontRef idx="minor">
+            <a:schemeClr val="tx1"/>
+          </a:fontRef>
+        </p:style>
+      </p:cxnSp>
+      <p:sp>
+        <p:nvSpPr>
+          <p:cNvPr id="78" name="TextBox 77"/>
+          <p:cNvSpPr txBox="1"/>
+          <p:nvPr/>
+        </p:nvSpPr>
+        <p:spPr>
+          <a:xfrm>
+            <a:off x="6036517" y="599168"/>
+            <a:ext cx="2093265" cy="646331"/>
+          </a:xfrm>
+          <a:prstGeom prst="rect">
+            <a:avLst/>
+          </a:prstGeom>
+          <a:noFill/>
+        </p:spPr>
+        <p:txBody>
+          <a:bodyPr wrap="none" rtlCol="0">
+            <a:spAutoFit/>
+          </a:bodyPr>
+          <a:lstStyle/>
+          <a:p>
+            <a:r>
+              <a:rPr lang="en-PH" dirty="0" smtClean="0"/>
+              <a:t>Compare 3 numbers</a:t>
+            </a:r>
+          </a:p>
+          <a:p>
+            <a:r>
+              <a:rPr lang="en-PH" dirty="0" smtClean="0"/>
+              <a:t>Get </a:t>
+            </a:r>
+            <a:r>
+              <a:rPr lang="en-PH" smtClean="0"/>
+              <a:t>largest number</a:t>
+            </a:r>
+            <a:endParaRPr lang="en-PH"/>
+          </a:p>
+        </p:txBody>
+      </p:sp>
+    </p:spTree>
+    <p:extLst>
+      <p:ext uri="{BB962C8B-B14F-4D97-AF65-F5344CB8AC3E}">
+        <p14:creationId xmlns:p14="http://schemas.microsoft.com/office/powerpoint/2010/main" val="994629098"/>
       </p:ext>
     </p:extLst>
   </p:cSld>
@@ -4682,6 +5837,13 @@
   <p:clrMapOvr>
     <a:masterClrMapping/>
   </p:clrMapOvr>
+  <p:timing>
+    <p:tnLst>
+      <p:par>
+        <p:cTn id="1" dur="indefinite" restart="never" nodeType="tmRoot"/>
+      </p:par>
+    </p:tnLst>
+  </p:timing>
 </p:sld>
 </file>
 

--- a/visual aids.pptx
+++ b/visual aids.pptx
@@ -300,7 +300,7 @@
           <a:p>
             <a:fld id="{5C53F6D8-CA54-4B2C-A2ED-EB1BE73B921A}" type="datetimeFigureOut">
               <a:rPr lang="en-PH" smtClean="0"/>
-              <a:t>22 Dec 2020</a:t>
+              <a:t>23 Dec 2020</a:t>
             </a:fld>
             <a:endParaRPr lang="en-PH"/>
           </a:p>
@@ -470,7 +470,7 @@
           <a:p>
             <a:fld id="{5C53F6D8-CA54-4B2C-A2ED-EB1BE73B921A}" type="datetimeFigureOut">
               <a:rPr lang="en-PH" smtClean="0"/>
-              <a:t>22 Dec 2020</a:t>
+              <a:t>23 Dec 2020</a:t>
             </a:fld>
             <a:endParaRPr lang="en-PH"/>
           </a:p>
@@ -650,7 +650,7 @@
           <a:p>
             <a:fld id="{5C53F6D8-CA54-4B2C-A2ED-EB1BE73B921A}" type="datetimeFigureOut">
               <a:rPr lang="en-PH" smtClean="0"/>
-              <a:t>22 Dec 2020</a:t>
+              <a:t>23 Dec 2020</a:t>
             </a:fld>
             <a:endParaRPr lang="en-PH"/>
           </a:p>
@@ -820,7 +820,7 @@
           <a:p>
             <a:fld id="{5C53F6D8-CA54-4B2C-A2ED-EB1BE73B921A}" type="datetimeFigureOut">
               <a:rPr lang="en-PH" smtClean="0"/>
-              <a:t>22 Dec 2020</a:t>
+              <a:t>23 Dec 2020</a:t>
             </a:fld>
             <a:endParaRPr lang="en-PH"/>
           </a:p>
@@ -1066,7 +1066,7 @@
           <a:p>
             <a:fld id="{5C53F6D8-CA54-4B2C-A2ED-EB1BE73B921A}" type="datetimeFigureOut">
               <a:rPr lang="en-PH" smtClean="0"/>
-              <a:t>22 Dec 2020</a:t>
+              <a:t>23 Dec 2020</a:t>
             </a:fld>
             <a:endParaRPr lang="en-PH"/>
           </a:p>
@@ -1354,7 +1354,7 @@
           <a:p>
             <a:fld id="{5C53F6D8-CA54-4B2C-A2ED-EB1BE73B921A}" type="datetimeFigureOut">
               <a:rPr lang="en-PH" smtClean="0"/>
-              <a:t>22 Dec 2020</a:t>
+              <a:t>23 Dec 2020</a:t>
             </a:fld>
             <a:endParaRPr lang="en-PH"/>
           </a:p>
@@ -1776,7 +1776,7 @@
           <a:p>
             <a:fld id="{5C53F6D8-CA54-4B2C-A2ED-EB1BE73B921A}" type="datetimeFigureOut">
               <a:rPr lang="en-PH" smtClean="0"/>
-              <a:t>22 Dec 2020</a:t>
+              <a:t>23 Dec 2020</a:t>
             </a:fld>
             <a:endParaRPr lang="en-PH"/>
           </a:p>
@@ -1894,7 +1894,7 @@
           <a:p>
             <a:fld id="{5C53F6D8-CA54-4B2C-A2ED-EB1BE73B921A}" type="datetimeFigureOut">
               <a:rPr lang="en-PH" smtClean="0"/>
-              <a:t>22 Dec 2020</a:t>
+              <a:t>23 Dec 2020</a:t>
             </a:fld>
             <a:endParaRPr lang="en-PH"/>
           </a:p>
@@ -1989,7 +1989,7 @@
           <a:p>
             <a:fld id="{5C53F6D8-CA54-4B2C-A2ED-EB1BE73B921A}" type="datetimeFigureOut">
               <a:rPr lang="en-PH" smtClean="0"/>
-              <a:t>22 Dec 2020</a:t>
+              <a:t>23 Dec 2020</a:t>
             </a:fld>
             <a:endParaRPr lang="en-PH"/>
           </a:p>
@@ -2266,7 +2266,7 @@
           <a:p>
             <a:fld id="{5C53F6D8-CA54-4B2C-A2ED-EB1BE73B921A}" type="datetimeFigureOut">
               <a:rPr lang="en-PH" smtClean="0"/>
-              <a:t>22 Dec 2020</a:t>
+              <a:t>23 Dec 2020</a:t>
             </a:fld>
             <a:endParaRPr lang="en-PH"/>
           </a:p>
@@ -2519,7 +2519,7 @@
           <a:p>
             <a:fld id="{5C53F6D8-CA54-4B2C-A2ED-EB1BE73B921A}" type="datetimeFigureOut">
               <a:rPr lang="en-PH" smtClean="0"/>
-              <a:t>22 Dec 2020</a:t>
+              <a:t>23 Dec 2020</a:t>
             </a:fld>
             <a:endParaRPr lang="en-PH"/>
           </a:p>
@@ -2732,7 +2732,7 @@
           <a:p>
             <a:fld id="{5C53F6D8-CA54-4B2C-A2ED-EB1BE73B921A}" type="datetimeFigureOut">
               <a:rPr lang="en-PH" smtClean="0"/>
-              <a:t>22 Dec 2020</a:t>
+              <a:t>23 Dec 2020</a:t>
             </a:fld>
             <a:endParaRPr lang="en-PH"/>
           </a:p>
@@ -3814,15 +3814,7 @@
             </a:r>
             <a:r>
               <a:rPr lang="en-PH" dirty="0" smtClean="0"/>
-              <a:t>, $</a:t>
-            </a:r>
-            <a:r>
-              <a:rPr lang="en-PH" dirty="0" smtClean="0"/>
-              <a:t>rem, </a:t>
-            </a:r>
-            <a:r>
-              <a:rPr lang="en-PH" dirty="0" smtClean="0"/>
-              <a:t>$group</a:t>
+              <a:t>, $rem, $group</a:t>
             </a:r>
             <a:endParaRPr lang="en-PH" dirty="0"/>
           </a:p>
@@ -3918,15 +3910,7 @@
             <a:pPr algn="ctr"/>
             <a:r>
               <a:rPr lang="en-PH" dirty="0" smtClean="0"/>
-              <a:t>$</a:t>
-            </a:r>
-            <a:r>
-              <a:rPr lang="en-PH" dirty="0" smtClean="0"/>
-              <a:t>rem </a:t>
-            </a:r>
-            <a:r>
-              <a:rPr lang="en-PH" dirty="0" smtClean="0"/>
-              <a:t>= $</a:t>
+              <a:t>$rem = $</a:t>
             </a:r>
             <a:r>
               <a:rPr lang="en-PH" dirty="0" err="1" smtClean="0"/>
@@ -3978,15 +3962,7 @@
             <a:pPr algn="ctr"/>
             <a:r>
               <a:rPr lang="en-PH" dirty="0" smtClean="0"/>
-              <a:t>Is $</a:t>
-            </a:r>
-            <a:r>
-              <a:rPr lang="en-PH" dirty="0" smtClean="0"/>
-              <a:t>rem </a:t>
-            </a:r>
-            <a:r>
-              <a:rPr lang="en-PH" dirty="0" smtClean="0"/>
-              <a:t>= 0?</a:t>
+              <a:t>Is $rem = 0?</a:t>
             </a:r>
             <a:endParaRPr lang="en-PH" dirty="0"/>
           </a:p>
@@ -9680,7 +9656,7 @@
         </p:nvSpPr>
         <p:spPr>
           <a:xfrm>
-            <a:off x="2699792" y="1484784"/>
+            <a:off x="2655539" y="1484784"/>
             <a:ext cx="2448272" cy="432048"/>
           </a:xfrm>
           <a:prstGeom prst="flowChartInputOutput">

--- a/visual aids.pptx
+++ b/visual aids.pptx
@@ -18,6 +18,9 @@
     <p:sldId id="266" r:id="rId12"/>
     <p:sldId id="267" r:id="rId13"/>
     <p:sldId id="268" r:id="rId14"/>
+    <p:sldId id="269" r:id="rId15"/>
+    <p:sldId id="270" r:id="rId16"/>
+    <p:sldId id="271" r:id="rId17"/>
   </p:sldIdLst>
   <p:sldSz cx="9144000" cy="6858000" type="screen4x3"/>
   <p:notesSz cx="6858000" cy="9144000"/>
@@ -300,7 +303,7 @@
           <a:p>
             <a:fld id="{5C53F6D8-CA54-4B2C-A2ED-EB1BE73B921A}" type="datetimeFigureOut">
               <a:rPr lang="en-PH" smtClean="0"/>
-              <a:t>23 Dec 2020</a:t>
+              <a:t>28 Dec 2020</a:t>
             </a:fld>
             <a:endParaRPr lang="en-PH"/>
           </a:p>
@@ -470,7 +473,7 @@
           <a:p>
             <a:fld id="{5C53F6D8-CA54-4B2C-A2ED-EB1BE73B921A}" type="datetimeFigureOut">
               <a:rPr lang="en-PH" smtClean="0"/>
-              <a:t>23 Dec 2020</a:t>
+              <a:t>28 Dec 2020</a:t>
             </a:fld>
             <a:endParaRPr lang="en-PH"/>
           </a:p>
@@ -650,7 +653,7 @@
           <a:p>
             <a:fld id="{5C53F6D8-CA54-4B2C-A2ED-EB1BE73B921A}" type="datetimeFigureOut">
               <a:rPr lang="en-PH" smtClean="0"/>
-              <a:t>23 Dec 2020</a:t>
+              <a:t>28 Dec 2020</a:t>
             </a:fld>
             <a:endParaRPr lang="en-PH"/>
           </a:p>
@@ -820,7 +823,7 @@
           <a:p>
             <a:fld id="{5C53F6D8-CA54-4B2C-A2ED-EB1BE73B921A}" type="datetimeFigureOut">
               <a:rPr lang="en-PH" smtClean="0"/>
-              <a:t>23 Dec 2020</a:t>
+              <a:t>28 Dec 2020</a:t>
             </a:fld>
             <a:endParaRPr lang="en-PH"/>
           </a:p>
@@ -1066,7 +1069,7 @@
           <a:p>
             <a:fld id="{5C53F6D8-CA54-4B2C-A2ED-EB1BE73B921A}" type="datetimeFigureOut">
               <a:rPr lang="en-PH" smtClean="0"/>
-              <a:t>23 Dec 2020</a:t>
+              <a:t>28 Dec 2020</a:t>
             </a:fld>
             <a:endParaRPr lang="en-PH"/>
           </a:p>
@@ -1354,7 +1357,7 @@
           <a:p>
             <a:fld id="{5C53F6D8-CA54-4B2C-A2ED-EB1BE73B921A}" type="datetimeFigureOut">
               <a:rPr lang="en-PH" smtClean="0"/>
-              <a:t>23 Dec 2020</a:t>
+              <a:t>28 Dec 2020</a:t>
             </a:fld>
             <a:endParaRPr lang="en-PH"/>
           </a:p>
@@ -1776,7 +1779,7 @@
           <a:p>
             <a:fld id="{5C53F6D8-CA54-4B2C-A2ED-EB1BE73B921A}" type="datetimeFigureOut">
               <a:rPr lang="en-PH" smtClean="0"/>
-              <a:t>23 Dec 2020</a:t>
+              <a:t>28 Dec 2020</a:t>
             </a:fld>
             <a:endParaRPr lang="en-PH"/>
           </a:p>
@@ -1894,7 +1897,7 @@
           <a:p>
             <a:fld id="{5C53F6D8-CA54-4B2C-A2ED-EB1BE73B921A}" type="datetimeFigureOut">
               <a:rPr lang="en-PH" smtClean="0"/>
-              <a:t>23 Dec 2020</a:t>
+              <a:t>28 Dec 2020</a:t>
             </a:fld>
             <a:endParaRPr lang="en-PH"/>
           </a:p>
@@ -1989,7 +1992,7 @@
           <a:p>
             <a:fld id="{5C53F6D8-CA54-4B2C-A2ED-EB1BE73B921A}" type="datetimeFigureOut">
               <a:rPr lang="en-PH" smtClean="0"/>
-              <a:t>23 Dec 2020</a:t>
+              <a:t>28 Dec 2020</a:t>
             </a:fld>
             <a:endParaRPr lang="en-PH"/>
           </a:p>
@@ -2266,7 +2269,7 @@
           <a:p>
             <a:fld id="{5C53F6D8-CA54-4B2C-A2ED-EB1BE73B921A}" type="datetimeFigureOut">
               <a:rPr lang="en-PH" smtClean="0"/>
-              <a:t>23 Dec 2020</a:t>
+              <a:t>28 Dec 2020</a:t>
             </a:fld>
             <a:endParaRPr lang="en-PH"/>
           </a:p>
@@ -2519,7 +2522,7 @@
           <a:p>
             <a:fld id="{5C53F6D8-CA54-4B2C-A2ED-EB1BE73B921A}" type="datetimeFigureOut">
               <a:rPr lang="en-PH" smtClean="0"/>
-              <a:t>23 Dec 2020</a:t>
+              <a:t>28 Dec 2020</a:t>
             </a:fld>
             <a:endParaRPr lang="en-PH"/>
           </a:p>
@@ -2732,7 +2735,7 @@
           <a:p>
             <a:fld id="{5C53F6D8-CA54-4B2C-A2ED-EB1BE73B921A}" type="datetimeFigureOut">
               <a:rPr lang="en-PH" smtClean="0"/>
-              <a:t>23 Dec 2020</a:t>
+              <a:t>28 Dec 2020</a:t>
             </a:fld>
             <a:endParaRPr lang="en-PH"/>
           </a:p>
@@ -5699,10 +5702,1120 @@
           </a:p>
         </p:txBody>
       </p:sp>
+      <p:sp>
+        <p:nvSpPr>
+          <p:cNvPr id="11" name="Oval 10"/>
+          <p:cNvSpPr/>
+          <p:nvPr/>
+        </p:nvSpPr>
+        <p:spPr>
+          <a:xfrm>
+            <a:off x="755576" y="1901840"/>
+            <a:ext cx="7272808" cy="1815192"/>
+          </a:xfrm>
+          <a:prstGeom prst="ellipse">
+            <a:avLst/>
+          </a:prstGeom>
+          <a:noFill/>
+        </p:spPr>
+        <p:style>
+          <a:lnRef idx="2">
+            <a:schemeClr val="accent6"/>
+          </a:lnRef>
+          <a:fillRef idx="1">
+            <a:schemeClr val="lt1"/>
+          </a:fillRef>
+          <a:effectRef idx="0">
+            <a:schemeClr val="accent6"/>
+          </a:effectRef>
+          <a:fontRef idx="minor">
+            <a:schemeClr val="dk1"/>
+          </a:fontRef>
+        </p:style>
+        <p:txBody>
+          <a:bodyPr rtlCol="0" anchor="ctr"/>
+          <a:lstStyle/>
+          <a:p>
+            <a:pPr algn="ctr"/>
+            <a:endParaRPr lang="en-PH"/>
+          </a:p>
+        </p:txBody>
+      </p:sp>
+      <p:sp>
+        <p:nvSpPr>
+          <p:cNvPr id="27" name="Oval 26"/>
+          <p:cNvSpPr/>
+          <p:nvPr/>
+        </p:nvSpPr>
+        <p:spPr>
+          <a:xfrm>
+            <a:off x="494962" y="3851719"/>
+            <a:ext cx="5418602" cy="1815192"/>
+          </a:xfrm>
+          <a:prstGeom prst="ellipse">
+            <a:avLst/>
+          </a:prstGeom>
+          <a:noFill/>
+        </p:spPr>
+        <p:style>
+          <a:lnRef idx="2">
+            <a:schemeClr val="accent6"/>
+          </a:lnRef>
+          <a:fillRef idx="1">
+            <a:schemeClr val="lt1"/>
+          </a:fillRef>
+          <a:effectRef idx="0">
+            <a:schemeClr val="accent6"/>
+          </a:effectRef>
+          <a:fontRef idx="minor">
+            <a:schemeClr val="dk1"/>
+          </a:fontRef>
+        </p:style>
+        <p:txBody>
+          <a:bodyPr rtlCol="0" anchor="ctr"/>
+          <a:lstStyle/>
+          <a:p>
+            <a:pPr algn="ctr"/>
+            <a:endParaRPr lang="en-PH"/>
+          </a:p>
+        </p:txBody>
+      </p:sp>
     </p:spTree>
     <p:extLst>
       <p:ext uri="{BB962C8B-B14F-4D97-AF65-F5344CB8AC3E}">
         <p14:creationId xmlns:p14="http://schemas.microsoft.com/office/powerpoint/2010/main" val="994629098"/>
+      </p:ext>
+    </p:extLst>
+  </p:cSld>
+  <p:clrMapOvr>
+    <a:masterClrMapping/>
+  </p:clrMapOvr>
+</p:sld>
+</file>
+
+<file path=ppt/slides/slide14.xml><?xml version="1.0" encoding="utf-8"?>
+<p:sld xmlns:a="http://schemas.openxmlformats.org/drawingml/2006/main" xmlns:r="http://schemas.openxmlformats.org/officeDocument/2006/relationships" xmlns:p="http://schemas.openxmlformats.org/presentationml/2006/main">
+  <p:cSld>
+    <p:spTree>
+      <p:nvGrpSpPr>
+        <p:cNvPr id="1" name=""/>
+        <p:cNvGrpSpPr/>
+        <p:nvPr/>
+      </p:nvGrpSpPr>
+      <p:grpSpPr>
+        <a:xfrm>
+          <a:off x="0" y="0"/>
+          <a:ext cx="0" cy="0"/>
+          <a:chOff x="0" y="0"/>
+          <a:chExt cx="0" cy="0"/>
+        </a:xfrm>
+      </p:grpSpPr>
+      <p:sp>
+        <p:nvSpPr>
+          <p:cNvPr id="2" name="TextBox 1"/>
+          <p:cNvSpPr txBox="1"/>
+          <p:nvPr/>
+        </p:nvSpPr>
+        <p:spPr>
+          <a:xfrm>
+            <a:off x="124086" y="208264"/>
+            <a:ext cx="8624378" cy="369332"/>
+          </a:xfrm>
+          <a:prstGeom prst="rect">
+            <a:avLst/>
+          </a:prstGeom>
+          <a:noFill/>
+        </p:spPr>
+        <p:txBody>
+          <a:bodyPr wrap="square" rtlCol="0">
+            <a:spAutoFit/>
+          </a:bodyPr>
+          <a:lstStyle/>
+          <a:p>
+            <a:r>
+              <a:rPr lang="en-PH" dirty="0" smtClean="0"/>
+              <a:t>Scenario: Crossing the road</a:t>
+            </a:r>
+            <a:endParaRPr lang="en-PH" dirty="0"/>
+          </a:p>
+        </p:txBody>
+      </p:sp>
+      <p:sp>
+        <p:nvSpPr>
+          <p:cNvPr id="4" name="Flowchart: Decision 3"/>
+          <p:cNvSpPr/>
+          <p:nvPr/>
+        </p:nvSpPr>
+        <p:spPr>
+          <a:xfrm>
+            <a:off x="863588" y="1052736"/>
+            <a:ext cx="4896544" cy="936104"/>
+          </a:xfrm>
+          <a:prstGeom prst="flowChartDecision">
+            <a:avLst/>
+          </a:prstGeom>
+        </p:spPr>
+        <p:style>
+          <a:lnRef idx="2">
+            <a:schemeClr val="accent1"/>
+          </a:lnRef>
+          <a:fillRef idx="1">
+            <a:schemeClr val="lt1"/>
+          </a:fillRef>
+          <a:effectRef idx="0">
+            <a:schemeClr val="accent1"/>
+          </a:effectRef>
+          <a:fontRef idx="minor">
+            <a:schemeClr val="dk1"/>
+          </a:fontRef>
+        </p:style>
+        <p:txBody>
+          <a:bodyPr rtlCol="0" anchor="ctr"/>
+          <a:lstStyle/>
+          <a:p>
+            <a:pPr algn="ctr"/>
+            <a:r>
+              <a:rPr lang="en-PH" dirty="0" smtClean="0"/>
+              <a:t>Do you look left or right before crossing</a:t>
+            </a:r>
+            <a:endParaRPr lang="en-PH" dirty="0"/>
+          </a:p>
+        </p:txBody>
+      </p:sp>
+      <p:sp>
+        <p:nvSpPr>
+          <p:cNvPr id="5" name="TextBox 4"/>
+          <p:cNvSpPr txBox="1"/>
+          <p:nvPr/>
+        </p:nvSpPr>
+        <p:spPr>
+          <a:xfrm>
+            <a:off x="3491880" y="1988840"/>
+            <a:ext cx="288862" cy="369332"/>
+          </a:xfrm>
+          <a:prstGeom prst="rect">
+            <a:avLst/>
+          </a:prstGeom>
+          <a:noFill/>
+        </p:spPr>
+        <p:txBody>
+          <a:bodyPr wrap="none" rtlCol="0">
+            <a:spAutoFit/>
+          </a:bodyPr>
+          <a:lstStyle/>
+          <a:p>
+            <a:r>
+              <a:rPr lang="en-PH" dirty="0" smtClean="0"/>
+              <a:t>y</a:t>
+            </a:r>
+            <a:endParaRPr lang="en-PH" dirty="0"/>
+          </a:p>
+        </p:txBody>
+      </p:sp>
+      <p:sp>
+        <p:nvSpPr>
+          <p:cNvPr id="6" name="TextBox 5"/>
+          <p:cNvSpPr txBox="1"/>
+          <p:nvPr/>
+        </p:nvSpPr>
+        <p:spPr>
+          <a:xfrm>
+            <a:off x="5849682" y="1124744"/>
+            <a:ext cx="306494" cy="369332"/>
+          </a:xfrm>
+          <a:prstGeom prst="rect">
+            <a:avLst/>
+          </a:prstGeom>
+          <a:noFill/>
+        </p:spPr>
+        <p:txBody>
+          <a:bodyPr wrap="none" rtlCol="0">
+            <a:spAutoFit/>
+          </a:bodyPr>
+          <a:lstStyle/>
+          <a:p>
+            <a:r>
+              <a:rPr lang="en-PH" dirty="0" smtClean="0"/>
+              <a:t>n</a:t>
+            </a:r>
+            <a:endParaRPr lang="en-PH" dirty="0"/>
+          </a:p>
+        </p:txBody>
+      </p:sp>
+      <p:sp>
+        <p:nvSpPr>
+          <p:cNvPr id="7" name="Parallelogram 6"/>
+          <p:cNvSpPr/>
+          <p:nvPr/>
+        </p:nvSpPr>
+        <p:spPr>
+          <a:xfrm>
+            <a:off x="1583668" y="2564904"/>
+            <a:ext cx="3456384" cy="360040"/>
+          </a:xfrm>
+          <a:prstGeom prst="parallelogram">
+            <a:avLst>
+              <a:gd name="adj" fmla="val 81141"/>
+            </a:avLst>
+          </a:prstGeom>
+        </p:spPr>
+        <p:style>
+          <a:lnRef idx="2">
+            <a:schemeClr val="accent1"/>
+          </a:lnRef>
+          <a:fillRef idx="1">
+            <a:schemeClr val="lt1"/>
+          </a:fillRef>
+          <a:effectRef idx="0">
+            <a:schemeClr val="accent1"/>
+          </a:effectRef>
+          <a:fontRef idx="minor">
+            <a:schemeClr val="dk1"/>
+          </a:fontRef>
+        </p:style>
+        <p:txBody>
+          <a:bodyPr rtlCol="0" anchor="ctr"/>
+          <a:lstStyle/>
+          <a:p>
+            <a:pPr algn="ctr"/>
+            <a:r>
+              <a:rPr lang="en-PH" dirty="0" smtClean="0"/>
+              <a:t>You cross the road safely</a:t>
+            </a:r>
+            <a:endParaRPr lang="en-PH" dirty="0"/>
+          </a:p>
+        </p:txBody>
+      </p:sp>
+      <p:sp>
+        <p:nvSpPr>
+          <p:cNvPr id="8" name="Flowchart: Data 7"/>
+          <p:cNvSpPr/>
+          <p:nvPr/>
+        </p:nvSpPr>
+        <p:spPr>
+          <a:xfrm>
+            <a:off x="6012160" y="2348880"/>
+            <a:ext cx="2448272" cy="648072"/>
+          </a:xfrm>
+          <a:prstGeom prst="flowChartInputOutput">
+            <a:avLst/>
+          </a:prstGeom>
+        </p:spPr>
+        <p:style>
+          <a:lnRef idx="2">
+            <a:schemeClr val="accent1"/>
+          </a:lnRef>
+          <a:fillRef idx="1">
+            <a:schemeClr val="lt1"/>
+          </a:fillRef>
+          <a:effectRef idx="0">
+            <a:schemeClr val="accent1"/>
+          </a:effectRef>
+          <a:fontRef idx="minor">
+            <a:schemeClr val="dk1"/>
+          </a:fontRef>
+        </p:style>
+        <p:txBody>
+          <a:bodyPr rtlCol="0" anchor="ctr"/>
+          <a:lstStyle/>
+          <a:p>
+            <a:pPr algn="ctr"/>
+            <a:r>
+              <a:rPr lang="en-PH" dirty="0" smtClean="0"/>
+              <a:t>High chance of accident</a:t>
+            </a:r>
+            <a:endParaRPr lang="en-PH" dirty="0"/>
+          </a:p>
+        </p:txBody>
+      </p:sp>
+    </p:spTree>
+    <p:extLst>
+      <p:ext uri="{BB962C8B-B14F-4D97-AF65-F5344CB8AC3E}">
+        <p14:creationId xmlns:p14="http://schemas.microsoft.com/office/powerpoint/2010/main" val="3632421931"/>
+      </p:ext>
+    </p:extLst>
+  </p:cSld>
+  <p:clrMapOvr>
+    <a:masterClrMapping/>
+  </p:clrMapOvr>
+</p:sld>
+</file>
+
+<file path=ppt/slides/slide15.xml><?xml version="1.0" encoding="utf-8"?>
+<p:sld xmlns:a="http://schemas.openxmlformats.org/drawingml/2006/main" xmlns:r="http://schemas.openxmlformats.org/officeDocument/2006/relationships" xmlns:p="http://schemas.openxmlformats.org/presentationml/2006/main">
+  <p:cSld>
+    <p:spTree>
+      <p:nvGrpSpPr>
+        <p:cNvPr id="1" name=""/>
+        <p:cNvGrpSpPr/>
+        <p:nvPr/>
+      </p:nvGrpSpPr>
+      <p:grpSpPr>
+        <a:xfrm>
+          <a:off x="0" y="0"/>
+          <a:ext cx="0" cy="0"/>
+          <a:chOff x="0" y="0"/>
+          <a:chExt cx="0" cy="0"/>
+        </a:xfrm>
+      </p:grpSpPr>
+      <p:sp>
+        <p:nvSpPr>
+          <p:cNvPr id="2" name="Flowchart: Decision 1"/>
+          <p:cNvSpPr/>
+          <p:nvPr/>
+        </p:nvSpPr>
+        <p:spPr>
+          <a:xfrm>
+            <a:off x="2123728" y="260648"/>
+            <a:ext cx="2376264" cy="1296144"/>
+          </a:xfrm>
+          <a:prstGeom prst="flowChartDecision">
+            <a:avLst/>
+          </a:prstGeom>
+        </p:spPr>
+        <p:style>
+          <a:lnRef idx="2">
+            <a:schemeClr val="accent1">
+              <a:shade val="50000"/>
+            </a:schemeClr>
+          </a:lnRef>
+          <a:fillRef idx="1">
+            <a:schemeClr val="accent1"/>
+          </a:fillRef>
+          <a:effectRef idx="0">
+            <a:schemeClr val="accent1"/>
+          </a:effectRef>
+          <a:fontRef idx="minor">
+            <a:schemeClr val="lt1"/>
+          </a:fontRef>
+        </p:style>
+        <p:txBody>
+          <a:bodyPr rtlCol="0" anchor="ctr"/>
+          <a:lstStyle/>
+          <a:p>
+            <a:pPr algn="ctr"/>
+            <a:r>
+              <a:rPr lang="en-US" dirty="0" smtClean="0"/>
+              <a:t>Is $direction == “up”</a:t>
+            </a:r>
+            <a:endParaRPr lang="en-PH" dirty="0"/>
+          </a:p>
+        </p:txBody>
+      </p:sp>
+      <p:sp>
+        <p:nvSpPr>
+          <p:cNvPr id="3" name="TextBox 2"/>
+          <p:cNvSpPr txBox="1"/>
+          <p:nvPr/>
+        </p:nvSpPr>
+        <p:spPr>
+          <a:xfrm>
+            <a:off x="3347864" y="1484784"/>
+            <a:ext cx="288862" cy="369332"/>
+          </a:xfrm>
+          <a:prstGeom prst="rect">
+            <a:avLst/>
+          </a:prstGeom>
+          <a:noFill/>
+        </p:spPr>
+        <p:txBody>
+          <a:bodyPr wrap="none" rtlCol="0">
+            <a:spAutoFit/>
+          </a:bodyPr>
+          <a:lstStyle/>
+          <a:p>
+            <a:r>
+              <a:rPr lang="en-US" dirty="0" smtClean="0"/>
+              <a:t>y</a:t>
+            </a:r>
+            <a:endParaRPr lang="en-PH" dirty="0"/>
+          </a:p>
+        </p:txBody>
+      </p:sp>
+      <p:sp>
+        <p:nvSpPr>
+          <p:cNvPr id="4" name="TextBox 3"/>
+          <p:cNvSpPr txBox="1"/>
+          <p:nvPr/>
+        </p:nvSpPr>
+        <p:spPr>
+          <a:xfrm>
+            <a:off x="4355976" y="548680"/>
+            <a:ext cx="306494" cy="369332"/>
+          </a:xfrm>
+          <a:prstGeom prst="rect">
+            <a:avLst/>
+          </a:prstGeom>
+          <a:noFill/>
+        </p:spPr>
+        <p:txBody>
+          <a:bodyPr wrap="none" rtlCol="0">
+            <a:spAutoFit/>
+          </a:bodyPr>
+          <a:lstStyle/>
+          <a:p>
+            <a:r>
+              <a:rPr lang="en-US" dirty="0" smtClean="0"/>
+              <a:t>n</a:t>
+            </a:r>
+            <a:endParaRPr lang="en-PH" dirty="0"/>
+          </a:p>
+        </p:txBody>
+      </p:sp>
+      <p:sp>
+        <p:nvSpPr>
+          <p:cNvPr id="6" name="Flowchart: Process 5"/>
+          <p:cNvSpPr/>
+          <p:nvPr/>
+        </p:nvSpPr>
+        <p:spPr>
+          <a:xfrm>
+            <a:off x="1547664" y="1988840"/>
+            <a:ext cx="3114806" cy="936104"/>
+          </a:xfrm>
+          <a:prstGeom prst="flowChartProcess">
+            <a:avLst/>
+          </a:prstGeom>
+        </p:spPr>
+        <p:style>
+          <a:lnRef idx="2">
+            <a:schemeClr val="accent1">
+              <a:shade val="50000"/>
+            </a:schemeClr>
+          </a:lnRef>
+          <a:fillRef idx="1">
+            <a:schemeClr val="accent1"/>
+          </a:fillRef>
+          <a:effectRef idx="0">
+            <a:schemeClr val="accent1"/>
+          </a:effectRef>
+          <a:fontRef idx="minor">
+            <a:schemeClr val="lt1"/>
+          </a:fontRef>
+        </p:style>
+        <p:txBody>
+          <a:bodyPr rtlCol="0" anchor="ctr"/>
+          <a:lstStyle/>
+          <a:p>
+            <a:pPr algn="ctr"/>
+            <a:r>
+              <a:rPr lang="en-US" dirty="0" smtClean="0"/>
+              <a:t>Count up code</a:t>
+            </a:r>
+            <a:endParaRPr lang="en-PH" dirty="0"/>
+          </a:p>
+        </p:txBody>
+      </p:sp>
+      <p:sp>
+        <p:nvSpPr>
+          <p:cNvPr id="7" name="Flowchart: Process 6"/>
+          <p:cNvSpPr/>
+          <p:nvPr/>
+        </p:nvSpPr>
+        <p:spPr>
+          <a:xfrm>
+            <a:off x="5220072" y="1681677"/>
+            <a:ext cx="3114806" cy="936104"/>
+          </a:xfrm>
+          <a:prstGeom prst="flowChartProcess">
+            <a:avLst/>
+          </a:prstGeom>
+        </p:spPr>
+        <p:style>
+          <a:lnRef idx="2">
+            <a:schemeClr val="accent1">
+              <a:shade val="50000"/>
+            </a:schemeClr>
+          </a:lnRef>
+          <a:fillRef idx="1">
+            <a:schemeClr val="accent1"/>
+          </a:fillRef>
+          <a:effectRef idx="0">
+            <a:schemeClr val="accent1"/>
+          </a:effectRef>
+          <a:fontRef idx="minor">
+            <a:schemeClr val="lt1"/>
+          </a:fontRef>
+        </p:style>
+        <p:txBody>
+          <a:bodyPr rtlCol="0" anchor="ctr"/>
+          <a:lstStyle/>
+          <a:p>
+            <a:pPr algn="ctr"/>
+            <a:r>
+              <a:rPr lang="en-US" dirty="0" smtClean="0"/>
+              <a:t>Count down code</a:t>
+            </a:r>
+            <a:endParaRPr lang="en-PH" dirty="0"/>
+          </a:p>
+        </p:txBody>
+      </p:sp>
+    </p:spTree>
+    <p:extLst>
+      <p:ext uri="{BB962C8B-B14F-4D97-AF65-F5344CB8AC3E}">
+        <p14:creationId xmlns:p14="http://schemas.microsoft.com/office/powerpoint/2010/main" val="1965135766"/>
+      </p:ext>
+    </p:extLst>
+  </p:cSld>
+  <p:clrMapOvr>
+    <a:masterClrMapping/>
+  </p:clrMapOvr>
+</p:sld>
+</file>
+
+<file path=ppt/slides/slide16.xml><?xml version="1.0" encoding="utf-8"?>
+<p:sld xmlns:a="http://schemas.openxmlformats.org/drawingml/2006/main" xmlns:r="http://schemas.openxmlformats.org/officeDocument/2006/relationships" xmlns:p="http://schemas.openxmlformats.org/presentationml/2006/main">
+  <p:cSld>
+    <p:spTree>
+      <p:nvGrpSpPr>
+        <p:cNvPr id="1" name=""/>
+        <p:cNvGrpSpPr/>
+        <p:nvPr/>
+      </p:nvGrpSpPr>
+      <p:grpSpPr>
+        <a:xfrm>
+          <a:off x="0" y="0"/>
+          <a:ext cx="0" cy="0"/>
+          <a:chOff x="0" y="0"/>
+          <a:chExt cx="0" cy="0"/>
+        </a:xfrm>
+      </p:grpSpPr>
+      <p:sp>
+        <p:nvSpPr>
+          <p:cNvPr id="2" name="Flowchart: Decision 1"/>
+          <p:cNvSpPr/>
+          <p:nvPr/>
+        </p:nvSpPr>
+        <p:spPr>
+          <a:xfrm>
+            <a:off x="107504" y="590037"/>
+            <a:ext cx="2952328" cy="1008112"/>
+          </a:xfrm>
+          <a:prstGeom prst="flowChartDecision">
+            <a:avLst/>
+          </a:prstGeom>
+        </p:spPr>
+        <p:style>
+          <a:lnRef idx="2">
+            <a:schemeClr val="accent1">
+              <a:shade val="50000"/>
+            </a:schemeClr>
+          </a:lnRef>
+          <a:fillRef idx="1">
+            <a:schemeClr val="accent1"/>
+          </a:fillRef>
+          <a:effectRef idx="0">
+            <a:schemeClr val="accent1"/>
+          </a:effectRef>
+          <a:fontRef idx="minor">
+            <a:schemeClr val="lt1"/>
+          </a:fontRef>
+        </p:style>
+        <p:txBody>
+          <a:bodyPr rtlCol="0" anchor="ctr"/>
+          <a:lstStyle/>
+          <a:p>
+            <a:pPr algn="ctr"/>
+            <a:r>
+              <a:rPr lang="en-US" dirty="0" smtClean="0"/>
+              <a:t>Is $</a:t>
+            </a:r>
+            <a:r>
+              <a:rPr lang="en-US" dirty="0" err="1" smtClean="0"/>
+              <a:t>numstart</a:t>
+            </a:r>
+            <a:r>
+              <a:rPr lang="en-US" dirty="0" smtClean="0"/>
+              <a:t> &lt; $</a:t>
+            </a:r>
+            <a:r>
+              <a:rPr lang="en-US" dirty="0" err="1" smtClean="0"/>
+              <a:t>numEnd</a:t>
+            </a:r>
+            <a:endParaRPr lang="en-PH" dirty="0"/>
+          </a:p>
+        </p:txBody>
+      </p:sp>
+      <p:sp>
+        <p:nvSpPr>
+          <p:cNvPr id="3" name="Flowchart: Process 2"/>
+          <p:cNvSpPr/>
+          <p:nvPr/>
+        </p:nvSpPr>
+        <p:spPr>
+          <a:xfrm>
+            <a:off x="323528" y="2042639"/>
+            <a:ext cx="2520280" cy="720080"/>
+          </a:xfrm>
+          <a:prstGeom prst="flowChartProcess">
+            <a:avLst/>
+          </a:prstGeom>
+        </p:spPr>
+        <p:style>
+          <a:lnRef idx="2">
+            <a:schemeClr val="accent1">
+              <a:shade val="50000"/>
+            </a:schemeClr>
+          </a:lnRef>
+          <a:fillRef idx="1">
+            <a:schemeClr val="accent1"/>
+          </a:fillRef>
+          <a:effectRef idx="0">
+            <a:schemeClr val="accent1"/>
+          </a:effectRef>
+          <a:fontRef idx="minor">
+            <a:schemeClr val="lt1"/>
+          </a:fontRef>
+        </p:style>
+        <p:txBody>
+          <a:bodyPr rtlCol="0" anchor="ctr"/>
+          <a:lstStyle/>
+          <a:p>
+            <a:pPr algn="ctr"/>
+            <a:r>
+              <a:rPr lang="en-US" dirty="0" smtClean="0"/>
+              <a:t>Count up from $</a:t>
+            </a:r>
+            <a:r>
+              <a:rPr lang="en-US" dirty="0" err="1" smtClean="0"/>
+              <a:t>numStart</a:t>
+            </a:r>
+            <a:r>
+              <a:rPr lang="en-US" dirty="0" smtClean="0"/>
+              <a:t> to $</a:t>
+            </a:r>
+            <a:r>
+              <a:rPr lang="en-US" dirty="0" err="1" smtClean="0"/>
+              <a:t>numEnd</a:t>
+            </a:r>
+            <a:endParaRPr lang="en-PH" dirty="0"/>
+          </a:p>
+        </p:txBody>
+      </p:sp>
+      <p:sp>
+        <p:nvSpPr>
+          <p:cNvPr id="4" name="Flowchart: Decision 3"/>
+          <p:cNvSpPr/>
+          <p:nvPr/>
+        </p:nvSpPr>
+        <p:spPr>
+          <a:xfrm>
+            <a:off x="3419872" y="590037"/>
+            <a:ext cx="2952328" cy="1008112"/>
+          </a:xfrm>
+          <a:prstGeom prst="flowChartDecision">
+            <a:avLst/>
+          </a:prstGeom>
+        </p:spPr>
+        <p:style>
+          <a:lnRef idx="2">
+            <a:schemeClr val="accent1">
+              <a:shade val="50000"/>
+            </a:schemeClr>
+          </a:lnRef>
+          <a:fillRef idx="1">
+            <a:schemeClr val="accent1"/>
+          </a:fillRef>
+          <a:effectRef idx="0">
+            <a:schemeClr val="accent1"/>
+          </a:effectRef>
+          <a:fontRef idx="minor">
+            <a:schemeClr val="lt1"/>
+          </a:fontRef>
+        </p:style>
+        <p:txBody>
+          <a:bodyPr rtlCol="0" anchor="ctr"/>
+          <a:lstStyle/>
+          <a:p>
+            <a:pPr algn="ctr"/>
+            <a:r>
+              <a:rPr lang="en-US" dirty="0" smtClean="0"/>
+              <a:t>Is $</a:t>
+            </a:r>
+            <a:r>
+              <a:rPr lang="en-US" dirty="0" err="1" smtClean="0"/>
+              <a:t>numstart</a:t>
+            </a:r>
+            <a:r>
+              <a:rPr lang="en-US" dirty="0" smtClean="0"/>
+              <a:t> &gt; $</a:t>
+            </a:r>
+            <a:r>
+              <a:rPr lang="en-US" dirty="0" err="1" smtClean="0"/>
+              <a:t>numEnd</a:t>
+            </a:r>
+            <a:endParaRPr lang="en-PH" dirty="0"/>
+          </a:p>
+        </p:txBody>
+      </p:sp>
+      <p:sp>
+        <p:nvSpPr>
+          <p:cNvPr id="5" name="Flowchart: Process 4"/>
+          <p:cNvSpPr/>
+          <p:nvPr/>
+        </p:nvSpPr>
+        <p:spPr>
+          <a:xfrm>
+            <a:off x="3635896" y="2042639"/>
+            <a:ext cx="2520280" cy="720080"/>
+          </a:xfrm>
+          <a:prstGeom prst="flowChartProcess">
+            <a:avLst/>
+          </a:prstGeom>
+        </p:spPr>
+        <p:style>
+          <a:lnRef idx="2">
+            <a:schemeClr val="accent1">
+              <a:shade val="50000"/>
+            </a:schemeClr>
+          </a:lnRef>
+          <a:fillRef idx="1">
+            <a:schemeClr val="accent1"/>
+          </a:fillRef>
+          <a:effectRef idx="0">
+            <a:schemeClr val="accent1"/>
+          </a:effectRef>
+          <a:fontRef idx="minor">
+            <a:schemeClr val="lt1"/>
+          </a:fontRef>
+        </p:style>
+        <p:txBody>
+          <a:bodyPr rtlCol="0" anchor="ctr"/>
+          <a:lstStyle/>
+          <a:p>
+            <a:pPr algn="ctr"/>
+            <a:r>
+              <a:rPr lang="en-US" dirty="0" smtClean="0"/>
+              <a:t>Count down from $</a:t>
+            </a:r>
+            <a:r>
+              <a:rPr lang="en-US" dirty="0" err="1" smtClean="0"/>
+              <a:t>numStart</a:t>
+            </a:r>
+            <a:r>
+              <a:rPr lang="en-US" dirty="0" smtClean="0"/>
+              <a:t> to $</a:t>
+            </a:r>
+            <a:r>
+              <a:rPr lang="en-US" dirty="0" err="1" smtClean="0"/>
+              <a:t>numEnd</a:t>
+            </a:r>
+            <a:endParaRPr lang="en-PH" dirty="0"/>
+          </a:p>
+        </p:txBody>
+      </p:sp>
+      <p:cxnSp>
+        <p:nvCxnSpPr>
+          <p:cNvPr id="7" name="Straight Arrow Connector 6"/>
+          <p:cNvCxnSpPr>
+            <a:stCxn id="2" idx="3"/>
+            <a:endCxn id="4" idx="1"/>
+          </p:cNvCxnSpPr>
+          <p:nvPr/>
+        </p:nvCxnSpPr>
+        <p:spPr>
+          <a:xfrm>
+            <a:off x="3059832" y="1094093"/>
+            <a:ext cx="360040" cy="0"/>
+          </a:xfrm>
+          <a:prstGeom prst="straightConnector1">
+            <a:avLst/>
+          </a:prstGeom>
+          <a:ln>
+            <a:tailEnd type="arrow"/>
+          </a:ln>
+        </p:spPr>
+        <p:style>
+          <a:lnRef idx="2">
+            <a:schemeClr val="dk1"/>
+          </a:lnRef>
+          <a:fillRef idx="0">
+            <a:schemeClr val="dk1"/>
+          </a:fillRef>
+          <a:effectRef idx="1">
+            <a:schemeClr val="dk1"/>
+          </a:effectRef>
+          <a:fontRef idx="minor">
+            <a:schemeClr val="tx1"/>
+          </a:fontRef>
+        </p:style>
+      </p:cxnSp>
+      <p:cxnSp>
+        <p:nvCxnSpPr>
+          <p:cNvPr id="9" name="Straight Arrow Connector 8"/>
+          <p:cNvCxnSpPr>
+            <a:stCxn id="2" idx="2"/>
+            <a:endCxn id="3" idx="0"/>
+          </p:cNvCxnSpPr>
+          <p:nvPr/>
+        </p:nvCxnSpPr>
+        <p:spPr>
+          <a:xfrm>
+            <a:off x="1583668" y="1598149"/>
+            <a:ext cx="0" cy="444490"/>
+          </a:xfrm>
+          <a:prstGeom prst="straightConnector1">
+            <a:avLst/>
+          </a:prstGeom>
+          <a:ln>
+            <a:tailEnd type="arrow"/>
+          </a:ln>
+        </p:spPr>
+        <p:style>
+          <a:lnRef idx="2">
+            <a:schemeClr val="dk1"/>
+          </a:lnRef>
+          <a:fillRef idx="0">
+            <a:schemeClr val="dk1"/>
+          </a:fillRef>
+          <a:effectRef idx="1">
+            <a:schemeClr val="dk1"/>
+          </a:effectRef>
+          <a:fontRef idx="minor">
+            <a:schemeClr val="tx1"/>
+          </a:fontRef>
+        </p:style>
+      </p:cxnSp>
+      <p:cxnSp>
+        <p:nvCxnSpPr>
+          <p:cNvPr id="11" name="Straight Arrow Connector 10"/>
+          <p:cNvCxnSpPr>
+            <a:stCxn id="4" idx="2"/>
+            <a:endCxn id="5" idx="0"/>
+          </p:cNvCxnSpPr>
+          <p:nvPr/>
+        </p:nvCxnSpPr>
+        <p:spPr>
+          <a:xfrm>
+            <a:off x="4896036" y="1598149"/>
+            <a:ext cx="0" cy="444490"/>
+          </a:xfrm>
+          <a:prstGeom prst="straightConnector1">
+            <a:avLst/>
+          </a:prstGeom>
+          <a:ln>
+            <a:tailEnd type="arrow"/>
+          </a:ln>
+        </p:spPr>
+        <p:style>
+          <a:lnRef idx="2">
+            <a:schemeClr val="dk1"/>
+          </a:lnRef>
+          <a:fillRef idx="0">
+            <a:schemeClr val="dk1"/>
+          </a:fillRef>
+          <a:effectRef idx="1">
+            <a:schemeClr val="dk1"/>
+          </a:effectRef>
+          <a:fontRef idx="minor">
+            <a:schemeClr val="tx1"/>
+          </a:fontRef>
+        </p:style>
+      </p:cxnSp>
+      <p:sp>
+        <p:nvSpPr>
+          <p:cNvPr id="12" name="Flowchart: Data 11"/>
+          <p:cNvSpPr/>
+          <p:nvPr/>
+        </p:nvSpPr>
+        <p:spPr>
+          <a:xfrm>
+            <a:off x="6372200" y="2069538"/>
+            <a:ext cx="2736304" cy="666281"/>
+          </a:xfrm>
+          <a:prstGeom prst="flowChartInputOutput">
+            <a:avLst/>
+          </a:prstGeom>
+        </p:spPr>
+        <p:style>
+          <a:lnRef idx="2">
+            <a:schemeClr val="accent1">
+              <a:shade val="50000"/>
+            </a:schemeClr>
+          </a:lnRef>
+          <a:fillRef idx="1">
+            <a:schemeClr val="accent1"/>
+          </a:fillRef>
+          <a:effectRef idx="0">
+            <a:schemeClr val="accent1"/>
+          </a:effectRef>
+          <a:fontRef idx="minor">
+            <a:schemeClr val="lt1"/>
+          </a:fontRef>
+        </p:style>
+        <p:txBody>
+          <a:bodyPr rtlCol="0" anchor="ctr"/>
+          <a:lstStyle/>
+          <a:p>
+            <a:pPr algn="ctr"/>
+            <a:r>
+              <a:rPr lang="en-US" dirty="0" smtClean="0"/>
+              <a:t>Echo “numbers are same”</a:t>
+            </a:r>
+            <a:endParaRPr lang="en-PH" dirty="0"/>
+          </a:p>
+        </p:txBody>
+      </p:sp>
+      <p:cxnSp>
+        <p:nvCxnSpPr>
+          <p:cNvPr id="14" name="Elbow Connector 13"/>
+          <p:cNvCxnSpPr>
+            <a:stCxn id="4" idx="3"/>
+            <a:endCxn id="12" idx="1"/>
+          </p:cNvCxnSpPr>
+          <p:nvPr/>
+        </p:nvCxnSpPr>
+        <p:spPr>
+          <a:xfrm>
+            <a:off x="6372200" y="1094093"/>
+            <a:ext cx="1368152" cy="975445"/>
+          </a:xfrm>
+          <a:prstGeom prst="bentConnector2">
+            <a:avLst/>
+          </a:prstGeom>
+          <a:ln>
+            <a:tailEnd type="arrow"/>
+          </a:ln>
+        </p:spPr>
+        <p:style>
+          <a:lnRef idx="2">
+            <a:schemeClr val="dk1"/>
+          </a:lnRef>
+          <a:fillRef idx="0">
+            <a:schemeClr val="dk1"/>
+          </a:fillRef>
+          <a:effectRef idx="1">
+            <a:schemeClr val="dk1"/>
+          </a:effectRef>
+          <a:fontRef idx="minor">
+            <a:schemeClr val="tx1"/>
+          </a:fontRef>
+        </p:style>
+      </p:cxnSp>
+      <p:sp>
+        <p:nvSpPr>
+          <p:cNvPr id="15" name="TextBox 14"/>
+          <p:cNvSpPr txBox="1"/>
+          <p:nvPr/>
+        </p:nvSpPr>
+        <p:spPr>
+          <a:xfrm>
+            <a:off x="1601210" y="1604370"/>
+            <a:ext cx="288862" cy="369332"/>
+          </a:xfrm>
+          <a:prstGeom prst="rect">
+            <a:avLst/>
+          </a:prstGeom>
+          <a:noFill/>
+        </p:spPr>
+        <p:txBody>
+          <a:bodyPr wrap="none" rtlCol="0">
+            <a:spAutoFit/>
+          </a:bodyPr>
+          <a:lstStyle/>
+          <a:p>
+            <a:r>
+              <a:rPr lang="en-US" dirty="0" smtClean="0"/>
+              <a:t>y</a:t>
+            </a:r>
+            <a:endParaRPr lang="en-PH" dirty="0"/>
+          </a:p>
+        </p:txBody>
+      </p:sp>
+      <p:sp>
+        <p:nvSpPr>
+          <p:cNvPr id="16" name="TextBox 15"/>
+          <p:cNvSpPr txBox="1"/>
+          <p:nvPr/>
+        </p:nvSpPr>
+        <p:spPr>
+          <a:xfrm>
+            <a:off x="2969362" y="755412"/>
+            <a:ext cx="306494" cy="369332"/>
+          </a:xfrm>
+          <a:prstGeom prst="rect">
+            <a:avLst/>
+          </a:prstGeom>
+          <a:noFill/>
+        </p:spPr>
+        <p:txBody>
+          <a:bodyPr wrap="none" rtlCol="0">
+            <a:spAutoFit/>
+          </a:bodyPr>
+          <a:lstStyle/>
+          <a:p>
+            <a:r>
+              <a:rPr lang="en-US" dirty="0" smtClean="0"/>
+              <a:t>n</a:t>
+            </a:r>
+            <a:endParaRPr lang="en-PH" dirty="0"/>
+          </a:p>
+        </p:txBody>
+      </p:sp>
+      <p:sp>
+        <p:nvSpPr>
+          <p:cNvPr id="17" name="TextBox 16"/>
+          <p:cNvSpPr txBox="1"/>
+          <p:nvPr/>
+        </p:nvSpPr>
+        <p:spPr>
+          <a:xfrm>
+            <a:off x="4913578" y="1619508"/>
+            <a:ext cx="288862" cy="369332"/>
+          </a:xfrm>
+          <a:prstGeom prst="rect">
+            <a:avLst/>
+          </a:prstGeom>
+          <a:noFill/>
+        </p:spPr>
+        <p:txBody>
+          <a:bodyPr wrap="none" rtlCol="0">
+            <a:spAutoFit/>
+          </a:bodyPr>
+          <a:lstStyle/>
+          <a:p>
+            <a:r>
+              <a:rPr lang="en-US" dirty="0" smtClean="0"/>
+              <a:t>y</a:t>
+            </a:r>
+            <a:endParaRPr lang="en-PH" dirty="0"/>
+          </a:p>
+        </p:txBody>
+      </p:sp>
+      <p:sp>
+        <p:nvSpPr>
+          <p:cNvPr id="18" name="TextBox 17"/>
+          <p:cNvSpPr txBox="1"/>
+          <p:nvPr/>
+        </p:nvSpPr>
+        <p:spPr>
+          <a:xfrm>
+            <a:off x="6281730" y="770550"/>
+            <a:ext cx="306494" cy="369332"/>
+          </a:xfrm>
+          <a:prstGeom prst="rect">
+            <a:avLst/>
+          </a:prstGeom>
+          <a:noFill/>
+        </p:spPr>
+        <p:txBody>
+          <a:bodyPr wrap="none" rtlCol="0">
+            <a:spAutoFit/>
+          </a:bodyPr>
+          <a:lstStyle/>
+          <a:p>
+            <a:r>
+              <a:rPr lang="en-US" dirty="0" smtClean="0"/>
+              <a:t>n</a:t>
+            </a:r>
+            <a:endParaRPr lang="en-PH" dirty="0"/>
+          </a:p>
+        </p:txBody>
+      </p:sp>
+    </p:spTree>
+    <p:extLst>
+      <p:ext uri="{BB962C8B-B14F-4D97-AF65-F5344CB8AC3E}">
+        <p14:creationId xmlns:p14="http://schemas.microsoft.com/office/powerpoint/2010/main" val="3609295601"/>
       </p:ext>
     </p:extLst>
   </p:cSld>

--- a/visual aids.pptx
+++ b/visual aids.pptx
@@ -21,6 +21,8 @@
     <p:sldId id="269" r:id="rId15"/>
     <p:sldId id="270" r:id="rId16"/>
     <p:sldId id="271" r:id="rId17"/>
+    <p:sldId id="272" r:id="rId18"/>
+    <p:sldId id="273" r:id="rId19"/>
   </p:sldIdLst>
   <p:sldSz cx="9144000" cy="6858000" type="screen4x3"/>
   <p:notesSz cx="6858000" cy="9144000"/>
@@ -303,7 +305,7 @@
           <a:p>
             <a:fld id="{5C53F6D8-CA54-4B2C-A2ED-EB1BE73B921A}" type="datetimeFigureOut">
               <a:rPr lang="en-PH" smtClean="0"/>
-              <a:t>28 Dec 2020</a:t>
+              <a:t>6 Jan 2021</a:t>
             </a:fld>
             <a:endParaRPr lang="en-PH"/>
           </a:p>
@@ -473,7 +475,7 @@
           <a:p>
             <a:fld id="{5C53F6D8-CA54-4B2C-A2ED-EB1BE73B921A}" type="datetimeFigureOut">
               <a:rPr lang="en-PH" smtClean="0"/>
-              <a:t>28 Dec 2020</a:t>
+              <a:t>6 Jan 2021</a:t>
             </a:fld>
             <a:endParaRPr lang="en-PH"/>
           </a:p>
@@ -653,7 +655,7 @@
           <a:p>
             <a:fld id="{5C53F6D8-CA54-4B2C-A2ED-EB1BE73B921A}" type="datetimeFigureOut">
               <a:rPr lang="en-PH" smtClean="0"/>
-              <a:t>28 Dec 2020</a:t>
+              <a:t>6 Jan 2021</a:t>
             </a:fld>
             <a:endParaRPr lang="en-PH"/>
           </a:p>
@@ -823,7 +825,7 @@
           <a:p>
             <a:fld id="{5C53F6D8-CA54-4B2C-A2ED-EB1BE73B921A}" type="datetimeFigureOut">
               <a:rPr lang="en-PH" smtClean="0"/>
-              <a:t>28 Dec 2020</a:t>
+              <a:t>6 Jan 2021</a:t>
             </a:fld>
             <a:endParaRPr lang="en-PH"/>
           </a:p>
@@ -1069,7 +1071,7 @@
           <a:p>
             <a:fld id="{5C53F6D8-CA54-4B2C-A2ED-EB1BE73B921A}" type="datetimeFigureOut">
               <a:rPr lang="en-PH" smtClean="0"/>
-              <a:t>28 Dec 2020</a:t>
+              <a:t>6 Jan 2021</a:t>
             </a:fld>
             <a:endParaRPr lang="en-PH"/>
           </a:p>
@@ -1357,7 +1359,7 @@
           <a:p>
             <a:fld id="{5C53F6D8-CA54-4B2C-A2ED-EB1BE73B921A}" type="datetimeFigureOut">
               <a:rPr lang="en-PH" smtClean="0"/>
-              <a:t>28 Dec 2020</a:t>
+              <a:t>6 Jan 2021</a:t>
             </a:fld>
             <a:endParaRPr lang="en-PH"/>
           </a:p>
@@ -1779,7 +1781,7 @@
           <a:p>
             <a:fld id="{5C53F6D8-CA54-4B2C-A2ED-EB1BE73B921A}" type="datetimeFigureOut">
               <a:rPr lang="en-PH" smtClean="0"/>
-              <a:t>28 Dec 2020</a:t>
+              <a:t>6 Jan 2021</a:t>
             </a:fld>
             <a:endParaRPr lang="en-PH"/>
           </a:p>
@@ -1897,7 +1899,7 @@
           <a:p>
             <a:fld id="{5C53F6D8-CA54-4B2C-A2ED-EB1BE73B921A}" type="datetimeFigureOut">
               <a:rPr lang="en-PH" smtClean="0"/>
-              <a:t>28 Dec 2020</a:t>
+              <a:t>6 Jan 2021</a:t>
             </a:fld>
             <a:endParaRPr lang="en-PH"/>
           </a:p>
@@ -1992,7 +1994,7 @@
           <a:p>
             <a:fld id="{5C53F6D8-CA54-4B2C-A2ED-EB1BE73B921A}" type="datetimeFigureOut">
               <a:rPr lang="en-PH" smtClean="0"/>
-              <a:t>28 Dec 2020</a:t>
+              <a:t>6 Jan 2021</a:t>
             </a:fld>
             <a:endParaRPr lang="en-PH"/>
           </a:p>
@@ -2269,7 +2271,7 @@
           <a:p>
             <a:fld id="{5C53F6D8-CA54-4B2C-A2ED-EB1BE73B921A}" type="datetimeFigureOut">
               <a:rPr lang="en-PH" smtClean="0"/>
-              <a:t>28 Dec 2020</a:t>
+              <a:t>6 Jan 2021</a:t>
             </a:fld>
             <a:endParaRPr lang="en-PH"/>
           </a:p>
@@ -2522,7 +2524,7 @@
           <a:p>
             <a:fld id="{5C53F6D8-CA54-4B2C-A2ED-EB1BE73B921A}" type="datetimeFigureOut">
               <a:rPr lang="en-PH" smtClean="0"/>
-              <a:t>28 Dec 2020</a:t>
+              <a:t>6 Jan 2021</a:t>
             </a:fld>
             <a:endParaRPr lang="en-PH"/>
           </a:p>
@@ -2735,7 +2737,7 @@
           <a:p>
             <a:fld id="{5C53F6D8-CA54-4B2C-A2ED-EB1BE73B921A}" type="datetimeFigureOut">
               <a:rPr lang="en-PH" smtClean="0"/>
-              <a:t>28 Dec 2020</a:t>
+              <a:t>6 Jan 2021</a:t>
             </a:fld>
             <a:endParaRPr lang="en-PH"/>
           </a:p>
@@ -6816,6 +6818,1587 @@
     <p:extLst>
       <p:ext uri="{BB962C8B-B14F-4D97-AF65-F5344CB8AC3E}">
         <p14:creationId xmlns:p14="http://schemas.microsoft.com/office/powerpoint/2010/main" val="3609295601"/>
+      </p:ext>
+    </p:extLst>
+  </p:cSld>
+  <p:clrMapOvr>
+    <a:masterClrMapping/>
+  </p:clrMapOvr>
+</p:sld>
+</file>
+
+<file path=ppt/slides/slide17.xml><?xml version="1.0" encoding="utf-8"?>
+<p:sld xmlns:a="http://schemas.openxmlformats.org/drawingml/2006/main" xmlns:r="http://schemas.openxmlformats.org/officeDocument/2006/relationships" xmlns:p="http://schemas.openxmlformats.org/presentationml/2006/main">
+  <p:cSld>
+    <p:spTree>
+      <p:nvGrpSpPr>
+        <p:cNvPr id="1" name=""/>
+        <p:cNvGrpSpPr/>
+        <p:nvPr/>
+      </p:nvGrpSpPr>
+      <p:grpSpPr>
+        <a:xfrm>
+          <a:off x="0" y="0"/>
+          <a:ext cx="0" cy="0"/>
+          <a:chOff x="0" y="0"/>
+          <a:chExt cx="0" cy="0"/>
+        </a:xfrm>
+      </p:grpSpPr>
+      <p:sp>
+        <p:nvSpPr>
+          <p:cNvPr id="2" name="Rectangle 1"/>
+          <p:cNvSpPr/>
+          <p:nvPr/>
+        </p:nvSpPr>
+        <p:spPr>
+          <a:xfrm>
+            <a:off x="107504" y="332656"/>
+            <a:ext cx="8640960" cy="1368152"/>
+          </a:xfrm>
+          <a:prstGeom prst="rect">
+            <a:avLst/>
+          </a:prstGeom>
+        </p:spPr>
+        <p:style>
+          <a:lnRef idx="2">
+            <a:schemeClr val="accent1">
+              <a:shade val="50000"/>
+            </a:schemeClr>
+          </a:lnRef>
+          <a:fillRef idx="1">
+            <a:schemeClr val="accent1"/>
+          </a:fillRef>
+          <a:effectRef idx="0">
+            <a:schemeClr val="accent1"/>
+          </a:effectRef>
+          <a:fontRef idx="minor">
+            <a:schemeClr val="lt1"/>
+          </a:fontRef>
+        </p:style>
+        <p:txBody>
+          <a:bodyPr rtlCol="0" anchor="ctr"/>
+          <a:lstStyle/>
+          <a:p>
+            <a:pPr algn="ctr"/>
+            <a:endParaRPr lang="en-PH"/>
+          </a:p>
+        </p:txBody>
+      </p:sp>
+      <p:sp>
+        <p:nvSpPr>
+          <p:cNvPr id="3" name="Rectangle 2"/>
+          <p:cNvSpPr/>
+          <p:nvPr/>
+        </p:nvSpPr>
+        <p:spPr>
+          <a:xfrm>
+            <a:off x="107504" y="2060848"/>
+            <a:ext cx="1368152" cy="4680520"/>
+          </a:xfrm>
+          <a:prstGeom prst="rect">
+            <a:avLst/>
+          </a:prstGeom>
+        </p:spPr>
+        <p:style>
+          <a:lnRef idx="2">
+            <a:schemeClr val="accent1">
+              <a:shade val="50000"/>
+            </a:schemeClr>
+          </a:lnRef>
+          <a:fillRef idx="1">
+            <a:schemeClr val="accent1"/>
+          </a:fillRef>
+          <a:effectRef idx="0">
+            <a:schemeClr val="accent1"/>
+          </a:effectRef>
+          <a:fontRef idx="minor">
+            <a:schemeClr val="lt1"/>
+          </a:fontRef>
+        </p:style>
+        <p:txBody>
+          <a:bodyPr rtlCol="0" anchor="ctr"/>
+          <a:lstStyle/>
+          <a:p>
+            <a:pPr algn="ctr"/>
+            <a:endParaRPr lang="en-PH"/>
+          </a:p>
+        </p:txBody>
+      </p:sp>
+      <p:sp>
+        <p:nvSpPr>
+          <p:cNvPr id="4" name="Rectangle 3"/>
+          <p:cNvSpPr/>
+          <p:nvPr/>
+        </p:nvSpPr>
+        <p:spPr>
+          <a:xfrm>
+            <a:off x="1907704" y="1988840"/>
+            <a:ext cx="6480720" cy="4608512"/>
+          </a:xfrm>
+          <a:prstGeom prst="rect">
+            <a:avLst/>
+          </a:prstGeom>
+        </p:spPr>
+        <p:style>
+          <a:lnRef idx="2">
+            <a:schemeClr val="accent1">
+              <a:shade val="50000"/>
+            </a:schemeClr>
+          </a:lnRef>
+          <a:fillRef idx="1">
+            <a:schemeClr val="accent1"/>
+          </a:fillRef>
+          <a:effectRef idx="0">
+            <a:schemeClr val="accent1"/>
+          </a:effectRef>
+          <a:fontRef idx="minor">
+            <a:schemeClr val="lt1"/>
+          </a:fontRef>
+        </p:style>
+        <p:txBody>
+          <a:bodyPr rtlCol="0" anchor="ctr"/>
+          <a:lstStyle/>
+          <a:p>
+            <a:pPr algn="ctr"/>
+            <a:endParaRPr lang="en-PH"/>
+          </a:p>
+        </p:txBody>
+      </p:sp>
+      <p:grpSp>
+        <p:nvGrpSpPr>
+          <p:cNvPr id="18" name="Group 17"/>
+          <p:cNvGrpSpPr/>
+          <p:nvPr/>
+        </p:nvGrpSpPr>
+        <p:grpSpPr>
+          <a:xfrm>
+            <a:off x="2123727" y="2204864"/>
+            <a:ext cx="6048671" cy="792088"/>
+            <a:chOff x="2123728" y="2204864"/>
+            <a:chExt cx="3168352" cy="792088"/>
+          </a:xfrm>
+        </p:grpSpPr>
+        <p:sp>
+          <p:nvSpPr>
+            <p:cNvPr id="17" name="Rectangle 16"/>
+            <p:cNvSpPr/>
+            <p:nvPr/>
+          </p:nvSpPr>
+          <p:spPr>
+            <a:xfrm>
+              <a:off x="2123728" y="2204864"/>
+              <a:ext cx="3168352" cy="792088"/>
+            </a:xfrm>
+            <a:prstGeom prst="rect">
+              <a:avLst/>
+            </a:prstGeom>
+          </p:spPr>
+          <p:style>
+            <a:lnRef idx="2">
+              <a:schemeClr val="accent3"/>
+            </a:lnRef>
+            <a:fillRef idx="1">
+              <a:schemeClr val="lt1"/>
+            </a:fillRef>
+            <a:effectRef idx="0">
+              <a:schemeClr val="accent3"/>
+            </a:effectRef>
+            <a:fontRef idx="minor">
+              <a:schemeClr val="dk1"/>
+            </a:fontRef>
+          </p:style>
+          <p:txBody>
+            <a:bodyPr rtlCol="0" anchor="ctr"/>
+            <a:lstStyle/>
+            <a:p>
+              <a:pPr algn="ctr"/>
+              <a:endParaRPr lang="en-PH"/>
+            </a:p>
+          </p:txBody>
+        </p:sp>
+        <p:cxnSp>
+          <p:nvCxnSpPr>
+            <p:cNvPr id="6" name="Straight Connector 5"/>
+            <p:cNvCxnSpPr/>
+            <p:nvPr/>
+          </p:nvCxnSpPr>
+          <p:spPr>
+            <a:xfrm>
+              <a:off x="2267744" y="2420888"/>
+              <a:ext cx="2808312" cy="0"/>
+            </a:xfrm>
+            <a:prstGeom prst="line">
+              <a:avLst/>
+            </a:prstGeom>
+          </p:spPr>
+          <p:style>
+            <a:lnRef idx="3">
+              <a:schemeClr val="accent6"/>
+            </a:lnRef>
+            <a:fillRef idx="0">
+              <a:schemeClr val="accent6"/>
+            </a:fillRef>
+            <a:effectRef idx="2">
+              <a:schemeClr val="accent6"/>
+            </a:effectRef>
+            <a:fontRef idx="minor">
+              <a:schemeClr val="tx1"/>
+            </a:fontRef>
+          </p:style>
+        </p:cxnSp>
+        <p:cxnSp>
+          <p:nvCxnSpPr>
+            <p:cNvPr id="8" name="Straight Connector 7"/>
+            <p:cNvCxnSpPr/>
+            <p:nvPr/>
+          </p:nvCxnSpPr>
+          <p:spPr>
+            <a:xfrm>
+              <a:off x="2267744" y="2573288"/>
+              <a:ext cx="1728192" cy="0"/>
+            </a:xfrm>
+            <a:prstGeom prst="line">
+              <a:avLst/>
+            </a:prstGeom>
+          </p:spPr>
+          <p:style>
+            <a:lnRef idx="3">
+              <a:schemeClr val="accent6"/>
+            </a:lnRef>
+            <a:fillRef idx="0">
+              <a:schemeClr val="accent6"/>
+            </a:fillRef>
+            <a:effectRef idx="2">
+              <a:schemeClr val="accent6"/>
+            </a:effectRef>
+            <a:fontRef idx="minor">
+              <a:schemeClr val="tx1"/>
+            </a:fontRef>
+          </p:style>
+        </p:cxnSp>
+        <p:cxnSp>
+          <p:nvCxnSpPr>
+            <p:cNvPr id="9" name="Straight Connector 8"/>
+            <p:cNvCxnSpPr/>
+            <p:nvPr/>
+          </p:nvCxnSpPr>
+          <p:spPr>
+            <a:xfrm>
+              <a:off x="2267744" y="2725688"/>
+              <a:ext cx="1728192" cy="0"/>
+            </a:xfrm>
+            <a:prstGeom prst="line">
+              <a:avLst/>
+            </a:prstGeom>
+          </p:spPr>
+          <p:style>
+            <a:lnRef idx="3">
+              <a:schemeClr val="accent6"/>
+            </a:lnRef>
+            <a:fillRef idx="0">
+              <a:schemeClr val="accent6"/>
+            </a:fillRef>
+            <a:effectRef idx="2">
+              <a:schemeClr val="accent6"/>
+            </a:effectRef>
+            <a:fontRef idx="minor">
+              <a:schemeClr val="tx1"/>
+            </a:fontRef>
+          </p:style>
+        </p:cxnSp>
+      </p:grpSp>
+      <p:grpSp>
+        <p:nvGrpSpPr>
+          <p:cNvPr id="19" name="Group 18"/>
+          <p:cNvGrpSpPr/>
+          <p:nvPr/>
+        </p:nvGrpSpPr>
+        <p:grpSpPr>
+          <a:xfrm>
+            <a:off x="2095348" y="3149352"/>
+            <a:ext cx="6077051" cy="792088"/>
+            <a:chOff x="2123728" y="2204864"/>
+            <a:chExt cx="3168352" cy="792088"/>
+          </a:xfrm>
+        </p:grpSpPr>
+        <p:sp>
+          <p:nvSpPr>
+            <p:cNvPr id="20" name="Rectangle 19"/>
+            <p:cNvSpPr/>
+            <p:nvPr/>
+          </p:nvSpPr>
+          <p:spPr>
+            <a:xfrm>
+              <a:off x="2123728" y="2204864"/>
+              <a:ext cx="3168352" cy="792088"/>
+            </a:xfrm>
+            <a:prstGeom prst="rect">
+              <a:avLst/>
+            </a:prstGeom>
+          </p:spPr>
+          <p:style>
+            <a:lnRef idx="2">
+              <a:schemeClr val="accent3"/>
+            </a:lnRef>
+            <a:fillRef idx="1">
+              <a:schemeClr val="lt1"/>
+            </a:fillRef>
+            <a:effectRef idx="0">
+              <a:schemeClr val="accent3"/>
+            </a:effectRef>
+            <a:fontRef idx="minor">
+              <a:schemeClr val="dk1"/>
+            </a:fontRef>
+          </p:style>
+          <p:txBody>
+            <a:bodyPr rtlCol="0" anchor="ctr"/>
+            <a:lstStyle/>
+            <a:p>
+              <a:pPr algn="ctr"/>
+              <a:endParaRPr lang="en-PH"/>
+            </a:p>
+          </p:txBody>
+        </p:sp>
+        <p:cxnSp>
+          <p:nvCxnSpPr>
+            <p:cNvPr id="21" name="Straight Connector 20"/>
+            <p:cNvCxnSpPr/>
+            <p:nvPr/>
+          </p:nvCxnSpPr>
+          <p:spPr>
+            <a:xfrm>
+              <a:off x="2267744" y="2420888"/>
+              <a:ext cx="2808312" cy="0"/>
+            </a:xfrm>
+            <a:prstGeom prst="line">
+              <a:avLst/>
+            </a:prstGeom>
+          </p:spPr>
+          <p:style>
+            <a:lnRef idx="3">
+              <a:schemeClr val="accent6"/>
+            </a:lnRef>
+            <a:fillRef idx="0">
+              <a:schemeClr val="accent6"/>
+            </a:fillRef>
+            <a:effectRef idx="2">
+              <a:schemeClr val="accent6"/>
+            </a:effectRef>
+            <a:fontRef idx="minor">
+              <a:schemeClr val="tx1"/>
+            </a:fontRef>
+          </p:style>
+        </p:cxnSp>
+        <p:cxnSp>
+          <p:nvCxnSpPr>
+            <p:cNvPr id="22" name="Straight Connector 21"/>
+            <p:cNvCxnSpPr/>
+            <p:nvPr/>
+          </p:nvCxnSpPr>
+          <p:spPr>
+            <a:xfrm>
+              <a:off x="2267744" y="2573288"/>
+              <a:ext cx="1728192" cy="0"/>
+            </a:xfrm>
+            <a:prstGeom prst="line">
+              <a:avLst/>
+            </a:prstGeom>
+          </p:spPr>
+          <p:style>
+            <a:lnRef idx="3">
+              <a:schemeClr val="accent6"/>
+            </a:lnRef>
+            <a:fillRef idx="0">
+              <a:schemeClr val="accent6"/>
+            </a:fillRef>
+            <a:effectRef idx="2">
+              <a:schemeClr val="accent6"/>
+            </a:effectRef>
+            <a:fontRef idx="minor">
+              <a:schemeClr val="tx1"/>
+            </a:fontRef>
+          </p:style>
+        </p:cxnSp>
+        <p:cxnSp>
+          <p:nvCxnSpPr>
+            <p:cNvPr id="23" name="Straight Connector 22"/>
+            <p:cNvCxnSpPr/>
+            <p:nvPr/>
+          </p:nvCxnSpPr>
+          <p:spPr>
+            <a:xfrm>
+              <a:off x="2267744" y="2725688"/>
+              <a:ext cx="1728192" cy="0"/>
+            </a:xfrm>
+            <a:prstGeom prst="line">
+              <a:avLst/>
+            </a:prstGeom>
+          </p:spPr>
+          <p:style>
+            <a:lnRef idx="3">
+              <a:schemeClr val="accent6"/>
+            </a:lnRef>
+            <a:fillRef idx="0">
+              <a:schemeClr val="accent6"/>
+            </a:fillRef>
+            <a:effectRef idx="2">
+              <a:schemeClr val="accent6"/>
+            </a:effectRef>
+            <a:fontRef idx="minor">
+              <a:schemeClr val="tx1"/>
+            </a:fontRef>
+          </p:style>
+        </p:cxnSp>
+      </p:grpSp>
+      <p:grpSp>
+        <p:nvGrpSpPr>
+          <p:cNvPr id="24" name="Group 23"/>
+          <p:cNvGrpSpPr/>
+          <p:nvPr/>
+        </p:nvGrpSpPr>
+        <p:grpSpPr>
+          <a:xfrm>
+            <a:off x="2079358" y="4149080"/>
+            <a:ext cx="6093042" cy="792088"/>
+            <a:chOff x="2123728" y="2204864"/>
+            <a:chExt cx="3168352" cy="792088"/>
+          </a:xfrm>
+        </p:grpSpPr>
+        <p:sp>
+          <p:nvSpPr>
+            <p:cNvPr id="25" name="Rectangle 24"/>
+            <p:cNvSpPr/>
+            <p:nvPr/>
+          </p:nvSpPr>
+          <p:spPr>
+            <a:xfrm>
+              <a:off x="2123728" y="2204864"/>
+              <a:ext cx="3168352" cy="792088"/>
+            </a:xfrm>
+            <a:prstGeom prst="rect">
+              <a:avLst/>
+            </a:prstGeom>
+          </p:spPr>
+          <p:style>
+            <a:lnRef idx="2">
+              <a:schemeClr val="accent3"/>
+            </a:lnRef>
+            <a:fillRef idx="1">
+              <a:schemeClr val="lt1"/>
+            </a:fillRef>
+            <a:effectRef idx="0">
+              <a:schemeClr val="accent3"/>
+            </a:effectRef>
+            <a:fontRef idx="minor">
+              <a:schemeClr val="dk1"/>
+            </a:fontRef>
+          </p:style>
+          <p:txBody>
+            <a:bodyPr rtlCol="0" anchor="ctr"/>
+            <a:lstStyle/>
+            <a:p>
+              <a:pPr algn="ctr"/>
+              <a:endParaRPr lang="en-PH"/>
+            </a:p>
+          </p:txBody>
+        </p:sp>
+        <p:cxnSp>
+          <p:nvCxnSpPr>
+            <p:cNvPr id="26" name="Straight Connector 25"/>
+            <p:cNvCxnSpPr/>
+            <p:nvPr/>
+          </p:nvCxnSpPr>
+          <p:spPr>
+            <a:xfrm>
+              <a:off x="2267744" y="2420888"/>
+              <a:ext cx="2808312" cy="0"/>
+            </a:xfrm>
+            <a:prstGeom prst="line">
+              <a:avLst/>
+            </a:prstGeom>
+          </p:spPr>
+          <p:style>
+            <a:lnRef idx="3">
+              <a:schemeClr val="accent6"/>
+            </a:lnRef>
+            <a:fillRef idx="0">
+              <a:schemeClr val="accent6"/>
+            </a:fillRef>
+            <a:effectRef idx="2">
+              <a:schemeClr val="accent6"/>
+            </a:effectRef>
+            <a:fontRef idx="minor">
+              <a:schemeClr val="tx1"/>
+            </a:fontRef>
+          </p:style>
+        </p:cxnSp>
+        <p:cxnSp>
+          <p:nvCxnSpPr>
+            <p:cNvPr id="27" name="Straight Connector 26"/>
+            <p:cNvCxnSpPr/>
+            <p:nvPr/>
+          </p:nvCxnSpPr>
+          <p:spPr>
+            <a:xfrm>
+              <a:off x="2267744" y="2573288"/>
+              <a:ext cx="1728192" cy="0"/>
+            </a:xfrm>
+            <a:prstGeom prst="line">
+              <a:avLst/>
+            </a:prstGeom>
+          </p:spPr>
+          <p:style>
+            <a:lnRef idx="3">
+              <a:schemeClr val="accent6"/>
+            </a:lnRef>
+            <a:fillRef idx="0">
+              <a:schemeClr val="accent6"/>
+            </a:fillRef>
+            <a:effectRef idx="2">
+              <a:schemeClr val="accent6"/>
+            </a:effectRef>
+            <a:fontRef idx="minor">
+              <a:schemeClr val="tx1"/>
+            </a:fontRef>
+          </p:style>
+        </p:cxnSp>
+        <p:cxnSp>
+          <p:nvCxnSpPr>
+            <p:cNvPr id="28" name="Straight Connector 27"/>
+            <p:cNvCxnSpPr/>
+            <p:nvPr/>
+          </p:nvCxnSpPr>
+          <p:spPr>
+            <a:xfrm>
+              <a:off x="2267744" y="2725688"/>
+              <a:ext cx="1728192" cy="0"/>
+            </a:xfrm>
+            <a:prstGeom prst="line">
+              <a:avLst/>
+            </a:prstGeom>
+          </p:spPr>
+          <p:style>
+            <a:lnRef idx="3">
+              <a:schemeClr val="accent6"/>
+            </a:lnRef>
+            <a:fillRef idx="0">
+              <a:schemeClr val="accent6"/>
+            </a:fillRef>
+            <a:effectRef idx="2">
+              <a:schemeClr val="accent6"/>
+            </a:effectRef>
+            <a:fontRef idx="minor">
+              <a:schemeClr val="tx1"/>
+            </a:fontRef>
+          </p:style>
+        </p:cxnSp>
+      </p:grpSp>
+      <p:sp>
+        <p:nvSpPr>
+          <p:cNvPr id="29" name="Rectangle 28"/>
+          <p:cNvSpPr/>
+          <p:nvPr/>
+        </p:nvSpPr>
+        <p:spPr>
+          <a:xfrm>
+            <a:off x="2123727" y="5229200"/>
+            <a:ext cx="6048673" cy="1080120"/>
+          </a:xfrm>
+          <a:prstGeom prst="rect">
+            <a:avLst/>
+          </a:prstGeom>
+        </p:spPr>
+        <p:style>
+          <a:lnRef idx="2">
+            <a:schemeClr val="accent3"/>
+          </a:lnRef>
+          <a:fillRef idx="1">
+            <a:schemeClr val="lt1"/>
+          </a:fillRef>
+          <a:effectRef idx="0">
+            <a:schemeClr val="accent3"/>
+          </a:effectRef>
+          <a:fontRef idx="minor">
+            <a:schemeClr val="dk1"/>
+          </a:fontRef>
+        </p:style>
+        <p:txBody>
+          <a:bodyPr rtlCol="0" anchor="ctr"/>
+          <a:lstStyle/>
+          <a:p>
+            <a:pPr algn="ctr"/>
+            <a:r>
+              <a:rPr lang="en-PH" dirty="0" smtClean="0"/>
+              <a:t>Primary key, Title, Content, Date</a:t>
+            </a:r>
+            <a:endParaRPr lang="en-PH" dirty="0"/>
+          </a:p>
+        </p:txBody>
+      </p:sp>
+    </p:spTree>
+    <p:extLst>
+      <p:ext uri="{BB962C8B-B14F-4D97-AF65-F5344CB8AC3E}">
+        <p14:creationId xmlns:p14="http://schemas.microsoft.com/office/powerpoint/2010/main" val="2656140758"/>
+      </p:ext>
+    </p:extLst>
+  </p:cSld>
+  <p:clrMapOvr>
+    <a:masterClrMapping/>
+  </p:clrMapOvr>
+</p:sld>
+</file>
+
+<file path=ppt/slides/slide18.xml><?xml version="1.0" encoding="utf-8"?>
+<p:sld xmlns:a="http://schemas.openxmlformats.org/drawingml/2006/main" xmlns:r="http://schemas.openxmlformats.org/officeDocument/2006/relationships" xmlns:p="http://schemas.openxmlformats.org/presentationml/2006/main">
+  <p:cSld>
+    <p:spTree>
+      <p:nvGrpSpPr>
+        <p:cNvPr id="1" name=""/>
+        <p:cNvGrpSpPr/>
+        <p:nvPr/>
+      </p:nvGrpSpPr>
+      <p:grpSpPr>
+        <a:xfrm>
+          <a:off x="0" y="0"/>
+          <a:ext cx="0" cy="0"/>
+          <a:chOff x="0" y="0"/>
+          <a:chExt cx="0" cy="0"/>
+        </a:xfrm>
+      </p:grpSpPr>
+      <p:sp>
+        <p:nvSpPr>
+          <p:cNvPr id="2" name="Rectangle 1"/>
+          <p:cNvSpPr/>
+          <p:nvPr/>
+        </p:nvSpPr>
+        <p:spPr>
+          <a:xfrm>
+            <a:off x="107504" y="332656"/>
+            <a:ext cx="8640960" cy="1368152"/>
+          </a:xfrm>
+          <a:prstGeom prst="rect">
+            <a:avLst/>
+          </a:prstGeom>
+        </p:spPr>
+        <p:style>
+          <a:lnRef idx="2">
+            <a:schemeClr val="accent1">
+              <a:shade val="50000"/>
+            </a:schemeClr>
+          </a:lnRef>
+          <a:fillRef idx="1">
+            <a:schemeClr val="accent1"/>
+          </a:fillRef>
+          <a:effectRef idx="0">
+            <a:schemeClr val="accent1"/>
+          </a:effectRef>
+          <a:fontRef idx="minor">
+            <a:schemeClr val="lt1"/>
+          </a:fontRef>
+        </p:style>
+        <p:txBody>
+          <a:bodyPr rtlCol="0" anchor="ctr"/>
+          <a:lstStyle/>
+          <a:p>
+            <a:pPr algn="ctr"/>
+            <a:endParaRPr lang="en-PH"/>
+          </a:p>
+        </p:txBody>
+      </p:sp>
+      <p:sp>
+        <p:nvSpPr>
+          <p:cNvPr id="3" name="Rectangle 2"/>
+          <p:cNvSpPr/>
+          <p:nvPr/>
+        </p:nvSpPr>
+        <p:spPr>
+          <a:xfrm>
+            <a:off x="107504" y="2060848"/>
+            <a:ext cx="1368152" cy="4680520"/>
+          </a:xfrm>
+          <a:prstGeom prst="rect">
+            <a:avLst/>
+          </a:prstGeom>
+        </p:spPr>
+        <p:style>
+          <a:lnRef idx="2">
+            <a:schemeClr val="accent1">
+              <a:shade val="50000"/>
+            </a:schemeClr>
+          </a:lnRef>
+          <a:fillRef idx="1">
+            <a:schemeClr val="accent1"/>
+          </a:fillRef>
+          <a:effectRef idx="0">
+            <a:schemeClr val="accent1"/>
+          </a:effectRef>
+          <a:fontRef idx="minor">
+            <a:schemeClr val="lt1"/>
+          </a:fontRef>
+        </p:style>
+        <p:txBody>
+          <a:bodyPr rtlCol="0" anchor="ctr"/>
+          <a:lstStyle/>
+          <a:p>
+            <a:pPr algn="ctr"/>
+            <a:endParaRPr lang="en-PH"/>
+          </a:p>
+        </p:txBody>
+      </p:sp>
+      <p:sp>
+        <p:nvSpPr>
+          <p:cNvPr id="4" name="Rectangle 3"/>
+          <p:cNvSpPr/>
+          <p:nvPr/>
+        </p:nvSpPr>
+        <p:spPr>
+          <a:xfrm>
+            <a:off x="1907704" y="1988840"/>
+            <a:ext cx="6480720" cy="4608512"/>
+          </a:xfrm>
+          <a:prstGeom prst="rect">
+            <a:avLst/>
+          </a:prstGeom>
+        </p:spPr>
+        <p:style>
+          <a:lnRef idx="2">
+            <a:schemeClr val="accent1">
+              <a:shade val="50000"/>
+            </a:schemeClr>
+          </a:lnRef>
+          <a:fillRef idx="1">
+            <a:schemeClr val="accent1"/>
+          </a:fillRef>
+          <a:effectRef idx="0">
+            <a:schemeClr val="accent1"/>
+          </a:effectRef>
+          <a:fontRef idx="minor">
+            <a:schemeClr val="lt1"/>
+          </a:fontRef>
+        </p:style>
+        <p:txBody>
+          <a:bodyPr rtlCol="0" anchor="ctr"/>
+          <a:lstStyle/>
+          <a:p>
+            <a:pPr algn="ctr"/>
+            <a:endParaRPr lang="en-PH"/>
+          </a:p>
+        </p:txBody>
+      </p:sp>
+      <p:sp>
+        <p:nvSpPr>
+          <p:cNvPr id="29" name="Rectangle 28"/>
+          <p:cNvSpPr/>
+          <p:nvPr/>
+        </p:nvSpPr>
+        <p:spPr>
+          <a:xfrm>
+            <a:off x="2123727" y="5229200"/>
+            <a:ext cx="6048673" cy="1080120"/>
+          </a:xfrm>
+          <a:prstGeom prst="rect">
+            <a:avLst/>
+          </a:prstGeom>
+        </p:spPr>
+        <p:style>
+          <a:lnRef idx="2">
+            <a:schemeClr val="accent3"/>
+          </a:lnRef>
+          <a:fillRef idx="1">
+            <a:schemeClr val="lt1"/>
+          </a:fillRef>
+          <a:effectRef idx="0">
+            <a:schemeClr val="accent3"/>
+          </a:effectRef>
+          <a:fontRef idx="minor">
+            <a:schemeClr val="dk1"/>
+          </a:fontRef>
+        </p:style>
+        <p:txBody>
+          <a:bodyPr rtlCol="0" anchor="ctr"/>
+          <a:lstStyle/>
+          <a:p>
+            <a:pPr algn="ctr"/>
+            <a:r>
+              <a:rPr lang="en-PH" dirty="0" smtClean="0"/>
+              <a:t>Primary key, Title, Content, Date</a:t>
+            </a:r>
+            <a:endParaRPr lang="en-PH" dirty="0"/>
+          </a:p>
+        </p:txBody>
+      </p:sp>
+      <p:grpSp>
+        <p:nvGrpSpPr>
+          <p:cNvPr id="10" name="Group 9"/>
+          <p:cNvGrpSpPr/>
+          <p:nvPr/>
+        </p:nvGrpSpPr>
+        <p:grpSpPr>
+          <a:xfrm>
+            <a:off x="2068788" y="2204864"/>
+            <a:ext cx="6048671" cy="792088"/>
+            <a:chOff x="2123727" y="2204864"/>
+            <a:chExt cx="6048671" cy="792088"/>
+          </a:xfrm>
+        </p:grpSpPr>
+        <p:grpSp>
+          <p:nvGrpSpPr>
+            <p:cNvPr id="18" name="Group 17"/>
+            <p:cNvGrpSpPr/>
+            <p:nvPr/>
+          </p:nvGrpSpPr>
+          <p:grpSpPr>
+            <a:xfrm>
+              <a:off x="2123727" y="2204864"/>
+              <a:ext cx="6048671" cy="792088"/>
+              <a:chOff x="2123728" y="2204864"/>
+              <a:chExt cx="3168352" cy="792088"/>
+            </a:xfrm>
+          </p:grpSpPr>
+          <p:sp>
+            <p:nvSpPr>
+              <p:cNvPr id="17" name="Rectangle 16"/>
+              <p:cNvSpPr/>
+              <p:nvPr/>
+            </p:nvSpPr>
+            <p:spPr>
+              <a:xfrm>
+                <a:off x="2123728" y="2204864"/>
+                <a:ext cx="3168352" cy="792088"/>
+              </a:xfrm>
+              <a:prstGeom prst="rect">
+                <a:avLst/>
+              </a:prstGeom>
+            </p:spPr>
+            <p:style>
+              <a:lnRef idx="2">
+                <a:schemeClr val="accent3"/>
+              </a:lnRef>
+              <a:fillRef idx="1">
+                <a:schemeClr val="lt1"/>
+              </a:fillRef>
+              <a:effectRef idx="0">
+                <a:schemeClr val="accent3"/>
+              </a:effectRef>
+              <a:fontRef idx="minor">
+                <a:schemeClr val="dk1"/>
+              </a:fontRef>
+            </p:style>
+            <p:txBody>
+              <a:bodyPr rtlCol="0" anchor="ctr"/>
+              <a:lstStyle/>
+              <a:p>
+                <a:pPr algn="ctr"/>
+                <a:endParaRPr lang="en-PH"/>
+              </a:p>
+            </p:txBody>
+          </p:sp>
+          <p:cxnSp>
+            <p:nvCxnSpPr>
+              <p:cNvPr id="6" name="Straight Connector 5"/>
+              <p:cNvCxnSpPr/>
+              <p:nvPr/>
+            </p:nvCxnSpPr>
+            <p:spPr>
+              <a:xfrm>
+                <a:off x="2267744" y="2420888"/>
+                <a:ext cx="2043656" cy="0"/>
+              </a:xfrm>
+              <a:prstGeom prst="line">
+                <a:avLst/>
+              </a:prstGeom>
+            </p:spPr>
+            <p:style>
+              <a:lnRef idx="3">
+                <a:schemeClr val="accent6"/>
+              </a:lnRef>
+              <a:fillRef idx="0">
+                <a:schemeClr val="accent6"/>
+              </a:fillRef>
+              <a:effectRef idx="2">
+                <a:schemeClr val="accent6"/>
+              </a:effectRef>
+              <a:fontRef idx="minor">
+                <a:schemeClr val="tx1"/>
+              </a:fontRef>
+            </p:style>
+          </p:cxnSp>
+          <p:cxnSp>
+            <p:nvCxnSpPr>
+              <p:cNvPr id="8" name="Straight Connector 7"/>
+              <p:cNvCxnSpPr/>
+              <p:nvPr/>
+            </p:nvCxnSpPr>
+            <p:spPr>
+              <a:xfrm>
+                <a:off x="2267744" y="2573288"/>
+                <a:ext cx="1728192" cy="0"/>
+              </a:xfrm>
+              <a:prstGeom prst="line">
+                <a:avLst/>
+              </a:prstGeom>
+            </p:spPr>
+            <p:style>
+              <a:lnRef idx="3">
+                <a:schemeClr val="accent6"/>
+              </a:lnRef>
+              <a:fillRef idx="0">
+                <a:schemeClr val="accent6"/>
+              </a:fillRef>
+              <a:effectRef idx="2">
+                <a:schemeClr val="accent6"/>
+              </a:effectRef>
+              <a:fontRef idx="minor">
+                <a:schemeClr val="tx1"/>
+              </a:fontRef>
+            </p:style>
+          </p:cxnSp>
+          <p:cxnSp>
+            <p:nvCxnSpPr>
+              <p:cNvPr id="9" name="Straight Connector 8"/>
+              <p:cNvCxnSpPr/>
+              <p:nvPr/>
+            </p:nvCxnSpPr>
+            <p:spPr>
+              <a:xfrm>
+                <a:off x="2267744" y="2725688"/>
+                <a:ext cx="1728192" cy="0"/>
+              </a:xfrm>
+              <a:prstGeom prst="line">
+                <a:avLst/>
+              </a:prstGeom>
+            </p:spPr>
+            <p:style>
+              <a:lnRef idx="3">
+                <a:schemeClr val="accent6"/>
+              </a:lnRef>
+              <a:fillRef idx="0">
+                <a:schemeClr val="accent6"/>
+              </a:fillRef>
+              <a:effectRef idx="2">
+                <a:schemeClr val="accent6"/>
+              </a:effectRef>
+              <a:fontRef idx="minor">
+                <a:schemeClr val="tx1"/>
+              </a:fontRef>
+            </p:style>
+          </p:cxnSp>
+        </p:grpSp>
+        <p:sp>
+          <p:nvSpPr>
+            <p:cNvPr id="7" name="Oval 6"/>
+            <p:cNvSpPr/>
+            <p:nvPr/>
+          </p:nvSpPr>
+          <p:spPr>
+            <a:xfrm>
+              <a:off x="6300191" y="2449675"/>
+              <a:ext cx="864096" cy="351656"/>
+            </a:xfrm>
+            <a:prstGeom prst="ellipse">
+              <a:avLst/>
+            </a:prstGeom>
+          </p:spPr>
+          <p:style>
+            <a:lnRef idx="2">
+              <a:schemeClr val="accent2"/>
+            </a:lnRef>
+            <a:fillRef idx="1">
+              <a:schemeClr val="lt1"/>
+            </a:fillRef>
+            <a:effectRef idx="0">
+              <a:schemeClr val="accent2"/>
+            </a:effectRef>
+            <a:fontRef idx="minor">
+              <a:schemeClr val="dk1"/>
+            </a:fontRef>
+          </p:style>
+          <p:txBody>
+            <a:bodyPr rtlCol="0" anchor="ctr"/>
+            <a:lstStyle/>
+            <a:p>
+              <a:pPr algn="ctr"/>
+              <a:r>
+                <a:rPr lang="en-PH" sz="1100" dirty="0" smtClean="0"/>
+                <a:t>update</a:t>
+              </a:r>
+              <a:endParaRPr lang="en-PH" sz="1100" dirty="0"/>
+            </a:p>
+          </p:txBody>
+        </p:sp>
+        <p:sp>
+          <p:nvSpPr>
+            <p:cNvPr id="30" name="Oval 29"/>
+            <p:cNvSpPr/>
+            <p:nvPr/>
+          </p:nvSpPr>
+          <p:spPr>
+            <a:xfrm>
+              <a:off x="7236296" y="2420888"/>
+              <a:ext cx="864096" cy="351656"/>
+            </a:xfrm>
+            <a:prstGeom prst="ellipse">
+              <a:avLst/>
+            </a:prstGeom>
+          </p:spPr>
+          <p:style>
+            <a:lnRef idx="2">
+              <a:schemeClr val="accent2"/>
+            </a:lnRef>
+            <a:fillRef idx="1">
+              <a:schemeClr val="lt1"/>
+            </a:fillRef>
+            <a:effectRef idx="0">
+              <a:schemeClr val="accent2"/>
+            </a:effectRef>
+            <a:fontRef idx="minor">
+              <a:schemeClr val="dk1"/>
+            </a:fontRef>
+          </p:style>
+          <p:txBody>
+            <a:bodyPr rtlCol="0" anchor="ctr"/>
+            <a:lstStyle/>
+            <a:p>
+              <a:pPr algn="ctr"/>
+              <a:r>
+                <a:rPr lang="en-PH" sz="1100" dirty="0" smtClean="0"/>
+                <a:t>delete</a:t>
+              </a:r>
+              <a:endParaRPr lang="en-PH" sz="1100" dirty="0"/>
+            </a:p>
+          </p:txBody>
+        </p:sp>
+      </p:grpSp>
+      <p:grpSp>
+        <p:nvGrpSpPr>
+          <p:cNvPr id="31" name="Group 30"/>
+          <p:cNvGrpSpPr/>
+          <p:nvPr/>
+        </p:nvGrpSpPr>
+        <p:grpSpPr>
+          <a:xfrm>
+            <a:off x="2068788" y="3212976"/>
+            <a:ext cx="6048671" cy="792088"/>
+            <a:chOff x="2123727" y="2204864"/>
+            <a:chExt cx="6048671" cy="792088"/>
+          </a:xfrm>
+        </p:grpSpPr>
+        <p:grpSp>
+          <p:nvGrpSpPr>
+            <p:cNvPr id="32" name="Group 31"/>
+            <p:cNvGrpSpPr/>
+            <p:nvPr/>
+          </p:nvGrpSpPr>
+          <p:grpSpPr>
+            <a:xfrm>
+              <a:off x="2123727" y="2204864"/>
+              <a:ext cx="6048671" cy="792088"/>
+              <a:chOff x="2123728" y="2204864"/>
+              <a:chExt cx="3168352" cy="792088"/>
+            </a:xfrm>
+          </p:grpSpPr>
+          <p:sp>
+            <p:nvSpPr>
+              <p:cNvPr id="35" name="Rectangle 34"/>
+              <p:cNvSpPr/>
+              <p:nvPr/>
+            </p:nvSpPr>
+            <p:spPr>
+              <a:xfrm>
+                <a:off x="2123728" y="2204864"/>
+                <a:ext cx="3168352" cy="792088"/>
+              </a:xfrm>
+              <a:prstGeom prst="rect">
+                <a:avLst/>
+              </a:prstGeom>
+            </p:spPr>
+            <p:style>
+              <a:lnRef idx="2">
+                <a:schemeClr val="accent3"/>
+              </a:lnRef>
+              <a:fillRef idx="1">
+                <a:schemeClr val="lt1"/>
+              </a:fillRef>
+              <a:effectRef idx="0">
+                <a:schemeClr val="accent3"/>
+              </a:effectRef>
+              <a:fontRef idx="minor">
+                <a:schemeClr val="dk1"/>
+              </a:fontRef>
+            </p:style>
+            <p:txBody>
+              <a:bodyPr rtlCol="0" anchor="ctr"/>
+              <a:lstStyle/>
+              <a:p>
+                <a:pPr algn="ctr"/>
+                <a:endParaRPr lang="en-PH"/>
+              </a:p>
+            </p:txBody>
+          </p:sp>
+          <p:cxnSp>
+            <p:nvCxnSpPr>
+              <p:cNvPr id="36" name="Straight Connector 35"/>
+              <p:cNvCxnSpPr/>
+              <p:nvPr/>
+            </p:nvCxnSpPr>
+            <p:spPr>
+              <a:xfrm>
+                <a:off x="2267744" y="2420888"/>
+                <a:ext cx="2043656" cy="0"/>
+              </a:xfrm>
+              <a:prstGeom prst="line">
+                <a:avLst/>
+              </a:prstGeom>
+            </p:spPr>
+            <p:style>
+              <a:lnRef idx="3">
+                <a:schemeClr val="accent6"/>
+              </a:lnRef>
+              <a:fillRef idx="0">
+                <a:schemeClr val="accent6"/>
+              </a:fillRef>
+              <a:effectRef idx="2">
+                <a:schemeClr val="accent6"/>
+              </a:effectRef>
+              <a:fontRef idx="minor">
+                <a:schemeClr val="tx1"/>
+              </a:fontRef>
+            </p:style>
+          </p:cxnSp>
+          <p:cxnSp>
+            <p:nvCxnSpPr>
+              <p:cNvPr id="37" name="Straight Connector 36"/>
+              <p:cNvCxnSpPr/>
+              <p:nvPr/>
+            </p:nvCxnSpPr>
+            <p:spPr>
+              <a:xfrm>
+                <a:off x="2267744" y="2573288"/>
+                <a:ext cx="1728192" cy="0"/>
+              </a:xfrm>
+              <a:prstGeom prst="line">
+                <a:avLst/>
+              </a:prstGeom>
+            </p:spPr>
+            <p:style>
+              <a:lnRef idx="3">
+                <a:schemeClr val="accent6"/>
+              </a:lnRef>
+              <a:fillRef idx="0">
+                <a:schemeClr val="accent6"/>
+              </a:fillRef>
+              <a:effectRef idx="2">
+                <a:schemeClr val="accent6"/>
+              </a:effectRef>
+              <a:fontRef idx="minor">
+                <a:schemeClr val="tx1"/>
+              </a:fontRef>
+            </p:style>
+          </p:cxnSp>
+          <p:cxnSp>
+            <p:nvCxnSpPr>
+              <p:cNvPr id="38" name="Straight Connector 37"/>
+              <p:cNvCxnSpPr/>
+              <p:nvPr/>
+            </p:nvCxnSpPr>
+            <p:spPr>
+              <a:xfrm>
+                <a:off x="2267744" y="2725688"/>
+                <a:ext cx="1728192" cy="0"/>
+              </a:xfrm>
+              <a:prstGeom prst="line">
+                <a:avLst/>
+              </a:prstGeom>
+            </p:spPr>
+            <p:style>
+              <a:lnRef idx="3">
+                <a:schemeClr val="accent6"/>
+              </a:lnRef>
+              <a:fillRef idx="0">
+                <a:schemeClr val="accent6"/>
+              </a:fillRef>
+              <a:effectRef idx="2">
+                <a:schemeClr val="accent6"/>
+              </a:effectRef>
+              <a:fontRef idx="minor">
+                <a:schemeClr val="tx1"/>
+              </a:fontRef>
+            </p:style>
+          </p:cxnSp>
+        </p:grpSp>
+        <p:sp>
+          <p:nvSpPr>
+            <p:cNvPr id="33" name="Oval 32"/>
+            <p:cNvSpPr/>
+            <p:nvPr/>
+          </p:nvSpPr>
+          <p:spPr>
+            <a:xfrm>
+              <a:off x="6300191" y="2449675"/>
+              <a:ext cx="864096" cy="351656"/>
+            </a:xfrm>
+            <a:prstGeom prst="ellipse">
+              <a:avLst/>
+            </a:prstGeom>
+          </p:spPr>
+          <p:style>
+            <a:lnRef idx="2">
+              <a:schemeClr val="accent2"/>
+            </a:lnRef>
+            <a:fillRef idx="1">
+              <a:schemeClr val="lt1"/>
+            </a:fillRef>
+            <a:effectRef idx="0">
+              <a:schemeClr val="accent2"/>
+            </a:effectRef>
+            <a:fontRef idx="minor">
+              <a:schemeClr val="dk1"/>
+            </a:fontRef>
+          </p:style>
+          <p:txBody>
+            <a:bodyPr rtlCol="0" anchor="ctr"/>
+            <a:lstStyle/>
+            <a:p>
+              <a:pPr algn="ctr"/>
+              <a:r>
+                <a:rPr lang="en-PH" sz="1100" dirty="0" smtClean="0"/>
+                <a:t>update</a:t>
+              </a:r>
+              <a:endParaRPr lang="en-PH" sz="1100" dirty="0"/>
+            </a:p>
+          </p:txBody>
+        </p:sp>
+        <p:sp>
+          <p:nvSpPr>
+            <p:cNvPr id="34" name="Oval 33"/>
+            <p:cNvSpPr/>
+            <p:nvPr/>
+          </p:nvSpPr>
+          <p:spPr>
+            <a:xfrm>
+              <a:off x="7236296" y="2420888"/>
+              <a:ext cx="864096" cy="351656"/>
+            </a:xfrm>
+            <a:prstGeom prst="ellipse">
+              <a:avLst/>
+            </a:prstGeom>
+          </p:spPr>
+          <p:style>
+            <a:lnRef idx="2">
+              <a:schemeClr val="accent2"/>
+            </a:lnRef>
+            <a:fillRef idx="1">
+              <a:schemeClr val="lt1"/>
+            </a:fillRef>
+            <a:effectRef idx="0">
+              <a:schemeClr val="accent2"/>
+            </a:effectRef>
+            <a:fontRef idx="minor">
+              <a:schemeClr val="dk1"/>
+            </a:fontRef>
+          </p:style>
+          <p:txBody>
+            <a:bodyPr rtlCol="0" anchor="ctr"/>
+            <a:lstStyle/>
+            <a:p>
+              <a:pPr algn="ctr"/>
+              <a:r>
+                <a:rPr lang="en-PH" sz="1100" dirty="0" smtClean="0"/>
+                <a:t>delete</a:t>
+              </a:r>
+              <a:endParaRPr lang="en-PH" sz="1100" dirty="0"/>
+            </a:p>
+          </p:txBody>
+        </p:sp>
+      </p:grpSp>
+      <p:grpSp>
+        <p:nvGrpSpPr>
+          <p:cNvPr id="39" name="Group 38"/>
+          <p:cNvGrpSpPr/>
+          <p:nvPr/>
+        </p:nvGrpSpPr>
+        <p:grpSpPr>
+          <a:xfrm>
+            <a:off x="2068788" y="4221088"/>
+            <a:ext cx="6048671" cy="792088"/>
+            <a:chOff x="2123727" y="2204864"/>
+            <a:chExt cx="6048671" cy="792088"/>
+          </a:xfrm>
+        </p:grpSpPr>
+        <p:grpSp>
+          <p:nvGrpSpPr>
+            <p:cNvPr id="40" name="Group 39"/>
+            <p:cNvGrpSpPr/>
+            <p:nvPr/>
+          </p:nvGrpSpPr>
+          <p:grpSpPr>
+            <a:xfrm>
+              <a:off x="2123727" y="2204864"/>
+              <a:ext cx="6048671" cy="792088"/>
+              <a:chOff x="2123728" y="2204864"/>
+              <a:chExt cx="3168352" cy="792088"/>
+            </a:xfrm>
+          </p:grpSpPr>
+          <p:sp>
+            <p:nvSpPr>
+              <p:cNvPr id="43" name="Rectangle 42"/>
+              <p:cNvSpPr/>
+              <p:nvPr/>
+            </p:nvSpPr>
+            <p:spPr>
+              <a:xfrm>
+                <a:off x="2123728" y="2204864"/>
+                <a:ext cx="3168352" cy="792088"/>
+              </a:xfrm>
+              <a:prstGeom prst="rect">
+                <a:avLst/>
+              </a:prstGeom>
+            </p:spPr>
+            <p:style>
+              <a:lnRef idx="2">
+                <a:schemeClr val="accent3"/>
+              </a:lnRef>
+              <a:fillRef idx="1">
+                <a:schemeClr val="lt1"/>
+              </a:fillRef>
+              <a:effectRef idx="0">
+                <a:schemeClr val="accent3"/>
+              </a:effectRef>
+              <a:fontRef idx="minor">
+                <a:schemeClr val="dk1"/>
+              </a:fontRef>
+            </p:style>
+            <p:txBody>
+              <a:bodyPr rtlCol="0" anchor="ctr"/>
+              <a:lstStyle/>
+              <a:p>
+                <a:pPr algn="ctr"/>
+                <a:endParaRPr lang="en-PH"/>
+              </a:p>
+            </p:txBody>
+          </p:sp>
+          <p:cxnSp>
+            <p:nvCxnSpPr>
+              <p:cNvPr id="44" name="Straight Connector 43"/>
+              <p:cNvCxnSpPr/>
+              <p:nvPr/>
+            </p:nvCxnSpPr>
+            <p:spPr>
+              <a:xfrm>
+                <a:off x="2267744" y="2420888"/>
+                <a:ext cx="2043656" cy="0"/>
+              </a:xfrm>
+              <a:prstGeom prst="line">
+                <a:avLst/>
+              </a:prstGeom>
+            </p:spPr>
+            <p:style>
+              <a:lnRef idx="3">
+                <a:schemeClr val="accent6"/>
+              </a:lnRef>
+              <a:fillRef idx="0">
+                <a:schemeClr val="accent6"/>
+              </a:fillRef>
+              <a:effectRef idx="2">
+                <a:schemeClr val="accent6"/>
+              </a:effectRef>
+              <a:fontRef idx="minor">
+                <a:schemeClr val="tx1"/>
+              </a:fontRef>
+            </p:style>
+          </p:cxnSp>
+          <p:cxnSp>
+            <p:nvCxnSpPr>
+              <p:cNvPr id="45" name="Straight Connector 44"/>
+              <p:cNvCxnSpPr/>
+              <p:nvPr/>
+            </p:nvCxnSpPr>
+            <p:spPr>
+              <a:xfrm>
+                <a:off x="2267744" y="2573288"/>
+                <a:ext cx="1728192" cy="0"/>
+              </a:xfrm>
+              <a:prstGeom prst="line">
+                <a:avLst/>
+              </a:prstGeom>
+            </p:spPr>
+            <p:style>
+              <a:lnRef idx="3">
+                <a:schemeClr val="accent6"/>
+              </a:lnRef>
+              <a:fillRef idx="0">
+                <a:schemeClr val="accent6"/>
+              </a:fillRef>
+              <a:effectRef idx="2">
+                <a:schemeClr val="accent6"/>
+              </a:effectRef>
+              <a:fontRef idx="minor">
+                <a:schemeClr val="tx1"/>
+              </a:fontRef>
+            </p:style>
+          </p:cxnSp>
+          <p:cxnSp>
+            <p:nvCxnSpPr>
+              <p:cNvPr id="46" name="Straight Connector 45"/>
+              <p:cNvCxnSpPr/>
+              <p:nvPr/>
+            </p:nvCxnSpPr>
+            <p:spPr>
+              <a:xfrm>
+                <a:off x="2267744" y="2725688"/>
+                <a:ext cx="1728192" cy="0"/>
+              </a:xfrm>
+              <a:prstGeom prst="line">
+                <a:avLst/>
+              </a:prstGeom>
+            </p:spPr>
+            <p:style>
+              <a:lnRef idx="3">
+                <a:schemeClr val="accent6"/>
+              </a:lnRef>
+              <a:fillRef idx="0">
+                <a:schemeClr val="accent6"/>
+              </a:fillRef>
+              <a:effectRef idx="2">
+                <a:schemeClr val="accent6"/>
+              </a:effectRef>
+              <a:fontRef idx="minor">
+                <a:schemeClr val="tx1"/>
+              </a:fontRef>
+            </p:style>
+          </p:cxnSp>
+        </p:grpSp>
+        <p:sp>
+          <p:nvSpPr>
+            <p:cNvPr id="41" name="Oval 40"/>
+            <p:cNvSpPr/>
+            <p:nvPr/>
+          </p:nvSpPr>
+          <p:spPr>
+            <a:xfrm>
+              <a:off x="6300191" y="2449675"/>
+              <a:ext cx="864096" cy="351656"/>
+            </a:xfrm>
+            <a:prstGeom prst="ellipse">
+              <a:avLst/>
+            </a:prstGeom>
+          </p:spPr>
+          <p:style>
+            <a:lnRef idx="2">
+              <a:schemeClr val="accent2"/>
+            </a:lnRef>
+            <a:fillRef idx="1">
+              <a:schemeClr val="lt1"/>
+            </a:fillRef>
+            <a:effectRef idx="0">
+              <a:schemeClr val="accent2"/>
+            </a:effectRef>
+            <a:fontRef idx="minor">
+              <a:schemeClr val="dk1"/>
+            </a:fontRef>
+          </p:style>
+          <p:txBody>
+            <a:bodyPr rtlCol="0" anchor="ctr"/>
+            <a:lstStyle/>
+            <a:p>
+              <a:pPr algn="ctr"/>
+              <a:r>
+                <a:rPr lang="en-PH" sz="1100" dirty="0" smtClean="0"/>
+                <a:t>update</a:t>
+              </a:r>
+              <a:endParaRPr lang="en-PH" sz="1100" dirty="0"/>
+            </a:p>
+          </p:txBody>
+        </p:sp>
+        <p:sp>
+          <p:nvSpPr>
+            <p:cNvPr id="42" name="Oval 41"/>
+            <p:cNvSpPr/>
+            <p:nvPr/>
+          </p:nvSpPr>
+          <p:spPr>
+            <a:xfrm>
+              <a:off x="7236296" y="2420888"/>
+              <a:ext cx="864096" cy="351656"/>
+            </a:xfrm>
+            <a:prstGeom prst="ellipse">
+              <a:avLst/>
+            </a:prstGeom>
+          </p:spPr>
+          <p:style>
+            <a:lnRef idx="2">
+              <a:schemeClr val="accent2"/>
+            </a:lnRef>
+            <a:fillRef idx="1">
+              <a:schemeClr val="lt1"/>
+            </a:fillRef>
+            <a:effectRef idx="0">
+              <a:schemeClr val="accent2"/>
+            </a:effectRef>
+            <a:fontRef idx="minor">
+              <a:schemeClr val="dk1"/>
+            </a:fontRef>
+          </p:style>
+          <p:txBody>
+            <a:bodyPr rtlCol="0" anchor="ctr"/>
+            <a:lstStyle/>
+            <a:p>
+              <a:pPr algn="ctr"/>
+              <a:r>
+                <a:rPr lang="en-PH" sz="1100" dirty="0" smtClean="0"/>
+                <a:t>delete</a:t>
+              </a:r>
+              <a:endParaRPr lang="en-PH" sz="1100" dirty="0"/>
+            </a:p>
+          </p:txBody>
+        </p:sp>
+      </p:grpSp>
+      <p:sp>
+        <p:nvSpPr>
+          <p:cNvPr id="47" name="Flowchart: Alternate Process 46"/>
+          <p:cNvSpPr/>
+          <p:nvPr/>
+        </p:nvSpPr>
+        <p:spPr>
+          <a:xfrm>
+            <a:off x="121570" y="2221632"/>
+            <a:ext cx="1210069" cy="504056"/>
+          </a:xfrm>
+          <a:prstGeom prst="flowChartAlternateProcess">
+            <a:avLst/>
+          </a:prstGeom>
+        </p:spPr>
+        <p:style>
+          <a:lnRef idx="2">
+            <a:schemeClr val="accent2"/>
+          </a:lnRef>
+          <a:fillRef idx="1">
+            <a:schemeClr val="lt1"/>
+          </a:fillRef>
+          <a:effectRef idx="0">
+            <a:schemeClr val="accent2"/>
+          </a:effectRef>
+          <a:fontRef idx="minor">
+            <a:schemeClr val="dk1"/>
+          </a:fontRef>
+        </p:style>
+        <p:txBody>
+          <a:bodyPr rtlCol="0" anchor="ctr"/>
+          <a:lstStyle/>
+          <a:p>
+            <a:pPr algn="ctr"/>
+            <a:r>
+              <a:rPr lang="en-PH" sz="1100" dirty="0" smtClean="0"/>
+              <a:t>New post</a:t>
+            </a:r>
+            <a:endParaRPr lang="en-PH" sz="1100" dirty="0"/>
+          </a:p>
+        </p:txBody>
+      </p:sp>
+    </p:spTree>
+    <p:extLst>
+      <p:ext uri="{BB962C8B-B14F-4D97-AF65-F5344CB8AC3E}">
+        <p14:creationId xmlns:p14="http://schemas.microsoft.com/office/powerpoint/2010/main" val="529962252"/>
       </p:ext>
     </p:extLst>
   </p:cSld>
